--- a/大项目答辩ppt.pptx
+++ b/大项目答辩ppt.pptx
@@ -128,7 +128,18 @@
   </p:defaultTextStyle>
   <p:extLst>
     <p:ext uri="{EFAFB233-063F-42B5-8137-9DF3F51BA10A}">
-      <p15:sldGuideLst xmlns:p15="http://schemas.microsoft.com/office/powerpoint/2012/main" xmlns=""/>
+      <p15:sldGuideLst xmlns:p15="http://schemas.microsoft.com/office/powerpoint/2012/main">
+        <p15:guide id="1" orient="horz" pos="2160">
+          <p15:clr>
+            <a:srgbClr val="A4A3A4"/>
+          </p15:clr>
+        </p15:guide>
+        <p15:guide id="2" pos="3840">
+          <p15:clr>
+            <a:srgbClr val="A4A3A4"/>
+          </p15:clr>
+        </p15:guide>
+      </p15:sldGuideLst>
     </p:ext>
   </p:extLst>
 </p:presentation>
@@ -217,7 +228,7 @@
             <a:fld id="{11E1A13A-D60A-422D-BAA6-E4E7ADFA2A21}" type="datetimeFigureOut">
               <a:rPr lang="zh-CN" altLang="en-US" smtClean="0"/>
               <a:pPr/>
-              <a:t>2020-06-21</a:t>
+              <a:t>2020/6/21</a:t>
             </a:fld>
             <a:endParaRPr lang="zh-CN" altLang="en-US"/>
           </a:p>
@@ -385,7 +396,7 @@
     </p:spTree>
     <p:extLst>
       <p:ext uri="{BB962C8B-B14F-4D97-AF65-F5344CB8AC3E}">
-        <p14:creationId xmlns:p14="http://schemas.microsoft.com/office/powerpoint/2010/main" xmlns="" val="788845017"/>
+        <p14:creationId xmlns:p14="http://schemas.microsoft.com/office/powerpoint/2010/main" val="788845017"/>
       </p:ext>
     </p:extLst>
   </p:cSld>
@@ -565,7 +576,7 @@
     </p:spTree>
     <p:extLst>
       <p:ext uri="{BB962C8B-B14F-4D97-AF65-F5344CB8AC3E}">
-        <p14:creationId xmlns:p14="http://schemas.microsoft.com/office/powerpoint/2010/main" xmlns="" val="3516302022"/>
+        <p14:creationId xmlns:p14="http://schemas.microsoft.com/office/powerpoint/2010/main" val="3516302022"/>
       </p:ext>
     </p:extLst>
   </p:cSld>
@@ -650,7 +661,7 @@
     </p:spTree>
     <p:extLst>
       <p:ext uri="{BB962C8B-B14F-4D97-AF65-F5344CB8AC3E}">
-        <p14:creationId xmlns:p14="http://schemas.microsoft.com/office/powerpoint/2010/main" xmlns="" val="1619643456"/>
+        <p14:creationId xmlns:p14="http://schemas.microsoft.com/office/powerpoint/2010/main" val="1619643456"/>
       </p:ext>
     </p:extLst>
   </p:cSld>
@@ -735,7 +746,7 @@
     </p:spTree>
     <p:extLst>
       <p:ext uri="{BB962C8B-B14F-4D97-AF65-F5344CB8AC3E}">
-        <p14:creationId xmlns:p14="http://schemas.microsoft.com/office/powerpoint/2010/main" xmlns="" val="3819997954"/>
+        <p14:creationId xmlns:p14="http://schemas.microsoft.com/office/powerpoint/2010/main" val="3819997954"/>
       </p:ext>
     </p:extLst>
   </p:cSld>
@@ -825,7 +836,7 @@
     </p:spTree>
     <p:extLst>
       <p:ext uri="{BB962C8B-B14F-4D97-AF65-F5344CB8AC3E}">
-        <p14:creationId xmlns:p14="http://schemas.microsoft.com/office/powerpoint/2010/main" xmlns="" val="2603728634"/>
+        <p14:creationId xmlns:p14="http://schemas.microsoft.com/office/powerpoint/2010/main" val="2603728634"/>
       </p:ext>
     </p:extLst>
   </p:cSld>
@@ -910,7 +921,7 @@
     </p:spTree>
     <p:extLst>
       <p:ext uri="{BB962C8B-B14F-4D97-AF65-F5344CB8AC3E}">
-        <p14:creationId xmlns:p14="http://schemas.microsoft.com/office/powerpoint/2010/main" xmlns="" val="3342172441"/>
+        <p14:creationId xmlns:p14="http://schemas.microsoft.com/office/powerpoint/2010/main" val="3342172441"/>
       </p:ext>
     </p:extLst>
   </p:cSld>
@@ -995,7 +1006,7 @@
     </p:spTree>
     <p:extLst>
       <p:ext uri="{BB962C8B-B14F-4D97-AF65-F5344CB8AC3E}">
-        <p14:creationId xmlns:p14="http://schemas.microsoft.com/office/powerpoint/2010/main" xmlns="" val="2479115622"/>
+        <p14:creationId xmlns:p14="http://schemas.microsoft.com/office/powerpoint/2010/main" val="2479115622"/>
       </p:ext>
     </p:extLst>
   </p:cSld>
@@ -1080,7 +1091,7 @@
     </p:spTree>
     <p:extLst>
       <p:ext uri="{BB962C8B-B14F-4D97-AF65-F5344CB8AC3E}">
-        <p14:creationId xmlns:p14="http://schemas.microsoft.com/office/powerpoint/2010/main" xmlns="" val="2496462944"/>
+        <p14:creationId xmlns:p14="http://schemas.microsoft.com/office/powerpoint/2010/main" val="2496462944"/>
       </p:ext>
     </p:extLst>
   </p:cSld>
@@ -1170,7 +1181,7 @@
     </p:spTree>
     <p:extLst>
       <p:ext uri="{BB962C8B-B14F-4D97-AF65-F5344CB8AC3E}">
-        <p14:creationId xmlns:p14="http://schemas.microsoft.com/office/powerpoint/2010/main" xmlns="" val="133497947"/>
+        <p14:creationId xmlns:p14="http://schemas.microsoft.com/office/powerpoint/2010/main" val="133497947"/>
       </p:ext>
     </p:extLst>
   </p:cSld>
@@ -1260,7 +1271,7 @@
     </p:spTree>
     <p:extLst>
       <p:ext uri="{BB962C8B-B14F-4D97-AF65-F5344CB8AC3E}">
-        <p14:creationId xmlns:p14="http://schemas.microsoft.com/office/powerpoint/2010/main" xmlns="" val="42578102"/>
+        <p14:creationId xmlns:p14="http://schemas.microsoft.com/office/powerpoint/2010/main" val="42578102"/>
       </p:ext>
     </p:extLst>
   </p:cSld>
@@ -1350,7 +1361,7 @@
     </p:spTree>
     <p:extLst>
       <p:ext uri="{BB962C8B-B14F-4D97-AF65-F5344CB8AC3E}">
-        <p14:creationId xmlns:p14="http://schemas.microsoft.com/office/powerpoint/2010/main" xmlns="" val="4093069522"/>
+        <p14:creationId xmlns:p14="http://schemas.microsoft.com/office/powerpoint/2010/main" val="4093069522"/>
       </p:ext>
     </p:extLst>
   </p:cSld>
@@ -1435,7 +1446,7 @@
     </p:spTree>
     <p:extLst>
       <p:ext uri="{BB962C8B-B14F-4D97-AF65-F5344CB8AC3E}">
-        <p14:creationId xmlns:p14="http://schemas.microsoft.com/office/powerpoint/2010/main" xmlns="" val="4102028066"/>
+        <p14:creationId xmlns:p14="http://schemas.microsoft.com/office/powerpoint/2010/main" val="4102028066"/>
       </p:ext>
     </p:extLst>
   </p:cSld>
@@ -1520,7 +1531,7 @@
     </p:spTree>
     <p:extLst>
       <p:ext uri="{BB962C8B-B14F-4D97-AF65-F5344CB8AC3E}">
-        <p14:creationId xmlns:p14="http://schemas.microsoft.com/office/powerpoint/2010/main" xmlns="" val="562828837"/>
+        <p14:creationId xmlns:p14="http://schemas.microsoft.com/office/powerpoint/2010/main" val="562828837"/>
       </p:ext>
     </p:extLst>
   </p:cSld>
@@ -1610,7 +1621,7 @@
     </p:spTree>
     <p:extLst>
       <p:ext uri="{BB962C8B-B14F-4D97-AF65-F5344CB8AC3E}">
-        <p14:creationId xmlns:p14="http://schemas.microsoft.com/office/powerpoint/2010/main" xmlns="" val="3554338110"/>
+        <p14:creationId xmlns:p14="http://schemas.microsoft.com/office/powerpoint/2010/main" val="3554338110"/>
       </p:ext>
     </p:extLst>
   </p:cSld>
@@ -1695,7 +1706,7 @@
     </p:spTree>
     <p:extLst>
       <p:ext uri="{BB962C8B-B14F-4D97-AF65-F5344CB8AC3E}">
-        <p14:creationId xmlns:p14="http://schemas.microsoft.com/office/powerpoint/2010/main" xmlns="" val="652465467"/>
+        <p14:creationId xmlns:p14="http://schemas.microsoft.com/office/powerpoint/2010/main" val="652465467"/>
       </p:ext>
     </p:extLst>
   </p:cSld>
@@ -1780,7 +1791,7 @@
     </p:spTree>
     <p:extLst>
       <p:ext uri="{BB962C8B-B14F-4D97-AF65-F5344CB8AC3E}">
-        <p14:creationId xmlns:p14="http://schemas.microsoft.com/office/powerpoint/2010/main" xmlns="" val="1216881552"/>
+        <p14:creationId xmlns:p14="http://schemas.microsoft.com/office/powerpoint/2010/main" val="1216881552"/>
       </p:ext>
     </p:extLst>
   </p:cSld>
@@ -1870,7 +1881,7 @@
     </p:spTree>
     <p:extLst>
       <p:ext uri="{BB962C8B-B14F-4D97-AF65-F5344CB8AC3E}">
-        <p14:creationId xmlns:p14="http://schemas.microsoft.com/office/powerpoint/2010/main" xmlns="" val="2736931166"/>
+        <p14:creationId xmlns:p14="http://schemas.microsoft.com/office/powerpoint/2010/main" val="2736931166"/>
       </p:ext>
     </p:extLst>
   </p:cSld>
@@ -1902,7 +1913,7 @@
           <p:cNvPr id="2" name="标题 1">
             <a:extLst>
               <a:ext uri="{FF2B5EF4-FFF2-40B4-BE49-F238E27FC236}">
-                <a16:creationId xmlns:a16="http://schemas.microsoft.com/office/drawing/2014/main" xmlns="" id="{8B79FFF1-5516-4089-983F-AC52072E3CA9}"/>
+                <a16:creationId xmlns:a16="http://schemas.microsoft.com/office/drawing/2014/main" id="{8B79FFF1-5516-4089-983F-AC52072E3CA9}"/>
               </a:ext>
             </a:extLst>
           </p:cNvPr>
@@ -1939,7 +1950,7 @@
           <p:cNvPr id="3" name="副标题 2">
             <a:extLst>
               <a:ext uri="{FF2B5EF4-FFF2-40B4-BE49-F238E27FC236}">
-                <a16:creationId xmlns:a16="http://schemas.microsoft.com/office/drawing/2014/main" xmlns="" id="{780C9553-F799-4C7E-AC50-E7319C249641}"/>
+                <a16:creationId xmlns:a16="http://schemas.microsoft.com/office/drawing/2014/main" id="{780C9553-F799-4C7E-AC50-E7319C249641}"/>
               </a:ext>
             </a:extLst>
           </p:cNvPr>
@@ -2009,7 +2020,7 @@
           <p:cNvPr id="4" name="日期占位符 3">
             <a:extLst>
               <a:ext uri="{FF2B5EF4-FFF2-40B4-BE49-F238E27FC236}">
-                <a16:creationId xmlns:a16="http://schemas.microsoft.com/office/drawing/2014/main" xmlns="" id="{8AA484C1-C7B1-47D7-9F24-203E572F8A6E}"/>
+                <a16:creationId xmlns:a16="http://schemas.microsoft.com/office/drawing/2014/main" id="{8AA484C1-C7B1-47D7-9F24-203E572F8A6E}"/>
               </a:ext>
             </a:extLst>
           </p:cNvPr>
@@ -2028,7 +2039,7 @@
             <a:fld id="{BBC58E1B-5923-4CAF-B9CC-D14A574623CF}" type="datetimeFigureOut">
               <a:rPr lang="zh-CN" altLang="en-US" smtClean="0"/>
               <a:pPr/>
-              <a:t>2020-06-21</a:t>
+              <a:t>2020/6/21</a:t>
             </a:fld>
             <a:endParaRPr lang="zh-CN" altLang="en-US"/>
           </a:p>
@@ -2039,7 +2050,7 @@
           <p:cNvPr id="5" name="页脚占位符 4">
             <a:extLst>
               <a:ext uri="{FF2B5EF4-FFF2-40B4-BE49-F238E27FC236}">
-                <a16:creationId xmlns:a16="http://schemas.microsoft.com/office/drawing/2014/main" xmlns="" id="{A433B898-3977-4EFE-B0DE-407EE9604110}"/>
+                <a16:creationId xmlns:a16="http://schemas.microsoft.com/office/drawing/2014/main" id="{A433B898-3977-4EFE-B0DE-407EE9604110}"/>
               </a:ext>
             </a:extLst>
           </p:cNvPr>
@@ -2064,7 +2075,7 @@
           <p:cNvPr id="6" name="灯片编号占位符 5">
             <a:extLst>
               <a:ext uri="{FF2B5EF4-FFF2-40B4-BE49-F238E27FC236}">
-                <a16:creationId xmlns:a16="http://schemas.microsoft.com/office/drawing/2014/main" xmlns="" id="{412F428F-BFBD-400E-A268-93675CB9625D}"/>
+                <a16:creationId xmlns:a16="http://schemas.microsoft.com/office/drawing/2014/main" id="{412F428F-BFBD-400E-A268-93675CB9625D}"/>
               </a:ext>
             </a:extLst>
           </p:cNvPr>
@@ -2092,7 +2103,7 @@
     </p:spTree>
     <p:extLst>
       <p:ext uri="{BB962C8B-B14F-4D97-AF65-F5344CB8AC3E}">
-        <p14:creationId xmlns:p14="http://schemas.microsoft.com/office/powerpoint/2010/main" xmlns="" val="1715507634"/>
+        <p14:creationId xmlns:p14="http://schemas.microsoft.com/office/powerpoint/2010/main" val="1715507634"/>
       </p:ext>
     </p:extLst>
   </p:cSld>
@@ -2124,7 +2135,7 @@
           <p:cNvPr id="2" name="标题 1">
             <a:extLst>
               <a:ext uri="{FF2B5EF4-FFF2-40B4-BE49-F238E27FC236}">
-                <a16:creationId xmlns:a16="http://schemas.microsoft.com/office/drawing/2014/main" xmlns="" id="{9DA2F040-D2CC-4D15-9981-D5CCF6169A89}"/>
+                <a16:creationId xmlns:a16="http://schemas.microsoft.com/office/drawing/2014/main" id="{9DA2F040-D2CC-4D15-9981-D5CCF6169A89}"/>
               </a:ext>
             </a:extLst>
           </p:cNvPr>
@@ -2152,7 +2163,7 @@
           <p:cNvPr id="3" name="竖排文字占位符 2">
             <a:extLst>
               <a:ext uri="{FF2B5EF4-FFF2-40B4-BE49-F238E27FC236}">
-                <a16:creationId xmlns:a16="http://schemas.microsoft.com/office/drawing/2014/main" xmlns="" id="{9F4ED89A-E1D0-4FED-AF5B-0B3A3DF6ED4B}"/>
+                <a16:creationId xmlns:a16="http://schemas.microsoft.com/office/drawing/2014/main" id="{9F4ED89A-E1D0-4FED-AF5B-0B3A3DF6ED4B}"/>
               </a:ext>
             </a:extLst>
           </p:cNvPr>
@@ -2209,7 +2220,7 @@
           <p:cNvPr id="4" name="日期占位符 3">
             <a:extLst>
               <a:ext uri="{FF2B5EF4-FFF2-40B4-BE49-F238E27FC236}">
-                <a16:creationId xmlns:a16="http://schemas.microsoft.com/office/drawing/2014/main" xmlns="" id="{8068F409-2EE7-4E35-A1E6-9649C6E6249D}"/>
+                <a16:creationId xmlns:a16="http://schemas.microsoft.com/office/drawing/2014/main" id="{8068F409-2EE7-4E35-A1E6-9649C6E6249D}"/>
               </a:ext>
             </a:extLst>
           </p:cNvPr>
@@ -2228,7 +2239,7 @@
             <a:fld id="{BBC58E1B-5923-4CAF-B9CC-D14A574623CF}" type="datetimeFigureOut">
               <a:rPr lang="zh-CN" altLang="en-US" smtClean="0"/>
               <a:pPr/>
-              <a:t>2020-06-21</a:t>
+              <a:t>2020/6/21</a:t>
             </a:fld>
             <a:endParaRPr lang="zh-CN" altLang="en-US"/>
           </a:p>
@@ -2239,7 +2250,7 @@
           <p:cNvPr id="5" name="页脚占位符 4">
             <a:extLst>
               <a:ext uri="{FF2B5EF4-FFF2-40B4-BE49-F238E27FC236}">
-                <a16:creationId xmlns:a16="http://schemas.microsoft.com/office/drawing/2014/main" xmlns="" id="{A37E3929-2542-4023-8C1E-DF83FF320CCD}"/>
+                <a16:creationId xmlns:a16="http://schemas.microsoft.com/office/drawing/2014/main" id="{A37E3929-2542-4023-8C1E-DF83FF320CCD}"/>
               </a:ext>
             </a:extLst>
           </p:cNvPr>
@@ -2264,7 +2275,7 @@
           <p:cNvPr id="6" name="灯片编号占位符 5">
             <a:extLst>
               <a:ext uri="{FF2B5EF4-FFF2-40B4-BE49-F238E27FC236}">
-                <a16:creationId xmlns:a16="http://schemas.microsoft.com/office/drawing/2014/main" xmlns="" id="{7416BCD3-BB33-40E1-B226-154B6876CAA0}"/>
+                <a16:creationId xmlns:a16="http://schemas.microsoft.com/office/drawing/2014/main" id="{7416BCD3-BB33-40E1-B226-154B6876CAA0}"/>
               </a:ext>
             </a:extLst>
           </p:cNvPr>
@@ -2292,7 +2303,7 @@
     </p:spTree>
     <p:extLst>
       <p:ext uri="{BB962C8B-B14F-4D97-AF65-F5344CB8AC3E}">
-        <p14:creationId xmlns:p14="http://schemas.microsoft.com/office/powerpoint/2010/main" xmlns="" val="4148476875"/>
+        <p14:creationId xmlns:p14="http://schemas.microsoft.com/office/powerpoint/2010/main" val="4148476875"/>
       </p:ext>
     </p:extLst>
   </p:cSld>
@@ -2324,7 +2335,7 @@
           <p:cNvPr id="2" name="竖排标题 1">
             <a:extLst>
               <a:ext uri="{FF2B5EF4-FFF2-40B4-BE49-F238E27FC236}">
-                <a16:creationId xmlns:a16="http://schemas.microsoft.com/office/drawing/2014/main" xmlns="" id="{1182990A-5E78-48DA-8B1D-69A2E67905AD}"/>
+                <a16:creationId xmlns:a16="http://schemas.microsoft.com/office/drawing/2014/main" id="{1182990A-5E78-48DA-8B1D-69A2E67905AD}"/>
               </a:ext>
             </a:extLst>
           </p:cNvPr>
@@ -2357,7 +2368,7 @@
           <p:cNvPr id="3" name="竖排文字占位符 2">
             <a:extLst>
               <a:ext uri="{FF2B5EF4-FFF2-40B4-BE49-F238E27FC236}">
-                <a16:creationId xmlns:a16="http://schemas.microsoft.com/office/drawing/2014/main" xmlns="" id="{BF869ED9-72F0-4AB5-8DE4-2DEF759931FD}"/>
+                <a16:creationId xmlns:a16="http://schemas.microsoft.com/office/drawing/2014/main" id="{BF869ED9-72F0-4AB5-8DE4-2DEF759931FD}"/>
               </a:ext>
             </a:extLst>
           </p:cNvPr>
@@ -2419,7 +2430,7 @@
           <p:cNvPr id="4" name="日期占位符 3">
             <a:extLst>
               <a:ext uri="{FF2B5EF4-FFF2-40B4-BE49-F238E27FC236}">
-                <a16:creationId xmlns:a16="http://schemas.microsoft.com/office/drawing/2014/main" xmlns="" id="{01E6EB67-5918-460D-B8F1-9C934B0677BD}"/>
+                <a16:creationId xmlns:a16="http://schemas.microsoft.com/office/drawing/2014/main" id="{01E6EB67-5918-460D-B8F1-9C934B0677BD}"/>
               </a:ext>
             </a:extLst>
           </p:cNvPr>
@@ -2438,7 +2449,7 @@
             <a:fld id="{BBC58E1B-5923-4CAF-B9CC-D14A574623CF}" type="datetimeFigureOut">
               <a:rPr lang="zh-CN" altLang="en-US" smtClean="0"/>
               <a:pPr/>
-              <a:t>2020-06-21</a:t>
+              <a:t>2020/6/21</a:t>
             </a:fld>
             <a:endParaRPr lang="zh-CN" altLang="en-US"/>
           </a:p>
@@ -2449,7 +2460,7 @@
           <p:cNvPr id="5" name="页脚占位符 4">
             <a:extLst>
               <a:ext uri="{FF2B5EF4-FFF2-40B4-BE49-F238E27FC236}">
-                <a16:creationId xmlns:a16="http://schemas.microsoft.com/office/drawing/2014/main" xmlns="" id="{A5A56952-31F5-48B6-B8E0-6053A9173538}"/>
+                <a16:creationId xmlns:a16="http://schemas.microsoft.com/office/drawing/2014/main" id="{A5A56952-31F5-48B6-B8E0-6053A9173538}"/>
               </a:ext>
             </a:extLst>
           </p:cNvPr>
@@ -2474,7 +2485,7 @@
           <p:cNvPr id="6" name="灯片编号占位符 5">
             <a:extLst>
               <a:ext uri="{FF2B5EF4-FFF2-40B4-BE49-F238E27FC236}">
-                <a16:creationId xmlns:a16="http://schemas.microsoft.com/office/drawing/2014/main" xmlns="" id="{564B58A8-9B83-4AAF-86A2-6DD23F47D645}"/>
+                <a16:creationId xmlns:a16="http://schemas.microsoft.com/office/drawing/2014/main" id="{564B58A8-9B83-4AAF-86A2-6DD23F47D645}"/>
               </a:ext>
             </a:extLst>
           </p:cNvPr>
@@ -2502,7 +2513,7 @@
     </p:spTree>
     <p:extLst>
       <p:ext uri="{BB962C8B-B14F-4D97-AF65-F5344CB8AC3E}">
-        <p14:creationId xmlns:p14="http://schemas.microsoft.com/office/powerpoint/2010/main" xmlns="" val="128109003"/>
+        <p14:creationId xmlns:p14="http://schemas.microsoft.com/office/powerpoint/2010/main" val="128109003"/>
       </p:ext>
     </p:extLst>
   </p:cSld>
@@ -2532,20 +2543,20 @@
     </p:spTree>
     <p:extLst>
       <p:ext uri="{BB962C8B-B14F-4D97-AF65-F5344CB8AC3E}">
-        <p14:creationId xmlns:p14="http://schemas.microsoft.com/office/powerpoint/2010/main" xmlns="" val="45419417"/>
+        <p14:creationId xmlns:p14="http://schemas.microsoft.com/office/powerpoint/2010/main" val="45419417"/>
       </p:ext>
     </p:extLst>
   </p:cSld>
   <p:clrMapOvr>
     <a:masterClrMapping/>
   </p:clrMapOvr>
-  <mc:AlternateContent xmlns:mc="http://schemas.openxmlformats.org/markup-compatibility/2006">
-    <mc:Choice xmlns:p14="http://schemas.microsoft.com/office/powerpoint/2010/main" xmlns="" Requires="p14">
+  <mc:AlternateContent xmlns:mc="http://schemas.openxmlformats.org/markup-compatibility/2006" xmlns:p14="http://schemas.microsoft.com/office/powerpoint/2010/main">
+    <mc:Choice Requires="p14">
       <p:transition spd="slow" p14:dur="1600" advClick="0" advTm="5000">
         <p14:prism isInverted="1"/>
       </p:transition>
     </mc:Choice>
-    <mc:Fallback>
+    <mc:Fallback xmlns="">
       <p:transition spd="slow" advClick="0" advTm="5000">
         <p:fade/>
       </p:transition>
@@ -2576,7 +2587,7 @@
           <p:cNvPr id="2" name="标题 1">
             <a:extLst>
               <a:ext uri="{FF2B5EF4-FFF2-40B4-BE49-F238E27FC236}">
-                <a16:creationId xmlns:a16="http://schemas.microsoft.com/office/drawing/2014/main" xmlns="" id="{73023233-F927-4518-A423-66A8E62FE1D8}"/>
+                <a16:creationId xmlns:a16="http://schemas.microsoft.com/office/drawing/2014/main" id="{73023233-F927-4518-A423-66A8E62FE1D8}"/>
               </a:ext>
             </a:extLst>
           </p:cNvPr>
@@ -2604,7 +2615,7 @@
           <p:cNvPr id="3" name="内容占位符 2">
             <a:extLst>
               <a:ext uri="{FF2B5EF4-FFF2-40B4-BE49-F238E27FC236}">
-                <a16:creationId xmlns:a16="http://schemas.microsoft.com/office/drawing/2014/main" xmlns="" id="{B0D5ACC5-720E-4889-BC80-E3A4A0EA92E1}"/>
+                <a16:creationId xmlns:a16="http://schemas.microsoft.com/office/drawing/2014/main" id="{B0D5ACC5-720E-4889-BC80-E3A4A0EA92E1}"/>
               </a:ext>
             </a:extLst>
           </p:cNvPr>
@@ -2661,7 +2672,7 @@
           <p:cNvPr id="4" name="日期占位符 3">
             <a:extLst>
               <a:ext uri="{FF2B5EF4-FFF2-40B4-BE49-F238E27FC236}">
-                <a16:creationId xmlns:a16="http://schemas.microsoft.com/office/drawing/2014/main" xmlns="" id="{A04F17C7-D264-4E6D-B540-93BD3C4F11F3}"/>
+                <a16:creationId xmlns:a16="http://schemas.microsoft.com/office/drawing/2014/main" id="{A04F17C7-D264-4E6D-B540-93BD3C4F11F3}"/>
               </a:ext>
             </a:extLst>
           </p:cNvPr>
@@ -2680,7 +2691,7 @@
             <a:fld id="{BBC58E1B-5923-4CAF-B9CC-D14A574623CF}" type="datetimeFigureOut">
               <a:rPr lang="zh-CN" altLang="en-US" smtClean="0"/>
               <a:pPr/>
-              <a:t>2020-06-21</a:t>
+              <a:t>2020/6/21</a:t>
             </a:fld>
             <a:endParaRPr lang="zh-CN" altLang="en-US"/>
           </a:p>
@@ -2691,7 +2702,7 @@
           <p:cNvPr id="5" name="页脚占位符 4">
             <a:extLst>
               <a:ext uri="{FF2B5EF4-FFF2-40B4-BE49-F238E27FC236}">
-                <a16:creationId xmlns:a16="http://schemas.microsoft.com/office/drawing/2014/main" xmlns="" id="{4E7D9222-2A75-4914-A58C-DC0EA0DBD263}"/>
+                <a16:creationId xmlns:a16="http://schemas.microsoft.com/office/drawing/2014/main" id="{4E7D9222-2A75-4914-A58C-DC0EA0DBD263}"/>
               </a:ext>
             </a:extLst>
           </p:cNvPr>
@@ -2716,7 +2727,7 @@
           <p:cNvPr id="6" name="灯片编号占位符 5">
             <a:extLst>
               <a:ext uri="{FF2B5EF4-FFF2-40B4-BE49-F238E27FC236}">
-                <a16:creationId xmlns:a16="http://schemas.microsoft.com/office/drawing/2014/main" xmlns="" id="{3A6FAC89-C0D0-441F-80F7-910664F9E650}"/>
+                <a16:creationId xmlns:a16="http://schemas.microsoft.com/office/drawing/2014/main" id="{3A6FAC89-C0D0-441F-80F7-910664F9E650}"/>
               </a:ext>
             </a:extLst>
           </p:cNvPr>
@@ -2744,7 +2755,7 @@
     </p:spTree>
     <p:extLst>
       <p:ext uri="{BB962C8B-B14F-4D97-AF65-F5344CB8AC3E}">
-        <p14:creationId xmlns:p14="http://schemas.microsoft.com/office/powerpoint/2010/main" xmlns="" val="1145037887"/>
+        <p14:creationId xmlns:p14="http://schemas.microsoft.com/office/powerpoint/2010/main" val="1145037887"/>
       </p:ext>
     </p:extLst>
   </p:cSld>
@@ -2776,7 +2787,7 @@
           <p:cNvPr id="2" name="标题 1">
             <a:extLst>
               <a:ext uri="{FF2B5EF4-FFF2-40B4-BE49-F238E27FC236}">
-                <a16:creationId xmlns:a16="http://schemas.microsoft.com/office/drawing/2014/main" xmlns="" id="{1F9A7C6D-C159-47CD-9A53-668AD4BBE746}"/>
+                <a16:creationId xmlns:a16="http://schemas.microsoft.com/office/drawing/2014/main" id="{1F9A7C6D-C159-47CD-9A53-668AD4BBE746}"/>
               </a:ext>
             </a:extLst>
           </p:cNvPr>
@@ -2813,7 +2824,7 @@
           <p:cNvPr id="3" name="文本占位符 2">
             <a:extLst>
               <a:ext uri="{FF2B5EF4-FFF2-40B4-BE49-F238E27FC236}">
-                <a16:creationId xmlns:a16="http://schemas.microsoft.com/office/drawing/2014/main" xmlns="" id="{0B072288-AF78-4398-BDC0-C36BBA22B035}"/>
+                <a16:creationId xmlns:a16="http://schemas.microsoft.com/office/drawing/2014/main" id="{0B072288-AF78-4398-BDC0-C36BBA22B035}"/>
               </a:ext>
             </a:extLst>
           </p:cNvPr>
@@ -2938,7 +2949,7 @@
           <p:cNvPr id="4" name="日期占位符 3">
             <a:extLst>
               <a:ext uri="{FF2B5EF4-FFF2-40B4-BE49-F238E27FC236}">
-                <a16:creationId xmlns:a16="http://schemas.microsoft.com/office/drawing/2014/main" xmlns="" id="{67475C9E-1872-4158-9819-8AF136A35FC3}"/>
+                <a16:creationId xmlns:a16="http://schemas.microsoft.com/office/drawing/2014/main" id="{67475C9E-1872-4158-9819-8AF136A35FC3}"/>
               </a:ext>
             </a:extLst>
           </p:cNvPr>
@@ -2957,7 +2968,7 @@
             <a:fld id="{BBC58E1B-5923-4CAF-B9CC-D14A574623CF}" type="datetimeFigureOut">
               <a:rPr lang="zh-CN" altLang="en-US" smtClean="0"/>
               <a:pPr/>
-              <a:t>2020-06-21</a:t>
+              <a:t>2020/6/21</a:t>
             </a:fld>
             <a:endParaRPr lang="zh-CN" altLang="en-US"/>
           </a:p>
@@ -2968,7 +2979,7 @@
           <p:cNvPr id="5" name="页脚占位符 4">
             <a:extLst>
               <a:ext uri="{FF2B5EF4-FFF2-40B4-BE49-F238E27FC236}">
-                <a16:creationId xmlns:a16="http://schemas.microsoft.com/office/drawing/2014/main" xmlns="" id="{8D3D4CDC-DDE6-4FAB-BA0F-AB1A733A79E2}"/>
+                <a16:creationId xmlns:a16="http://schemas.microsoft.com/office/drawing/2014/main" id="{8D3D4CDC-DDE6-4FAB-BA0F-AB1A733A79E2}"/>
               </a:ext>
             </a:extLst>
           </p:cNvPr>
@@ -2993,7 +3004,7 @@
           <p:cNvPr id="6" name="灯片编号占位符 5">
             <a:extLst>
               <a:ext uri="{FF2B5EF4-FFF2-40B4-BE49-F238E27FC236}">
-                <a16:creationId xmlns:a16="http://schemas.microsoft.com/office/drawing/2014/main" xmlns="" id="{F45434B5-FC20-45B2-AC33-4C0939D76D20}"/>
+                <a16:creationId xmlns:a16="http://schemas.microsoft.com/office/drawing/2014/main" id="{F45434B5-FC20-45B2-AC33-4C0939D76D20}"/>
               </a:ext>
             </a:extLst>
           </p:cNvPr>
@@ -3021,7 +3032,7 @@
     </p:spTree>
     <p:extLst>
       <p:ext uri="{BB962C8B-B14F-4D97-AF65-F5344CB8AC3E}">
-        <p14:creationId xmlns:p14="http://schemas.microsoft.com/office/powerpoint/2010/main" xmlns="" val="35834999"/>
+        <p14:creationId xmlns:p14="http://schemas.microsoft.com/office/powerpoint/2010/main" val="35834999"/>
       </p:ext>
     </p:extLst>
   </p:cSld>
@@ -3053,7 +3064,7 @@
           <p:cNvPr id="2" name="标题 1">
             <a:extLst>
               <a:ext uri="{FF2B5EF4-FFF2-40B4-BE49-F238E27FC236}">
-                <a16:creationId xmlns:a16="http://schemas.microsoft.com/office/drawing/2014/main" xmlns="" id="{89EA490E-0757-4971-A093-86BC150FF4FA}"/>
+                <a16:creationId xmlns:a16="http://schemas.microsoft.com/office/drawing/2014/main" id="{89EA490E-0757-4971-A093-86BC150FF4FA}"/>
               </a:ext>
             </a:extLst>
           </p:cNvPr>
@@ -3081,7 +3092,7 @@
           <p:cNvPr id="3" name="内容占位符 2">
             <a:extLst>
               <a:ext uri="{FF2B5EF4-FFF2-40B4-BE49-F238E27FC236}">
-                <a16:creationId xmlns:a16="http://schemas.microsoft.com/office/drawing/2014/main" xmlns="" id="{C0D32C1C-16E8-4561-8B01-7291D59974B0}"/>
+                <a16:creationId xmlns:a16="http://schemas.microsoft.com/office/drawing/2014/main" id="{C0D32C1C-16E8-4561-8B01-7291D59974B0}"/>
               </a:ext>
             </a:extLst>
           </p:cNvPr>
@@ -3143,7 +3154,7 @@
           <p:cNvPr id="4" name="内容占位符 3">
             <a:extLst>
               <a:ext uri="{FF2B5EF4-FFF2-40B4-BE49-F238E27FC236}">
-                <a16:creationId xmlns:a16="http://schemas.microsoft.com/office/drawing/2014/main" xmlns="" id="{7368CDBE-F085-4B26-87B6-DBA93552B5C0}"/>
+                <a16:creationId xmlns:a16="http://schemas.microsoft.com/office/drawing/2014/main" id="{7368CDBE-F085-4B26-87B6-DBA93552B5C0}"/>
               </a:ext>
             </a:extLst>
           </p:cNvPr>
@@ -3205,7 +3216,7 @@
           <p:cNvPr id="5" name="日期占位符 4">
             <a:extLst>
               <a:ext uri="{FF2B5EF4-FFF2-40B4-BE49-F238E27FC236}">
-                <a16:creationId xmlns:a16="http://schemas.microsoft.com/office/drawing/2014/main" xmlns="" id="{224B3762-03A4-4419-89E2-3A123B948AC3}"/>
+                <a16:creationId xmlns:a16="http://schemas.microsoft.com/office/drawing/2014/main" id="{224B3762-03A4-4419-89E2-3A123B948AC3}"/>
               </a:ext>
             </a:extLst>
           </p:cNvPr>
@@ -3224,7 +3235,7 @@
             <a:fld id="{BBC58E1B-5923-4CAF-B9CC-D14A574623CF}" type="datetimeFigureOut">
               <a:rPr lang="zh-CN" altLang="en-US" smtClean="0"/>
               <a:pPr/>
-              <a:t>2020-06-21</a:t>
+              <a:t>2020/6/21</a:t>
             </a:fld>
             <a:endParaRPr lang="zh-CN" altLang="en-US"/>
           </a:p>
@@ -3235,7 +3246,7 @@
           <p:cNvPr id="6" name="页脚占位符 5">
             <a:extLst>
               <a:ext uri="{FF2B5EF4-FFF2-40B4-BE49-F238E27FC236}">
-                <a16:creationId xmlns:a16="http://schemas.microsoft.com/office/drawing/2014/main" xmlns="" id="{8DC28077-EA45-4D93-BB7C-81052A4C4199}"/>
+                <a16:creationId xmlns:a16="http://schemas.microsoft.com/office/drawing/2014/main" id="{8DC28077-EA45-4D93-BB7C-81052A4C4199}"/>
               </a:ext>
             </a:extLst>
           </p:cNvPr>
@@ -3260,7 +3271,7 @@
           <p:cNvPr id="7" name="灯片编号占位符 6">
             <a:extLst>
               <a:ext uri="{FF2B5EF4-FFF2-40B4-BE49-F238E27FC236}">
-                <a16:creationId xmlns:a16="http://schemas.microsoft.com/office/drawing/2014/main" xmlns="" id="{6B9E9CAE-0286-495F-87E9-CDDDAEF5CB45}"/>
+                <a16:creationId xmlns:a16="http://schemas.microsoft.com/office/drawing/2014/main" id="{6B9E9CAE-0286-495F-87E9-CDDDAEF5CB45}"/>
               </a:ext>
             </a:extLst>
           </p:cNvPr>
@@ -3288,7 +3299,7 @@
     </p:spTree>
     <p:extLst>
       <p:ext uri="{BB962C8B-B14F-4D97-AF65-F5344CB8AC3E}">
-        <p14:creationId xmlns:p14="http://schemas.microsoft.com/office/powerpoint/2010/main" xmlns="" val="1568880237"/>
+        <p14:creationId xmlns:p14="http://schemas.microsoft.com/office/powerpoint/2010/main" val="1568880237"/>
       </p:ext>
     </p:extLst>
   </p:cSld>
@@ -3320,7 +3331,7 @@
           <p:cNvPr id="2" name="标题 1">
             <a:extLst>
               <a:ext uri="{FF2B5EF4-FFF2-40B4-BE49-F238E27FC236}">
-                <a16:creationId xmlns:a16="http://schemas.microsoft.com/office/drawing/2014/main" xmlns="" id="{BB0E878F-26A5-407D-B38C-75A1EF7DCC8B}"/>
+                <a16:creationId xmlns:a16="http://schemas.microsoft.com/office/drawing/2014/main" id="{BB0E878F-26A5-407D-B38C-75A1EF7DCC8B}"/>
               </a:ext>
             </a:extLst>
           </p:cNvPr>
@@ -3353,7 +3364,7 @@
           <p:cNvPr id="3" name="文本占位符 2">
             <a:extLst>
               <a:ext uri="{FF2B5EF4-FFF2-40B4-BE49-F238E27FC236}">
-                <a16:creationId xmlns:a16="http://schemas.microsoft.com/office/drawing/2014/main" xmlns="" id="{42806A40-E156-4CA3-BB46-C077FEB117C2}"/>
+                <a16:creationId xmlns:a16="http://schemas.microsoft.com/office/drawing/2014/main" id="{42806A40-E156-4CA3-BB46-C077FEB117C2}"/>
               </a:ext>
             </a:extLst>
           </p:cNvPr>
@@ -3424,7 +3435,7 @@
           <p:cNvPr id="4" name="内容占位符 3">
             <a:extLst>
               <a:ext uri="{FF2B5EF4-FFF2-40B4-BE49-F238E27FC236}">
-                <a16:creationId xmlns:a16="http://schemas.microsoft.com/office/drawing/2014/main" xmlns="" id="{C667EC0A-1883-429B-8F73-B743C390F4BE}"/>
+                <a16:creationId xmlns:a16="http://schemas.microsoft.com/office/drawing/2014/main" id="{C667EC0A-1883-429B-8F73-B743C390F4BE}"/>
               </a:ext>
             </a:extLst>
           </p:cNvPr>
@@ -3486,7 +3497,7 @@
           <p:cNvPr id="5" name="文本占位符 4">
             <a:extLst>
               <a:ext uri="{FF2B5EF4-FFF2-40B4-BE49-F238E27FC236}">
-                <a16:creationId xmlns:a16="http://schemas.microsoft.com/office/drawing/2014/main" xmlns="" id="{99FAA717-F83A-439C-A5A2-9B3E4A7C838F}"/>
+                <a16:creationId xmlns:a16="http://schemas.microsoft.com/office/drawing/2014/main" id="{99FAA717-F83A-439C-A5A2-9B3E4A7C838F}"/>
               </a:ext>
             </a:extLst>
           </p:cNvPr>
@@ -3557,7 +3568,7 @@
           <p:cNvPr id="6" name="内容占位符 5">
             <a:extLst>
               <a:ext uri="{FF2B5EF4-FFF2-40B4-BE49-F238E27FC236}">
-                <a16:creationId xmlns:a16="http://schemas.microsoft.com/office/drawing/2014/main" xmlns="" id="{998A8E2C-B8AC-402B-AF85-4B15AC3633AB}"/>
+                <a16:creationId xmlns:a16="http://schemas.microsoft.com/office/drawing/2014/main" id="{998A8E2C-B8AC-402B-AF85-4B15AC3633AB}"/>
               </a:ext>
             </a:extLst>
           </p:cNvPr>
@@ -3619,7 +3630,7 @@
           <p:cNvPr id="7" name="日期占位符 6">
             <a:extLst>
               <a:ext uri="{FF2B5EF4-FFF2-40B4-BE49-F238E27FC236}">
-                <a16:creationId xmlns:a16="http://schemas.microsoft.com/office/drawing/2014/main" xmlns="" id="{22E88E68-B000-485B-89F9-00060A6FFDEB}"/>
+                <a16:creationId xmlns:a16="http://schemas.microsoft.com/office/drawing/2014/main" id="{22E88E68-B000-485B-89F9-00060A6FFDEB}"/>
               </a:ext>
             </a:extLst>
           </p:cNvPr>
@@ -3638,7 +3649,7 @@
             <a:fld id="{BBC58E1B-5923-4CAF-B9CC-D14A574623CF}" type="datetimeFigureOut">
               <a:rPr lang="zh-CN" altLang="en-US" smtClean="0"/>
               <a:pPr/>
-              <a:t>2020-06-21</a:t>
+              <a:t>2020/6/21</a:t>
             </a:fld>
             <a:endParaRPr lang="zh-CN" altLang="en-US"/>
           </a:p>
@@ -3649,7 +3660,7 @@
           <p:cNvPr id="8" name="页脚占位符 7">
             <a:extLst>
               <a:ext uri="{FF2B5EF4-FFF2-40B4-BE49-F238E27FC236}">
-                <a16:creationId xmlns:a16="http://schemas.microsoft.com/office/drawing/2014/main" xmlns="" id="{4B014B78-B649-4EEC-90A3-6E7A7D5BBE09}"/>
+                <a16:creationId xmlns:a16="http://schemas.microsoft.com/office/drawing/2014/main" id="{4B014B78-B649-4EEC-90A3-6E7A7D5BBE09}"/>
               </a:ext>
             </a:extLst>
           </p:cNvPr>
@@ -3674,7 +3685,7 @@
           <p:cNvPr id="9" name="灯片编号占位符 8">
             <a:extLst>
               <a:ext uri="{FF2B5EF4-FFF2-40B4-BE49-F238E27FC236}">
-                <a16:creationId xmlns:a16="http://schemas.microsoft.com/office/drawing/2014/main" xmlns="" id="{3F4E6B48-D59B-4091-8F40-1FCEDC7C3B5E}"/>
+                <a16:creationId xmlns:a16="http://schemas.microsoft.com/office/drawing/2014/main" id="{3F4E6B48-D59B-4091-8F40-1FCEDC7C3B5E}"/>
               </a:ext>
             </a:extLst>
           </p:cNvPr>
@@ -3702,7 +3713,7 @@
     </p:spTree>
     <p:extLst>
       <p:ext uri="{BB962C8B-B14F-4D97-AF65-F5344CB8AC3E}">
-        <p14:creationId xmlns:p14="http://schemas.microsoft.com/office/powerpoint/2010/main" xmlns="" val="3679486220"/>
+        <p14:creationId xmlns:p14="http://schemas.microsoft.com/office/powerpoint/2010/main" val="3679486220"/>
       </p:ext>
     </p:extLst>
   </p:cSld>
@@ -3734,7 +3745,7 @@
           <p:cNvPr id="2" name="标题 1">
             <a:extLst>
               <a:ext uri="{FF2B5EF4-FFF2-40B4-BE49-F238E27FC236}">
-                <a16:creationId xmlns:a16="http://schemas.microsoft.com/office/drawing/2014/main" xmlns="" id="{3200B42C-C3EB-49FA-8D92-0CD3471B62FE}"/>
+                <a16:creationId xmlns:a16="http://schemas.microsoft.com/office/drawing/2014/main" id="{3200B42C-C3EB-49FA-8D92-0CD3471B62FE}"/>
               </a:ext>
             </a:extLst>
           </p:cNvPr>
@@ -3762,7 +3773,7 @@
           <p:cNvPr id="3" name="日期占位符 2">
             <a:extLst>
               <a:ext uri="{FF2B5EF4-FFF2-40B4-BE49-F238E27FC236}">
-                <a16:creationId xmlns:a16="http://schemas.microsoft.com/office/drawing/2014/main" xmlns="" id="{28945836-E41A-4B88-B342-D1223612A628}"/>
+                <a16:creationId xmlns:a16="http://schemas.microsoft.com/office/drawing/2014/main" id="{28945836-E41A-4B88-B342-D1223612A628}"/>
               </a:ext>
             </a:extLst>
           </p:cNvPr>
@@ -3781,7 +3792,7 @@
             <a:fld id="{BBC58E1B-5923-4CAF-B9CC-D14A574623CF}" type="datetimeFigureOut">
               <a:rPr lang="zh-CN" altLang="en-US" smtClean="0"/>
               <a:pPr/>
-              <a:t>2020-06-21</a:t>
+              <a:t>2020/6/21</a:t>
             </a:fld>
             <a:endParaRPr lang="zh-CN" altLang="en-US"/>
           </a:p>
@@ -3792,7 +3803,7 @@
           <p:cNvPr id="4" name="页脚占位符 3">
             <a:extLst>
               <a:ext uri="{FF2B5EF4-FFF2-40B4-BE49-F238E27FC236}">
-                <a16:creationId xmlns:a16="http://schemas.microsoft.com/office/drawing/2014/main" xmlns="" id="{EFCCE0D2-92C4-46E5-992D-143C59FD087D}"/>
+                <a16:creationId xmlns:a16="http://schemas.microsoft.com/office/drawing/2014/main" id="{EFCCE0D2-92C4-46E5-992D-143C59FD087D}"/>
               </a:ext>
             </a:extLst>
           </p:cNvPr>
@@ -3817,7 +3828,7 @@
           <p:cNvPr id="5" name="灯片编号占位符 4">
             <a:extLst>
               <a:ext uri="{FF2B5EF4-FFF2-40B4-BE49-F238E27FC236}">
-                <a16:creationId xmlns:a16="http://schemas.microsoft.com/office/drawing/2014/main" xmlns="" id="{F4DA7FE9-8E2E-494B-B8DF-C43E402BC823}"/>
+                <a16:creationId xmlns:a16="http://schemas.microsoft.com/office/drawing/2014/main" id="{F4DA7FE9-8E2E-494B-B8DF-C43E402BC823}"/>
               </a:ext>
             </a:extLst>
           </p:cNvPr>
@@ -3845,7 +3856,7 @@
     </p:spTree>
     <p:extLst>
       <p:ext uri="{BB962C8B-B14F-4D97-AF65-F5344CB8AC3E}">
-        <p14:creationId xmlns:p14="http://schemas.microsoft.com/office/powerpoint/2010/main" xmlns="" val="999084453"/>
+        <p14:creationId xmlns:p14="http://schemas.microsoft.com/office/powerpoint/2010/main" val="999084453"/>
       </p:ext>
     </p:extLst>
   </p:cSld>
@@ -3877,7 +3888,7 @@
           <p:cNvPr id="2" name="日期占位符 1">
             <a:extLst>
               <a:ext uri="{FF2B5EF4-FFF2-40B4-BE49-F238E27FC236}">
-                <a16:creationId xmlns:a16="http://schemas.microsoft.com/office/drawing/2014/main" xmlns="" id="{BF3C62BD-51FA-4874-9CDE-0B439A55D043}"/>
+                <a16:creationId xmlns:a16="http://schemas.microsoft.com/office/drawing/2014/main" id="{BF3C62BD-51FA-4874-9CDE-0B439A55D043}"/>
               </a:ext>
             </a:extLst>
           </p:cNvPr>
@@ -3896,7 +3907,7 @@
             <a:fld id="{BBC58E1B-5923-4CAF-B9CC-D14A574623CF}" type="datetimeFigureOut">
               <a:rPr lang="zh-CN" altLang="en-US" smtClean="0"/>
               <a:pPr/>
-              <a:t>2020-06-21</a:t>
+              <a:t>2020/6/21</a:t>
             </a:fld>
             <a:endParaRPr lang="zh-CN" altLang="en-US"/>
           </a:p>
@@ -3907,7 +3918,7 @@
           <p:cNvPr id="3" name="页脚占位符 2">
             <a:extLst>
               <a:ext uri="{FF2B5EF4-FFF2-40B4-BE49-F238E27FC236}">
-                <a16:creationId xmlns:a16="http://schemas.microsoft.com/office/drawing/2014/main" xmlns="" id="{E1F37A59-0B14-4152-AAD8-59B0DF532175}"/>
+                <a16:creationId xmlns:a16="http://schemas.microsoft.com/office/drawing/2014/main" id="{E1F37A59-0B14-4152-AAD8-59B0DF532175}"/>
               </a:ext>
             </a:extLst>
           </p:cNvPr>
@@ -3932,7 +3943,7 @@
           <p:cNvPr id="4" name="灯片编号占位符 3">
             <a:extLst>
               <a:ext uri="{FF2B5EF4-FFF2-40B4-BE49-F238E27FC236}">
-                <a16:creationId xmlns:a16="http://schemas.microsoft.com/office/drawing/2014/main" xmlns="" id="{FB830615-BC10-4C9B-9240-20F583A52662}"/>
+                <a16:creationId xmlns:a16="http://schemas.microsoft.com/office/drawing/2014/main" id="{FB830615-BC10-4C9B-9240-20F583A52662}"/>
               </a:ext>
             </a:extLst>
           </p:cNvPr>
@@ -3960,7 +3971,7 @@
     </p:spTree>
     <p:extLst>
       <p:ext uri="{BB962C8B-B14F-4D97-AF65-F5344CB8AC3E}">
-        <p14:creationId xmlns:p14="http://schemas.microsoft.com/office/powerpoint/2010/main" xmlns="" val="3865075868"/>
+        <p14:creationId xmlns:p14="http://schemas.microsoft.com/office/powerpoint/2010/main" val="3865075868"/>
       </p:ext>
     </p:extLst>
   </p:cSld>
@@ -3992,7 +4003,7 @@
           <p:cNvPr id="2" name="标题 1">
             <a:extLst>
               <a:ext uri="{FF2B5EF4-FFF2-40B4-BE49-F238E27FC236}">
-                <a16:creationId xmlns:a16="http://schemas.microsoft.com/office/drawing/2014/main" xmlns="" id="{A086EDE3-4395-4F88-BD97-7E7CDB9FA43D}"/>
+                <a16:creationId xmlns:a16="http://schemas.microsoft.com/office/drawing/2014/main" id="{A086EDE3-4395-4F88-BD97-7E7CDB9FA43D}"/>
               </a:ext>
             </a:extLst>
           </p:cNvPr>
@@ -4029,7 +4040,7 @@
           <p:cNvPr id="3" name="内容占位符 2">
             <a:extLst>
               <a:ext uri="{FF2B5EF4-FFF2-40B4-BE49-F238E27FC236}">
-                <a16:creationId xmlns:a16="http://schemas.microsoft.com/office/drawing/2014/main" xmlns="" id="{69C9A60D-9249-4B5F-9455-A6A43F1867A0}"/>
+                <a16:creationId xmlns:a16="http://schemas.microsoft.com/office/drawing/2014/main" id="{69C9A60D-9249-4B5F-9455-A6A43F1867A0}"/>
               </a:ext>
             </a:extLst>
           </p:cNvPr>
@@ -4119,7 +4130,7 @@
           <p:cNvPr id="4" name="文本占位符 3">
             <a:extLst>
               <a:ext uri="{FF2B5EF4-FFF2-40B4-BE49-F238E27FC236}">
-                <a16:creationId xmlns:a16="http://schemas.microsoft.com/office/drawing/2014/main" xmlns="" id="{3DC37FD2-21CA-4D35-9160-01163EBB6F2E}"/>
+                <a16:creationId xmlns:a16="http://schemas.microsoft.com/office/drawing/2014/main" id="{3DC37FD2-21CA-4D35-9160-01163EBB6F2E}"/>
               </a:ext>
             </a:extLst>
           </p:cNvPr>
@@ -4190,7 +4201,7 @@
           <p:cNvPr id="5" name="日期占位符 4">
             <a:extLst>
               <a:ext uri="{FF2B5EF4-FFF2-40B4-BE49-F238E27FC236}">
-                <a16:creationId xmlns:a16="http://schemas.microsoft.com/office/drawing/2014/main" xmlns="" id="{696068FC-D59E-42EE-AE0F-65AC70EAF130}"/>
+                <a16:creationId xmlns:a16="http://schemas.microsoft.com/office/drawing/2014/main" id="{696068FC-D59E-42EE-AE0F-65AC70EAF130}"/>
               </a:ext>
             </a:extLst>
           </p:cNvPr>
@@ -4209,7 +4220,7 @@
             <a:fld id="{BBC58E1B-5923-4CAF-B9CC-D14A574623CF}" type="datetimeFigureOut">
               <a:rPr lang="zh-CN" altLang="en-US" smtClean="0"/>
               <a:pPr/>
-              <a:t>2020-06-21</a:t>
+              <a:t>2020/6/21</a:t>
             </a:fld>
             <a:endParaRPr lang="zh-CN" altLang="en-US"/>
           </a:p>
@@ -4220,7 +4231,7 @@
           <p:cNvPr id="6" name="页脚占位符 5">
             <a:extLst>
               <a:ext uri="{FF2B5EF4-FFF2-40B4-BE49-F238E27FC236}">
-                <a16:creationId xmlns:a16="http://schemas.microsoft.com/office/drawing/2014/main" xmlns="" id="{B186DEEA-E6C6-4B57-B157-1E148CED8875}"/>
+                <a16:creationId xmlns:a16="http://schemas.microsoft.com/office/drawing/2014/main" id="{B186DEEA-E6C6-4B57-B157-1E148CED8875}"/>
               </a:ext>
             </a:extLst>
           </p:cNvPr>
@@ -4245,7 +4256,7 @@
           <p:cNvPr id="7" name="灯片编号占位符 6">
             <a:extLst>
               <a:ext uri="{FF2B5EF4-FFF2-40B4-BE49-F238E27FC236}">
-                <a16:creationId xmlns:a16="http://schemas.microsoft.com/office/drawing/2014/main" xmlns="" id="{63A63846-694E-4BA3-B1FD-3EA9C1BC081E}"/>
+                <a16:creationId xmlns:a16="http://schemas.microsoft.com/office/drawing/2014/main" id="{63A63846-694E-4BA3-B1FD-3EA9C1BC081E}"/>
               </a:ext>
             </a:extLst>
           </p:cNvPr>
@@ -4273,7 +4284,7 @@
     </p:spTree>
     <p:extLst>
       <p:ext uri="{BB962C8B-B14F-4D97-AF65-F5344CB8AC3E}">
-        <p14:creationId xmlns:p14="http://schemas.microsoft.com/office/powerpoint/2010/main" xmlns="" val="4220212316"/>
+        <p14:creationId xmlns:p14="http://schemas.microsoft.com/office/powerpoint/2010/main" val="4220212316"/>
       </p:ext>
     </p:extLst>
   </p:cSld>
@@ -4305,7 +4316,7 @@
           <p:cNvPr id="2" name="标题 1">
             <a:extLst>
               <a:ext uri="{FF2B5EF4-FFF2-40B4-BE49-F238E27FC236}">
-                <a16:creationId xmlns:a16="http://schemas.microsoft.com/office/drawing/2014/main" xmlns="" id="{10EE0D14-FE72-4798-8970-9CDFCED20662}"/>
+                <a16:creationId xmlns:a16="http://schemas.microsoft.com/office/drawing/2014/main" id="{10EE0D14-FE72-4798-8970-9CDFCED20662}"/>
               </a:ext>
             </a:extLst>
           </p:cNvPr>
@@ -4342,7 +4353,7 @@
           <p:cNvPr id="3" name="图片占位符 2">
             <a:extLst>
               <a:ext uri="{FF2B5EF4-FFF2-40B4-BE49-F238E27FC236}">
-                <a16:creationId xmlns:a16="http://schemas.microsoft.com/office/drawing/2014/main" xmlns="" id="{9FA77EF6-EB07-4511-980E-921BF47E50F7}"/>
+                <a16:creationId xmlns:a16="http://schemas.microsoft.com/office/drawing/2014/main" id="{9FA77EF6-EB07-4511-980E-921BF47E50F7}"/>
               </a:ext>
             </a:extLst>
           </p:cNvPr>
@@ -4409,7 +4420,7 @@
           <p:cNvPr id="4" name="文本占位符 3">
             <a:extLst>
               <a:ext uri="{FF2B5EF4-FFF2-40B4-BE49-F238E27FC236}">
-                <a16:creationId xmlns:a16="http://schemas.microsoft.com/office/drawing/2014/main" xmlns="" id="{8BB03064-31E1-4B80-AAA0-684F6AD9D44F}"/>
+                <a16:creationId xmlns:a16="http://schemas.microsoft.com/office/drawing/2014/main" id="{8BB03064-31E1-4B80-AAA0-684F6AD9D44F}"/>
               </a:ext>
             </a:extLst>
           </p:cNvPr>
@@ -4480,7 +4491,7 @@
           <p:cNvPr id="5" name="日期占位符 4">
             <a:extLst>
               <a:ext uri="{FF2B5EF4-FFF2-40B4-BE49-F238E27FC236}">
-                <a16:creationId xmlns:a16="http://schemas.microsoft.com/office/drawing/2014/main" xmlns="" id="{72B3B429-9BAC-47E1-88AC-53642248C3AC}"/>
+                <a16:creationId xmlns:a16="http://schemas.microsoft.com/office/drawing/2014/main" id="{72B3B429-9BAC-47E1-88AC-53642248C3AC}"/>
               </a:ext>
             </a:extLst>
           </p:cNvPr>
@@ -4499,7 +4510,7 @@
             <a:fld id="{BBC58E1B-5923-4CAF-B9CC-D14A574623CF}" type="datetimeFigureOut">
               <a:rPr lang="zh-CN" altLang="en-US" smtClean="0"/>
               <a:pPr/>
-              <a:t>2020-06-21</a:t>
+              <a:t>2020/6/21</a:t>
             </a:fld>
             <a:endParaRPr lang="zh-CN" altLang="en-US"/>
           </a:p>
@@ -4510,7 +4521,7 @@
           <p:cNvPr id="6" name="页脚占位符 5">
             <a:extLst>
               <a:ext uri="{FF2B5EF4-FFF2-40B4-BE49-F238E27FC236}">
-                <a16:creationId xmlns:a16="http://schemas.microsoft.com/office/drawing/2014/main" xmlns="" id="{376D896D-0829-4DF4-99FB-86C91F206C94}"/>
+                <a16:creationId xmlns:a16="http://schemas.microsoft.com/office/drawing/2014/main" id="{376D896D-0829-4DF4-99FB-86C91F206C94}"/>
               </a:ext>
             </a:extLst>
           </p:cNvPr>
@@ -4535,7 +4546,7 @@
           <p:cNvPr id="7" name="灯片编号占位符 6">
             <a:extLst>
               <a:ext uri="{FF2B5EF4-FFF2-40B4-BE49-F238E27FC236}">
-                <a16:creationId xmlns:a16="http://schemas.microsoft.com/office/drawing/2014/main" xmlns="" id="{B2062671-E355-434A-AD85-F747C9C8A8C4}"/>
+                <a16:creationId xmlns:a16="http://schemas.microsoft.com/office/drawing/2014/main" id="{B2062671-E355-434A-AD85-F747C9C8A8C4}"/>
               </a:ext>
             </a:extLst>
           </p:cNvPr>
@@ -4563,7 +4574,7 @@
     </p:spTree>
     <p:extLst>
       <p:ext uri="{BB962C8B-B14F-4D97-AF65-F5344CB8AC3E}">
-        <p14:creationId xmlns:p14="http://schemas.microsoft.com/office/powerpoint/2010/main" xmlns="" val="2731943379"/>
+        <p14:creationId xmlns:p14="http://schemas.microsoft.com/office/powerpoint/2010/main" val="2731943379"/>
       </p:ext>
     </p:extLst>
   </p:cSld>
@@ -4600,7 +4611,7 @@
           <p:cNvPr id="2" name="标题占位符 1">
             <a:extLst>
               <a:ext uri="{FF2B5EF4-FFF2-40B4-BE49-F238E27FC236}">
-                <a16:creationId xmlns:a16="http://schemas.microsoft.com/office/drawing/2014/main" xmlns="" id="{B8B9262F-3032-494D-90C0-969EB974C37F}"/>
+                <a16:creationId xmlns:a16="http://schemas.microsoft.com/office/drawing/2014/main" id="{B8B9262F-3032-494D-90C0-969EB974C37F}"/>
               </a:ext>
             </a:extLst>
           </p:cNvPr>
@@ -4638,7 +4649,7 @@
           <p:cNvPr id="3" name="文本占位符 2">
             <a:extLst>
               <a:ext uri="{FF2B5EF4-FFF2-40B4-BE49-F238E27FC236}">
-                <a16:creationId xmlns:a16="http://schemas.microsoft.com/office/drawing/2014/main" xmlns="" id="{3497F3C3-A9C0-443D-93B0-C20B41F60729}"/>
+                <a16:creationId xmlns:a16="http://schemas.microsoft.com/office/drawing/2014/main" id="{3497F3C3-A9C0-443D-93B0-C20B41F60729}"/>
               </a:ext>
             </a:extLst>
           </p:cNvPr>
@@ -4705,7 +4716,7 @@
           <p:cNvPr id="4" name="日期占位符 3">
             <a:extLst>
               <a:ext uri="{FF2B5EF4-FFF2-40B4-BE49-F238E27FC236}">
-                <a16:creationId xmlns:a16="http://schemas.microsoft.com/office/drawing/2014/main" xmlns="" id="{7E00BD63-5670-4677-BF00-62DF6209D935}"/>
+                <a16:creationId xmlns:a16="http://schemas.microsoft.com/office/drawing/2014/main" id="{7E00BD63-5670-4677-BF00-62DF6209D935}"/>
               </a:ext>
             </a:extLst>
           </p:cNvPr>
@@ -4742,7 +4753,7 @@
             <a:fld id="{BBC58E1B-5923-4CAF-B9CC-D14A574623CF}" type="datetimeFigureOut">
               <a:rPr lang="zh-CN" altLang="en-US" smtClean="0"/>
               <a:pPr/>
-              <a:t>2020-06-21</a:t>
+              <a:t>2020/6/21</a:t>
             </a:fld>
             <a:endParaRPr lang="zh-CN" altLang="en-US"/>
           </a:p>
@@ -4753,7 +4764,7 @@
           <p:cNvPr id="5" name="页脚占位符 4">
             <a:extLst>
               <a:ext uri="{FF2B5EF4-FFF2-40B4-BE49-F238E27FC236}">
-                <a16:creationId xmlns:a16="http://schemas.microsoft.com/office/drawing/2014/main" xmlns="" id="{E40BF3D1-76EF-4DC2-A169-BD021359CA28}"/>
+                <a16:creationId xmlns:a16="http://schemas.microsoft.com/office/drawing/2014/main" id="{E40BF3D1-76EF-4DC2-A169-BD021359CA28}"/>
               </a:ext>
             </a:extLst>
           </p:cNvPr>
@@ -4796,7 +4807,7 @@
           <p:cNvPr id="6" name="灯片编号占位符 5">
             <a:extLst>
               <a:ext uri="{FF2B5EF4-FFF2-40B4-BE49-F238E27FC236}">
-                <a16:creationId xmlns:a16="http://schemas.microsoft.com/office/drawing/2014/main" xmlns="" id="{196C5D55-7E5F-4181-A809-C8DC293A1DD6}"/>
+                <a16:creationId xmlns:a16="http://schemas.microsoft.com/office/drawing/2014/main" id="{196C5D55-7E5F-4181-A809-C8DC293A1DD6}"/>
               </a:ext>
             </a:extLst>
           </p:cNvPr>
@@ -4844,7 +4855,7 @@
           <p:cNvPr id="7" name="图片 6">
             <a:extLst>
               <a:ext uri="{FF2B5EF4-FFF2-40B4-BE49-F238E27FC236}">
-                <a16:creationId xmlns:a16="http://schemas.microsoft.com/office/drawing/2014/main" xmlns="" id="{6E7EF003-4D3E-4CC8-8E66-BB9477774304}"/>
+                <a16:creationId xmlns:a16="http://schemas.microsoft.com/office/drawing/2014/main" id="{6E7EF003-4D3E-4CC8-8E66-BB9477774304}"/>
               </a:ext>
             </a:extLst>
           </p:cNvPr>
@@ -4857,7 +4868,7 @@
           <a:blip r:embed="rId14">
             <a:extLst>
               <a:ext uri="{28A0092B-C50C-407E-A947-70E740481C1C}">
-                <a14:useLocalDpi xmlns:a14="http://schemas.microsoft.com/office/drawing/2010/main" xmlns="" val="0"/>
+                <a14:useLocalDpi xmlns:a14="http://schemas.microsoft.com/office/drawing/2010/main" val="0"/>
               </a:ext>
             </a:extLst>
           </a:blip>
@@ -4880,7 +4891,7 @@
           <p:cNvPr id="8" name="图片 7">
             <a:extLst>
               <a:ext uri="{FF2B5EF4-FFF2-40B4-BE49-F238E27FC236}">
-                <a16:creationId xmlns:a16="http://schemas.microsoft.com/office/drawing/2014/main" xmlns="" id="{EF89AFA6-3DE3-4BF5-A91A-477FB646848F}"/>
+                <a16:creationId xmlns:a16="http://schemas.microsoft.com/office/drawing/2014/main" id="{EF89AFA6-3DE3-4BF5-A91A-477FB646848F}"/>
               </a:ext>
             </a:extLst>
           </p:cNvPr>
@@ -4893,7 +4904,7 @@
           <a:blip r:embed="rId15">
             <a:extLst>
               <a:ext uri="{28A0092B-C50C-407E-A947-70E740481C1C}">
-                <a14:useLocalDpi xmlns:a14="http://schemas.microsoft.com/office/drawing/2010/main" xmlns="" val="0"/>
+                <a14:useLocalDpi xmlns:a14="http://schemas.microsoft.com/office/drawing/2010/main" val="0"/>
               </a:ext>
             </a:extLst>
           </a:blip>
@@ -4916,7 +4927,7 @@
           <p:cNvPr id="9" name="矩形 8">
             <a:extLst>
               <a:ext uri="{FF2B5EF4-FFF2-40B4-BE49-F238E27FC236}">
-                <a16:creationId xmlns:a16="http://schemas.microsoft.com/office/drawing/2014/main" xmlns="" id="{763F993B-02E4-4B77-A399-04BE8C5F4523}"/>
+                <a16:creationId xmlns:a16="http://schemas.microsoft.com/office/drawing/2014/main" id="{763F993B-02E4-4B77-A399-04BE8C5F4523}"/>
               </a:ext>
             </a:extLst>
           </p:cNvPr>
@@ -4965,7 +4976,7 @@
           <p:cNvPr id="10" name="图片 9">
             <a:extLst>
               <a:ext uri="{FF2B5EF4-FFF2-40B4-BE49-F238E27FC236}">
-                <a16:creationId xmlns:a16="http://schemas.microsoft.com/office/drawing/2014/main" xmlns="" id="{2384EECF-0FCD-45F4-A9F9-5EE45CFA5E13}"/>
+                <a16:creationId xmlns:a16="http://schemas.microsoft.com/office/drawing/2014/main" id="{2384EECF-0FCD-45F4-A9F9-5EE45CFA5E13}"/>
               </a:ext>
             </a:extLst>
           </p:cNvPr>
@@ -4978,7 +4989,7 @@
           <a:blip r:embed="rId15">
             <a:extLst>
               <a:ext uri="{28A0092B-C50C-407E-A947-70E740481C1C}">
-                <a14:useLocalDpi xmlns:a14="http://schemas.microsoft.com/office/drawing/2010/main" xmlns="" val="0"/>
+                <a14:useLocalDpi xmlns:a14="http://schemas.microsoft.com/office/drawing/2010/main" val="0"/>
               </a:ext>
             </a:extLst>
           </a:blip>
@@ -5001,7 +5012,7 @@
           <p:cNvPr id="11" name="矩形 10">
             <a:extLst>
               <a:ext uri="{FF2B5EF4-FFF2-40B4-BE49-F238E27FC236}">
-                <a16:creationId xmlns:a16="http://schemas.microsoft.com/office/drawing/2014/main" xmlns="" id="{F92E179E-F909-403D-A155-B4D3A20E8946}"/>
+                <a16:creationId xmlns:a16="http://schemas.microsoft.com/office/drawing/2014/main" id="{F92E179E-F909-403D-A155-B4D3A20E8946}"/>
               </a:ext>
             </a:extLst>
           </p:cNvPr>
@@ -5053,7 +5064,7 @@
           <p:cNvPr id="12" name="矩形 11">
             <a:extLst>
               <a:ext uri="{FF2B5EF4-FFF2-40B4-BE49-F238E27FC236}">
-                <a16:creationId xmlns:a16="http://schemas.microsoft.com/office/drawing/2014/main" xmlns="" id="{41244BA6-9BA6-4B46-96DE-8B2A97929B73}"/>
+                <a16:creationId xmlns:a16="http://schemas.microsoft.com/office/drawing/2014/main" id="{41244BA6-9BA6-4B46-96DE-8B2A97929B73}"/>
               </a:ext>
             </a:extLst>
           </p:cNvPr>
@@ -5104,7 +5115,7 @@
           <p:cNvPr id="13" name="矩形 12">
             <a:extLst>
               <a:ext uri="{FF2B5EF4-FFF2-40B4-BE49-F238E27FC236}">
-                <a16:creationId xmlns:a16="http://schemas.microsoft.com/office/drawing/2014/main" xmlns="" id="{563658C5-380E-49AA-81FB-66A7A911547A}"/>
+                <a16:creationId xmlns:a16="http://schemas.microsoft.com/office/drawing/2014/main" id="{563658C5-380E-49AA-81FB-66A7A911547A}"/>
               </a:ext>
             </a:extLst>
           </p:cNvPr>
@@ -5141,7 +5152,7 @@
     </p:spTree>
     <p:extLst>
       <p:ext uri="{BB962C8B-B14F-4D97-AF65-F5344CB8AC3E}">
-        <p14:creationId xmlns:p14="http://schemas.microsoft.com/office/powerpoint/2010/main" xmlns="" val="1445137403"/>
+        <p14:creationId xmlns:p14="http://schemas.microsoft.com/office/powerpoint/2010/main" val="1445137403"/>
       </p:ext>
     </p:extLst>
   </p:cSld>
@@ -5661,7 +5672,7 @@
           <p:cNvPr id="4" name="图片 3">
             <a:extLst>
               <a:ext uri="{FF2B5EF4-FFF2-40B4-BE49-F238E27FC236}">
-                <a16:creationId xmlns:a16="http://schemas.microsoft.com/office/drawing/2014/main" xmlns="" id="{A9186AD8-7E6B-4962-9ED2-64EBBE17B70B}"/>
+                <a16:creationId xmlns:a16="http://schemas.microsoft.com/office/drawing/2014/main" id="{A9186AD8-7E6B-4962-9ED2-64EBBE17B70B}"/>
               </a:ext>
             </a:extLst>
           </p:cNvPr>
@@ -5674,7 +5685,7 @@
           <a:blip r:embed="rId3">
             <a:extLst>
               <a:ext uri="{28A0092B-C50C-407E-A947-70E740481C1C}">
-                <a14:useLocalDpi xmlns:a14="http://schemas.microsoft.com/office/drawing/2010/main" xmlns="" val="0"/>
+                <a14:useLocalDpi xmlns:a14="http://schemas.microsoft.com/office/drawing/2010/main" val="0"/>
               </a:ext>
             </a:extLst>
           </a:blip>
@@ -5697,7 +5708,7 @@
           <p:cNvPr id="7" name="TextBox 12">
             <a:extLst>
               <a:ext uri="{FF2B5EF4-FFF2-40B4-BE49-F238E27FC236}">
-                <a16:creationId xmlns:a16="http://schemas.microsoft.com/office/drawing/2014/main" xmlns="" id="{FF2E4A98-53F0-47F1-ADD7-AA17F93DAA6E}"/>
+                <a16:creationId xmlns:a16="http://schemas.microsoft.com/office/drawing/2014/main" id="{FF2E4A98-53F0-47F1-ADD7-AA17F93DAA6E}"/>
               </a:ext>
             </a:extLst>
           </p:cNvPr>
@@ -5754,7 +5765,7 @@
           <p:cNvPr id="8" name="圆角矩形 18">
             <a:extLst>
               <a:ext uri="{FF2B5EF4-FFF2-40B4-BE49-F238E27FC236}">
-                <a16:creationId xmlns:a16="http://schemas.microsoft.com/office/drawing/2014/main" xmlns="" id="{7F80EB09-91BC-4E3B-8429-DECA0CDFAB34}"/>
+                <a16:creationId xmlns:a16="http://schemas.microsoft.com/office/drawing/2014/main" id="{7F80EB09-91BC-4E3B-8429-DECA0CDFAB34}"/>
               </a:ext>
             </a:extLst>
           </p:cNvPr>
@@ -5898,7 +5909,7 @@
           <p:cNvPr id="3" name="图片 2">
             <a:extLst>
               <a:ext uri="{FF2B5EF4-FFF2-40B4-BE49-F238E27FC236}">
-                <a16:creationId xmlns:a16="http://schemas.microsoft.com/office/drawing/2014/main" xmlns="" id="{BF1AF3C0-AAC5-4970-A935-305CB06CB948}"/>
+                <a16:creationId xmlns:a16="http://schemas.microsoft.com/office/drawing/2014/main" id="{BF1AF3C0-AAC5-4970-A935-305CB06CB948}"/>
               </a:ext>
             </a:extLst>
           </p:cNvPr>
@@ -5911,7 +5922,7 @@
           <a:blip r:embed="rId4">
             <a:extLst>
               <a:ext uri="{28A0092B-C50C-407E-A947-70E740481C1C}">
-                <a14:useLocalDpi xmlns:a14="http://schemas.microsoft.com/office/drawing/2010/main" xmlns="" val="0"/>
+                <a14:useLocalDpi xmlns:a14="http://schemas.microsoft.com/office/drawing/2010/main" val="0"/>
               </a:ext>
             </a:extLst>
           </a:blip>
@@ -5932,20 +5943,20 @@
     </p:spTree>
     <p:extLst>
       <p:ext uri="{BB962C8B-B14F-4D97-AF65-F5344CB8AC3E}">
-        <p14:creationId xmlns:p14="http://schemas.microsoft.com/office/powerpoint/2010/main" xmlns="" val="2575140758"/>
+        <p14:creationId xmlns:p14="http://schemas.microsoft.com/office/powerpoint/2010/main" val="2575140758"/>
       </p:ext>
     </p:extLst>
   </p:cSld>
   <p:clrMapOvr>
     <a:masterClrMapping/>
   </p:clrMapOvr>
-  <mc:AlternateContent xmlns:mc="http://schemas.openxmlformats.org/markup-compatibility/2006">
-    <mc:Choice xmlns:p14="http://schemas.microsoft.com/office/powerpoint/2010/main" xmlns="" Requires="p14">
+  <mc:AlternateContent xmlns:mc="http://schemas.openxmlformats.org/markup-compatibility/2006" xmlns:p14="http://schemas.microsoft.com/office/powerpoint/2010/main">
+    <mc:Choice Requires="p14">
       <p:transition spd="slow" p14:dur="1500">
         <p:random/>
       </p:transition>
     </mc:Choice>
-    <mc:Fallback>
+    <mc:Fallback xmlns="">
       <p:transition spd="slow">
         <p:random/>
       </p:transition>
@@ -6193,7 +6204,7 @@
           <p:cNvPr id="11" name="图片 10">
             <a:extLst>
               <a:ext uri="{FF2B5EF4-FFF2-40B4-BE49-F238E27FC236}">
-                <a16:creationId xmlns:a16="http://schemas.microsoft.com/office/drawing/2014/main" xmlns="" id="{C1167096-B14B-4B93-B9E8-EB2EEC347A63}"/>
+                <a16:creationId xmlns:a16="http://schemas.microsoft.com/office/drawing/2014/main" id="{C1167096-B14B-4B93-B9E8-EB2EEC347A63}"/>
               </a:ext>
             </a:extLst>
           </p:cNvPr>
@@ -6206,7 +6217,7 @@
           <a:blip r:embed="rId3">
             <a:extLst>
               <a:ext uri="{28A0092B-C50C-407E-A947-70E740481C1C}">
-                <a14:useLocalDpi xmlns:a14="http://schemas.microsoft.com/office/drawing/2010/main" xmlns="" val="0"/>
+                <a14:useLocalDpi xmlns:a14="http://schemas.microsoft.com/office/drawing/2010/main" val="0"/>
               </a:ext>
             </a:extLst>
           </a:blip>
@@ -6229,7 +6240,7 @@
           <p:cNvPr id="12" name="等腰三角形 11">
             <a:extLst>
               <a:ext uri="{FF2B5EF4-FFF2-40B4-BE49-F238E27FC236}">
-                <a16:creationId xmlns:a16="http://schemas.microsoft.com/office/drawing/2014/main" xmlns="" id="{0FC1CE7C-66E3-470E-96C8-D58495BDDFC6}"/>
+                <a16:creationId xmlns:a16="http://schemas.microsoft.com/office/drawing/2014/main" id="{0FC1CE7C-66E3-470E-96C8-D58495BDDFC6}"/>
               </a:ext>
             </a:extLst>
           </p:cNvPr>
@@ -6283,7 +6294,7 @@
           <p:cNvPr id="25" name="文本框 24">
             <a:extLst>
               <a:ext uri="{FF2B5EF4-FFF2-40B4-BE49-F238E27FC236}">
-                <a16:creationId xmlns:a16="http://schemas.microsoft.com/office/drawing/2014/main" xmlns="" id="{839CCFEE-7720-4890-94BE-08FB5F1D78F2}"/>
+                <a16:creationId xmlns:a16="http://schemas.microsoft.com/office/drawing/2014/main" id="{839CCFEE-7720-4890-94BE-08FB5F1D78F2}"/>
               </a:ext>
             </a:extLst>
           </p:cNvPr>
@@ -6331,7 +6342,7 @@
           <p:cNvPr id="27" name="文本框 26">
             <a:extLst>
               <a:ext uri="{FF2B5EF4-FFF2-40B4-BE49-F238E27FC236}">
-                <a16:creationId xmlns:a16="http://schemas.microsoft.com/office/drawing/2014/main" xmlns="" id="{BE27AB1B-F3A5-4458-AA9D-C52B9721193B}"/>
+                <a16:creationId xmlns:a16="http://schemas.microsoft.com/office/drawing/2014/main" id="{BE27AB1B-F3A5-4458-AA9D-C52B9721193B}"/>
               </a:ext>
             </a:extLst>
           </p:cNvPr>
@@ -6382,7 +6393,7 @@
           <p:cNvPr id="9" name="图片 8">
             <a:extLst>
               <a:ext uri="{FF2B5EF4-FFF2-40B4-BE49-F238E27FC236}">
-                <a16:creationId xmlns:a16="http://schemas.microsoft.com/office/drawing/2014/main" xmlns="" id="{755FAAD3-CF70-4DE7-9DCB-DB9E889AFB2F}"/>
+                <a16:creationId xmlns:a16="http://schemas.microsoft.com/office/drawing/2014/main" id="{755FAAD3-CF70-4DE7-9DCB-DB9E889AFB2F}"/>
               </a:ext>
             </a:extLst>
           </p:cNvPr>
@@ -6395,7 +6406,7 @@
           <a:blip r:embed="rId4">
             <a:extLst>
               <a:ext uri="{28A0092B-C50C-407E-A947-70E740481C1C}">
-                <a14:useLocalDpi xmlns:a14="http://schemas.microsoft.com/office/drawing/2010/main" xmlns="" val="0"/>
+                <a14:useLocalDpi xmlns:a14="http://schemas.microsoft.com/office/drawing/2010/main" val="0"/>
               </a:ext>
             </a:extLst>
           </a:blip>
@@ -6418,7 +6429,7 @@
           <p:cNvPr id="10" name="图片 9">
             <a:extLst>
               <a:ext uri="{FF2B5EF4-FFF2-40B4-BE49-F238E27FC236}">
-                <a16:creationId xmlns:a16="http://schemas.microsoft.com/office/drawing/2014/main" xmlns="" id="{C8B70C9A-804E-41BE-84CC-9A3ED8B5410D}"/>
+                <a16:creationId xmlns:a16="http://schemas.microsoft.com/office/drawing/2014/main" id="{C8B70C9A-804E-41BE-84CC-9A3ED8B5410D}"/>
               </a:ext>
             </a:extLst>
           </p:cNvPr>
@@ -6431,7 +6442,7 @@
           <a:blip r:embed="rId4">
             <a:extLst>
               <a:ext uri="{28A0092B-C50C-407E-A947-70E740481C1C}">
-                <a14:useLocalDpi xmlns:a14="http://schemas.microsoft.com/office/drawing/2010/main" xmlns="" val="0"/>
+                <a14:useLocalDpi xmlns:a14="http://schemas.microsoft.com/office/drawing/2010/main" val="0"/>
               </a:ext>
             </a:extLst>
           </a:blip>
@@ -6452,20 +6463,20 @@
     </p:spTree>
     <p:extLst>
       <p:ext uri="{BB962C8B-B14F-4D97-AF65-F5344CB8AC3E}">
-        <p14:creationId xmlns:p14="http://schemas.microsoft.com/office/powerpoint/2010/main" xmlns="" val="4150678463"/>
+        <p14:creationId xmlns:p14="http://schemas.microsoft.com/office/powerpoint/2010/main" val="4150678463"/>
       </p:ext>
     </p:extLst>
   </p:cSld>
   <p:clrMapOvr>
     <a:masterClrMapping/>
   </p:clrMapOvr>
-  <mc:AlternateContent xmlns:mc="http://schemas.openxmlformats.org/markup-compatibility/2006">
-    <mc:Choice xmlns:p14="http://schemas.microsoft.com/office/powerpoint/2010/main" xmlns="" Requires="p14">
+  <mc:AlternateContent xmlns:mc="http://schemas.openxmlformats.org/markup-compatibility/2006" xmlns:p14="http://schemas.microsoft.com/office/powerpoint/2010/main">
+    <mc:Choice Requires="p14">
       <p:transition spd="slow" p14:dur="1500">
         <p:random/>
       </p:transition>
     </mc:Choice>
-    <mc:Fallback>
+    <mc:Fallback xmlns="">
       <p:transition spd="slow">
         <p:random/>
       </p:transition>
@@ -6582,7 +6593,7 @@
           <p:cNvPr id="2" name="文本框 1">
             <a:extLst>
               <a:ext uri="{FF2B5EF4-FFF2-40B4-BE49-F238E27FC236}">
-                <a16:creationId xmlns:a16="http://schemas.microsoft.com/office/drawing/2014/main" xmlns="" id="{82B7A0D1-94AA-4BBE-B075-7F8DE3980D9E}"/>
+                <a16:creationId xmlns:a16="http://schemas.microsoft.com/office/drawing/2014/main" id="{82B7A0D1-94AA-4BBE-B075-7F8DE3980D9E}"/>
               </a:ext>
             </a:extLst>
           </p:cNvPr>
@@ -6616,7 +6627,7 @@
           <p:cNvPr id="4" name="文本框 3">
             <a:extLst>
               <a:ext uri="{FF2B5EF4-FFF2-40B4-BE49-F238E27FC236}">
-                <a16:creationId xmlns:a16="http://schemas.microsoft.com/office/drawing/2014/main" xmlns="" id="{B14A304B-A988-4D61-AEAF-5B58683FE9CE}"/>
+                <a16:creationId xmlns:a16="http://schemas.microsoft.com/office/drawing/2014/main" id="{B14A304B-A988-4D61-AEAF-5B58683FE9CE}"/>
               </a:ext>
             </a:extLst>
           </p:cNvPr>
@@ -6645,19 +6656,8 @@
                 <a:latin typeface="楷体" panose="02010609060101010101" pitchFamily="49" charset="-122"/>
                 <a:ea typeface="楷体" panose="02010609060101010101" pitchFamily="49" charset="-122"/>
               </a:rPr>
-              <a:t>技术</a:t>
-            </a:r>
-            <a:r>
-              <a:rPr lang="zh-CN" altLang="en-US" sz="3600" b="1" dirty="0" smtClean="0">
-                <a:latin typeface="楷体" panose="02010609060101010101" pitchFamily="49" charset="-122"/>
-                <a:ea typeface="楷体" panose="02010609060101010101" pitchFamily="49" charset="-122"/>
-              </a:rPr>
-              <a:t>难点及解决过程</a:t>
-            </a:r>
-            <a:endParaRPr lang="zh-CN" altLang="en-US" sz="3600" b="1" dirty="0">
-              <a:latin typeface="楷体" panose="02010609060101010101" pitchFamily="49" charset="-122"/>
-              <a:ea typeface="楷体" panose="02010609060101010101" pitchFamily="49" charset="-122"/>
-            </a:endParaRPr>
+              <a:t>技术难点及解决过程</a:t>
+            </a:r>
           </a:p>
         </p:txBody>
       </p:sp>
@@ -6666,7 +6666,7 @@
           <p:cNvPr id="3" name="文本框 2">
             <a:extLst>
               <a:ext uri="{FF2B5EF4-FFF2-40B4-BE49-F238E27FC236}">
-                <a16:creationId xmlns:a16="http://schemas.microsoft.com/office/drawing/2014/main" xmlns="" id="{AF0E7EF3-90A2-44A7-8CA6-5E19E636BA67}"/>
+                <a16:creationId xmlns:a16="http://schemas.microsoft.com/office/drawing/2014/main" id="{AF0E7EF3-90A2-44A7-8CA6-5E19E636BA67}"/>
               </a:ext>
             </a:extLst>
           </p:cNvPr>
@@ -6697,35 +6697,21 @@
               <a:t>1</a:t>
             </a:r>
             <a:r>
-              <a:rPr lang="zh-CN" altLang="en-US" sz="2400" dirty="0" smtClean="0">
-                <a:latin typeface="楷体" panose="02010609060101010101" pitchFamily="49" charset="-122"/>
-                <a:ea typeface="楷体" panose="02010609060101010101" pitchFamily="49" charset="-122"/>
-              </a:rPr>
-              <a:t>、技术难点：实现</a:t>
-            </a:r>
-            <a:r>
               <a:rPr lang="zh-CN" altLang="en-US" sz="2400" dirty="0">
                 <a:latin typeface="楷体" panose="02010609060101010101" pitchFamily="49" charset="-122"/>
                 <a:ea typeface="楷体" panose="02010609060101010101" pitchFamily="49" charset="-122"/>
               </a:rPr>
-              <a:t>怪物的自由</a:t>
-            </a:r>
-            <a:r>
-              <a:rPr lang="zh-CN" altLang="en-US" sz="2400" dirty="0" smtClean="0">
-                <a:latin typeface="楷体" panose="02010609060101010101" pitchFamily="49" charset="-122"/>
-                <a:ea typeface="楷体" panose="02010609060101010101" pitchFamily="49" charset="-122"/>
-              </a:rPr>
-              <a:t>移动；解决过程：大于怪物可视范围时采用随机数来实现自由移动，小于可视范围时靠近</a:t>
-            </a:r>
-            <a:r>
-              <a:rPr lang="en-US" altLang="zh-CN" sz="2400" dirty="0" smtClean="0">
+              <a:t>、技术难点：实现怪物的自由移动；解决过程：大于怪物可视范围时采用随机数来实现自由移动，小于可视范围时靠近</a:t>
+            </a:r>
+            <a:r>
+              <a:rPr lang="en-US" altLang="zh-CN" sz="2400" dirty="0">
                 <a:latin typeface="楷体" panose="02010609060101010101" pitchFamily="49" charset="-122"/>
                 <a:ea typeface="楷体" panose="02010609060101010101" pitchFamily="49" charset="-122"/>
               </a:rPr>
               <a:t>hero</a:t>
             </a:r>
             <a:r>
-              <a:rPr lang="zh-CN" altLang="en-US" sz="2400" dirty="0" smtClean="0">
+              <a:rPr lang="zh-CN" altLang="en-US" sz="2400" dirty="0">
                 <a:latin typeface="楷体" panose="02010609060101010101" pitchFamily="49" charset="-122"/>
                 <a:ea typeface="楷体" panose="02010609060101010101" pitchFamily="49" charset="-122"/>
               </a:rPr>
@@ -6745,7 +6731,7 @@
               <a:t>2</a:t>
             </a:r>
             <a:r>
-              <a:rPr lang="zh-CN" altLang="en-US" sz="2400" dirty="0" smtClean="0">
+              <a:rPr lang="zh-CN" altLang="en-US" sz="2400" dirty="0">
                 <a:latin typeface="楷体" panose="02010609060101010101" pitchFamily="49" charset="-122"/>
                 <a:ea typeface="楷体" panose="02010609060101010101" pitchFamily="49" charset="-122"/>
               </a:rPr>
@@ -6777,45 +6763,38 @@
                 <a:latin typeface="楷体" panose="02010609060101010101" pitchFamily="49" charset="-122"/>
                 <a:ea typeface="楷体" panose="02010609060101010101" pitchFamily="49" charset="-122"/>
               </a:rPr>
-              <a:t>不</a:t>
-            </a:r>
-            <a:r>
-              <a:rPr lang="zh-CN" altLang="en-US" sz="2400" dirty="0" smtClean="0">
-                <a:latin typeface="楷体" panose="02010609060101010101" pitchFamily="49" charset="-122"/>
-                <a:ea typeface="楷体" panose="02010609060101010101" pitchFamily="49" charset="-122"/>
-              </a:rPr>
-              <a:t>熟悉；解决过程：通过</a:t>
-            </a:r>
-            <a:r>
-              <a:rPr lang="en-US" altLang="zh-CN" sz="2400" dirty="0" err="1" smtClean="0">
+              <a:t>不熟悉；解决过程：通过</a:t>
+            </a:r>
+            <a:r>
+              <a:rPr lang="en-US" altLang="zh-CN" sz="2400" dirty="0" err="1">
                 <a:latin typeface="楷体" panose="02010609060101010101" pitchFamily="49" charset="-122"/>
                 <a:ea typeface="楷体" panose="02010609060101010101" pitchFamily="49" charset="-122"/>
               </a:rPr>
               <a:t>c++</a:t>
             </a:r>
             <a:r>
-              <a:rPr lang="en-US" altLang="zh-CN" sz="2400" dirty="0" smtClean="0">
+              <a:rPr lang="en-US" altLang="zh-CN" sz="2400" dirty="0">
                 <a:latin typeface="楷体" panose="02010609060101010101" pitchFamily="49" charset="-122"/>
                 <a:ea typeface="楷体" panose="02010609060101010101" pitchFamily="49" charset="-122"/>
               </a:rPr>
               <a:t> primer plus</a:t>
             </a:r>
             <a:r>
-              <a:rPr lang="zh-CN" altLang="en-US" sz="2400" dirty="0" smtClean="0">
+              <a:rPr lang="zh-CN" altLang="en-US" sz="2400" dirty="0">
                 <a:latin typeface="楷体" panose="02010609060101010101" pitchFamily="49" charset="-122"/>
                 <a:ea typeface="楷体" panose="02010609060101010101" pitchFamily="49" charset="-122"/>
               </a:rPr>
               <a:t>和</a:t>
             </a:r>
             <a:r>
-              <a:rPr lang="en-US" altLang="zh-CN" sz="2400" dirty="0" err="1" smtClean="0">
+              <a:rPr lang="en-US" altLang="zh-CN" sz="2400" dirty="0" err="1">
                 <a:latin typeface="楷体" panose="02010609060101010101" pitchFamily="49" charset="-122"/>
                 <a:ea typeface="楷体" panose="02010609060101010101" pitchFamily="49" charset="-122"/>
               </a:rPr>
               <a:t>csdn</a:t>
             </a:r>
             <a:r>
-              <a:rPr lang="zh-CN" altLang="en-US" sz="2400" dirty="0" smtClean="0">
+              <a:rPr lang="zh-CN" altLang="en-US" sz="2400" dirty="0">
                 <a:latin typeface="楷体" panose="02010609060101010101" pitchFamily="49" charset="-122"/>
                 <a:ea typeface="楷体" panose="02010609060101010101" pitchFamily="49" charset="-122"/>
               </a:rPr>
@@ -6835,25 +6814,11 @@
               <a:t>3</a:t>
             </a:r>
             <a:r>
-              <a:rPr lang="zh-CN" altLang="en-US" sz="2400" dirty="0" smtClean="0">
-                <a:latin typeface="楷体" panose="02010609060101010101" pitchFamily="49" charset="-122"/>
-                <a:ea typeface="楷体" panose="02010609060101010101" pitchFamily="49" charset="-122"/>
-              </a:rPr>
-              <a:t>、技术难点：对</a:t>
-            </a:r>
-            <a:r>
               <a:rPr lang="zh-CN" altLang="en-US" sz="2400" dirty="0">
                 <a:latin typeface="楷体" panose="02010609060101010101" pitchFamily="49" charset="-122"/>
                 <a:ea typeface="楷体" panose="02010609060101010101" pitchFamily="49" charset="-122"/>
               </a:rPr>
-              <a:t>游戏的运行机制不够</a:t>
-            </a:r>
-            <a:r>
-              <a:rPr lang="zh-CN" altLang="en-US" sz="2400" dirty="0" smtClean="0">
-                <a:latin typeface="楷体" panose="02010609060101010101" pitchFamily="49" charset="-122"/>
-                <a:ea typeface="楷体" panose="02010609060101010101" pitchFamily="49" charset="-122"/>
-              </a:rPr>
-              <a:t>了解；解决过程：学会深度剖析游戏，把呈现效果和内在代码运行结合起来</a:t>
+              <a:t>、技术难点：对游戏的运行机制不够了解；解决过程：学会深度剖析游戏，把呈现效果和内在代码运行结合起来</a:t>
             </a:r>
             <a:endParaRPr lang="en-US" altLang="zh-CN" sz="2400" dirty="0">
               <a:latin typeface="楷体" panose="02010609060101010101" pitchFamily="49" charset="-122"/>
@@ -6869,25 +6834,11 @@
               <a:t>4</a:t>
             </a:r>
             <a:r>
-              <a:rPr lang="zh-CN" altLang="en-US" sz="2400" dirty="0" smtClean="0">
-                <a:latin typeface="楷体" panose="02010609060101010101" pitchFamily="49" charset="-122"/>
-                <a:ea typeface="楷体" panose="02010609060101010101" pitchFamily="49" charset="-122"/>
-              </a:rPr>
-              <a:t>、技术难点：写</a:t>
-            </a:r>
-            <a:r>
               <a:rPr lang="zh-CN" altLang="en-US" sz="2400" dirty="0">
                 <a:latin typeface="楷体" panose="02010609060101010101" pitchFamily="49" charset="-122"/>
                 <a:ea typeface="楷体" panose="02010609060101010101" pitchFamily="49" charset="-122"/>
               </a:rPr>
-              <a:t>代码过程中，一开始代码不够规范，导致可读性不</a:t>
-            </a:r>
-            <a:r>
-              <a:rPr lang="zh-CN" altLang="en-US" sz="2400" dirty="0" smtClean="0">
-                <a:latin typeface="楷体" panose="02010609060101010101" pitchFamily="49" charset="-122"/>
-                <a:ea typeface="楷体" panose="02010609060101010101" pitchFamily="49" charset="-122"/>
-              </a:rPr>
-              <a:t>强；解决过程：进行代码风格的统一规范</a:t>
+              <a:t>、技术难点：写代码过程中，一开始代码不够规范，导致可读性不强；解决过程：进行代码风格的统一规范</a:t>
             </a:r>
             <a:endParaRPr lang="en-US" altLang="zh-CN" sz="2400" dirty="0">
               <a:latin typeface="楷体" panose="02010609060101010101" pitchFamily="49" charset="-122"/>
@@ -6903,7 +6854,7 @@
               <a:t>5</a:t>
             </a:r>
             <a:r>
-              <a:rPr lang="zh-CN" altLang="en-US" sz="2400" dirty="0" smtClean="0">
+              <a:rPr lang="zh-CN" altLang="en-US" sz="2400" dirty="0">
                 <a:latin typeface="楷体" panose="02010609060101010101" pitchFamily="49" charset="-122"/>
                 <a:ea typeface="楷体" panose="02010609060101010101" pitchFamily="49" charset="-122"/>
               </a:rPr>
@@ -6921,24 +6872,17 @@
                 <a:latin typeface="楷体" panose="02010609060101010101" pitchFamily="49" charset="-122"/>
                 <a:ea typeface="楷体" panose="02010609060101010101" pitchFamily="49" charset="-122"/>
               </a:rPr>
-              <a:t>相对于英雄静止不</a:t>
-            </a:r>
-            <a:r>
-              <a:rPr lang="zh-CN" altLang="en-US" sz="2400" dirty="0" smtClean="0">
-                <a:latin typeface="楷体" panose="02010609060101010101" pitchFamily="49" charset="-122"/>
-                <a:ea typeface="楷体" panose="02010609060101010101" pitchFamily="49" charset="-122"/>
-              </a:rPr>
-              <a:t>动；解决过程：通过静态节点实现</a:t>
-            </a:r>
-            <a:r>
-              <a:rPr lang="en-US" altLang="zh-CN" sz="2400" dirty="0" err="1" smtClean="0">
+              <a:t>相对于英雄静止不动；解决过程：通过静态节点实现</a:t>
+            </a:r>
+            <a:r>
+              <a:rPr lang="en-US" altLang="zh-CN" sz="2400" dirty="0" err="1">
                 <a:latin typeface="楷体" panose="02010609060101010101" pitchFamily="49" charset="-122"/>
                 <a:ea typeface="楷体" panose="02010609060101010101" pitchFamily="49" charset="-122"/>
               </a:rPr>
               <a:t>ui</a:t>
             </a:r>
             <a:r>
-              <a:rPr lang="zh-CN" altLang="en-US" sz="2400" dirty="0" smtClean="0">
+              <a:rPr lang="zh-CN" altLang="en-US" sz="2400" dirty="0">
                 <a:latin typeface="楷体" panose="02010609060101010101" pitchFamily="49" charset="-122"/>
                 <a:ea typeface="楷体" panose="02010609060101010101" pitchFamily="49" charset="-122"/>
               </a:rPr>
@@ -6954,20 +6898,20 @@
     </p:spTree>
     <p:extLst>
       <p:ext uri="{BB962C8B-B14F-4D97-AF65-F5344CB8AC3E}">
-        <p14:creationId xmlns:p14="http://schemas.microsoft.com/office/powerpoint/2010/main" xmlns="" val="2296280258"/>
+        <p14:creationId xmlns:p14="http://schemas.microsoft.com/office/powerpoint/2010/main" val="2296280258"/>
       </p:ext>
     </p:extLst>
   </p:cSld>
   <p:clrMapOvr>
     <a:masterClrMapping/>
   </p:clrMapOvr>
-  <mc:AlternateContent xmlns:mc="http://schemas.openxmlformats.org/markup-compatibility/2006">
-    <mc:Choice xmlns:p14="http://schemas.microsoft.com/office/powerpoint/2010/main" xmlns="" Requires="p14">
+  <mc:AlternateContent xmlns:mc="http://schemas.openxmlformats.org/markup-compatibility/2006" xmlns:p14="http://schemas.microsoft.com/office/powerpoint/2010/main">
+    <mc:Choice Requires="p14">
       <p:transition spd="slow" p14:dur="1250">
         <p14:flip dir="r"/>
       </p:transition>
     </mc:Choice>
-    <mc:Fallback>
+    <mc:Fallback xmlns="">
       <p:transition spd="slow">
         <p:fade/>
       </p:transition>
@@ -6998,7 +6942,7 @@
           <p:cNvPr id="2" name="文本框 1">
             <a:extLst>
               <a:ext uri="{FF2B5EF4-FFF2-40B4-BE49-F238E27FC236}">
-                <a16:creationId xmlns:a16="http://schemas.microsoft.com/office/drawing/2014/main" xmlns="" id="{82B7A0D1-94AA-4BBE-B075-7F8DE3980D9E}"/>
+                <a16:creationId xmlns:a16="http://schemas.microsoft.com/office/drawing/2014/main" id="{82B7A0D1-94AA-4BBE-B075-7F8DE3980D9E}"/>
               </a:ext>
             </a:extLst>
           </p:cNvPr>
@@ -7032,7 +6976,7 @@
           <p:cNvPr id="4" name="文本框 3">
             <a:extLst>
               <a:ext uri="{FF2B5EF4-FFF2-40B4-BE49-F238E27FC236}">
-                <a16:creationId xmlns:a16="http://schemas.microsoft.com/office/drawing/2014/main" xmlns="" id="{B14A304B-A988-4D61-AEAF-5B58683FE9CE}"/>
+                <a16:creationId xmlns:a16="http://schemas.microsoft.com/office/drawing/2014/main" id="{B14A304B-A988-4D61-AEAF-5B58683FE9CE}"/>
               </a:ext>
             </a:extLst>
           </p:cNvPr>
@@ -7071,7 +7015,7 @@
           <p:cNvPr id="5" name="文本框 4">
             <a:extLst>
               <a:ext uri="{FF2B5EF4-FFF2-40B4-BE49-F238E27FC236}">
-                <a16:creationId xmlns:a16="http://schemas.microsoft.com/office/drawing/2014/main" xmlns="" id="{E5A46CD3-DD0B-47B3-B181-F319F7F75CC7}"/>
+                <a16:creationId xmlns:a16="http://schemas.microsoft.com/office/drawing/2014/main" id="{E5A46CD3-DD0B-47B3-B181-F319F7F75CC7}"/>
               </a:ext>
             </a:extLst>
           </p:cNvPr>
@@ -7095,305 +7039,305 @@
           <a:lstStyle/>
           <a:p>
             <a:r>
-              <a:rPr lang="en-US" altLang="zh-CN" sz="2400" dirty="0" smtClean="0">
+              <a:rPr lang="en-US" altLang="zh-CN" sz="2400" dirty="0">
                 <a:latin typeface="楷体" panose="02010609060101010101" pitchFamily="49" charset="-122"/>
                 <a:ea typeface="楷体" panose="02010609060101010101" pitchFamily="49" charset="-122"/>
               </a:rPr>
               <a:t>6</a:t>
             </a:r>
             <a:r>
-              <a:rPr lang="zh-CN" altLang="en-US" sz="2400" dirty="0" smtClean="0">
+              <a:rPr lang="zh-CN" altLang="en-US" sz="2400" dirty="0">
                 <a:latin typeface="楷体" panose="02010609060101010101" pitchFamily="49" charset="-122"/>
                 <a:ea typeface="楷体" panose="02010609060101010101" pitchFamily="49" charset="-122"/>
               </a:rPr>
               <a:t>、技术难点：</a:t>
             </a:r>
             <a:r>
-              <a:rPr lang="en-US" altLang="zh-CN" sz="2400" dirty="0" smtClean="0">
+              <a:rPr lang="en-US" altLang="zh-CN" sz="2400" dirty="0">
                 <a:latin typeface="楷体" panose="02010609060101010101" pitchFamily="49" charset="-122"/>
                 <a:ea typeface="楷体" panose="02010609060101010101" pitchFamily="49" charset="-122"/>
               </a:rPr>
               <a:t> cocos2d-x</a:t>
             </a:r>
             <a:r>
-              <a:rPr lang="zh-CN" altLang="en-US" sz="2400" dirty="0" smtClean="0">
+              <a:rPr lang="zh-CN" altLang="en-US" sz="2400" dirty="0">
                 <a:latin typeface="楷体" panose="02010609060101010101" pitchFamily="49" charset="-122"/>
                 <a:ea typeface="楷体" panose="02010609060101010101" pitchFamily="49" charset="-122"/>
               </a:rPr>
               <a:t>引擎加载的瓦片地图难以注入代码；解决过程：利用每个节点都有的</a:t>
             </a:r>
             <a:r>
-              <a:rPr lang="en-US" altLang="zh-CN" sz="2400" dirty="0" smtClean="0">
+              <a:rPr lang="en-US" altLang="zh-CN" sz="2400" dirty="0">
                 <a:latin typeface="楷体" panose="02010609060101010101" pitchFamily="49" charset="-122"/>
                 <a:ea typeface="楷体" panose="02010609060101010101" pitchFamily="49" charset="-122"/>
               </a:rPr>
               <a:t>Component</a:t>
             </a:r>
             <a:r>
-              <a:rPr lang="zh-CN" altLang="en-US" sz="2400" dirty="0" smtClean="0">
+              <a:rPr lang="zh-CN" altLang="en-US" sz="2400" dirty="0">
                 <a:latin typeface="楷体" panose="02010609060101010101" pitchFamily="49" charset="-122"/>
                 <a:ea typeface="楷体" panose="02010609060101010101" pitchFamily="49" charset="-122"/>
               </a:rPr>
               <a:t>，把对应的互动作为</a:t>
             </a:r>
             <a:r>
-              <a:rPr lang="en-US" altLang="zh-CN" sz="2400" dirty="0" smtClean="0">
+              <a:rPr lang="en-US" altLang="zh-CN" sz="2400" dirty="0">
                 <a:latin typeface="楷体" panose="02010609060101010101" pitchFamily="49" charset="-122"/>
                 <a:ea typeface="楷体" panose="02010609060101010101" pitchFamily="49" charset="-122"/>
               </a:rPr>
               <a:t>Component</a:t>
             </a:r>
             <a:r>
-              <a:rPr lang="zh-CN" altLang="en-US" sz="2400" dirty="0" smtClean="0">
+              <a:rPr lang="zh-CN" altLang="en-US" sz="2400" dirty="0">
                 <a:latin typeface="楷体" panose="02010609060101010101" pitchFamily="49" charset="-122"/>
                 <a:ea typeface="楷体" panose="02010609060101010101" pitchFamily="49" charset="-122"/>
               </a:rPr>
               <a:t>的衍生来存储于地图的对应图块</a:t>
-            </a:r>
-            <a:endParaRPr lang="en-US" altLang="zh-CN" sz="2400" dirty="0" smtClean="0">
-              <a:latin typeface="楷体" panose="02010609060101010101" pitchFamily="49" charset="-122"/>
-              <a:ea typeface="楷体" panose="02010609060101010101" pitchFamily="49" charset="-122"/>
-            </a:endParaRPr>
-          </a:p>
-          <a:p>
-            <a:r>
-              <a:rPr lang="en-US" altLang="zh-CN" sz="2400" dirty="0" smtClean="0">
-                <a:latin typeface="楷体" panose="02010609060101010101" pitchFamily="49" charset="-122"/>
-                <a:ea typeface="楷体" panose="02010609060101010101" pitchFamily="49" charset="-122"/>
-              </a:rPr>
-              <a:t>7</a:t>
-            </a:r>
-            <a:r>
-              <a:rPr lang="zh-CN" altLang="en-US" sz="2400" dirty="0" smtClean="0">
-                <a:latin typeface="楷体" panose="02010609060101010101" pitchFamily="49" charset="-122"/>
-                <a:ea typeface="楷体" panose="02010609060101010101" pitchFamily="49" charset="-122"/>
-              </a:rPr>
-              <a:t>、技术难点：难以寻找并处理地图中的房间；解决过程：地图中预先标记类别为</a:t>
-            </a:r>
-            <a:r>
-              <a:rPr lang="en-US" altLang="zh-CN" sz="2400" dirty="0" smtClean="0">
-                <a:latin typeface="楷体" panose="02010609060101010101" pitchFamily="49" charset="-122"/>
-                <a:ea typeface="楷体" panose="02010609060101010101" pitchFamily="49" charset="-122"/>
-              </a:rPr>
-              <a:t>"room"</a:t>
-            </a:r>
-            <a:r>
-              <a:rPr lang="zh-CN" altLang="en-US" sz="2400" dirty="0" smtClean="0">
-                <a:latin typeface="楷体" panose="02010609060101010101" pitchFamily="49" charset="-122"/>
-                <a:ea typeface="楷体" panose="02010609060101010101" pitchFamily="49" charset="-122"/>
-              </a:rPr>
-              <a:t>的图块，读取时将其作为一个房间的内侧。</a:t>
-            </a:r>
-            <a:endParaRPr lang="en-US" altLang="zh-CN" sz="2400" dirty="0" smtClean="0">
-              <a:latin typeface="楷体" panose="02010609060101010101" pitchFamily="49" charset="-122"/>
-              <a:ea typeface="楷体" panose="02010609060101010101" pitchFamily="49" charset="-122"/>
-            </a:endParaRPr>
-          </a:p>
-          <a:p>
-            <a:r>
-              <a:rPr lang="en-US" altLang="zh-CN" sz="2400" dirty="0" smtClean="0">
-                <a:latin typeface="楷体" panose="02010609060101010101" pitchFamily="49" charset="-122"/>
-                <a:ea typeface="楷体" panose="02010609060101010101" pitchFamily="49" charset="-122"/>
-              </a:rPr>
-              <a:t>8</a:t>
-            </a:r>
-            <a:r>
-              <a:rPr lang="zh-CN" altLang="en-US" sz="2400" dirty="0" smtClean="0">
-                <a:latin typeface="楷体" panose="02010609060101010101" pitchFamily="49" charset="-122"/>
-                <a:ea typeface="楷体" panose="02010609060101010101" pitchFamily="49" charset="-122"/>
-              </a:rPr>
-              <a:t>、技术难点：地图预处理时产生的房间</a:t>
-            </a:r>
-            <a:r>
-              <a:rPr lang="en-US" altLang="zh-CN" sz="2400" dirty="0" smtClean="0">
-                <a:latin typeface="楷体" panose="02010609060101010101" pitchFamily="49" charset="-122"/>
-                <a:ea typeface="楷体" panose="02010609060101010101" pitchFamily="49" charset="-122"/>
-              </a:rPr>
-              <a:t>Room</a:t>
-            </a:r>
-            <a:r>
-              <a:rPr lang="zh-CN" altLang="en-US" sz="2400" dirty="0" smtClean="0">
-                <a:latin typeface="楷体" panose="02010609060101010101" pitchFamily="49" charset="-122"/>
-                <a:ea typeface="楷体" panose="02010609060101010101" pitchFamily="49" charset="-122"/>
-              </a:rPr>
-              <a:t>在返回的过程中多次利用移动语义转手，指针不定；解决过程：每个房间存储一个指向自己的</a:t>
-            </a:r>
-            <a:r>
-              <a:rPr lang="en-US" altLang="zh-CN" sz="2400" dirty="0" err="1" smtClean="0">
-                <a:latin typeface="楷体" panose="02010609060101010101" pitchFamily="49" charset="-122"/>
-                <a:ea typeface="楷体" panose="02010609060101010101" pitchFamily="49" charset="-122"/>
-              </a:rPr>
-              <a:t>unique_ptr</a:t>
-            </a:r>
-            <a:r>
-              <a:rPr lang="en-US" altLang="zh-CN" sz="2400" dirty="0" smtClean="0">
-                <a:latin typeface="楷体" panose="02010609060101010101" pitchFamily="49" charset="-122"/>
-                <a:ea typeface="楷体" panose="02010609060101010101" pitchFamily="49" charset="-122"/>
-              </a:rPr>
-              <a:t>&lt;Room&gt;</a:t>
-            </a:r>
-            <a:r>
-              <a:rPr lang="zh-CN" altLang="en-US" sz="2400" dirty="0" smtClean="0">
-                <a:latin typeface="楷体" panose="02010609060101010101" pitchFamily="49" charset="-122"/>
-                <a:ea typeface="楷体" panose="02010609060101010101" pitchFamily="49" charset="-122"/>
-              </a:rPr>
-              <a:t>，需要引用房间时使用对应的双重指针</a:t>
-            </a:r>
-            <a:r>
-              <a:rPr lang="en-US" altLang="zh-CN" sz="2400" dirty="0" smtClean="0">
-                <a:latin typeface="楷体" panose="02010609060101010101" pitchFamily="49" charset="-122"/>
-                <a:ea typeface="楷体" panose="02010609060101010101" pitchFamily="49" charset="-122"/>
-              </a:rPr>
-              <a:t>Room**</a:t>
-            </a:r>
-            <a:r>
-              <a:rPr lang="zh-CN" altLang="en-US" sz="2400" dirty="0" smtClean="0">
-                <a:latin typeface="楷体" panose="02010609060101010101" pitchFamily="49" charset="-122"/>
-                <a:ea typeface="楷体" panose="02010609060101010101" pitchFamily="49" charset="-122"/>
-              </a:rPr>
-              <a:t>。</a:t>
-            </a:r>
-            <a:endParaRPr lang="en-US" altLang="zh-CN" sz="2400" dirty="0" smtClean="0">
-              <a:latin typeface="楷体" panose="02010609060101010101" pitchFamily="49" charset="-122"/>
-              <a:ea typeface="楷体" panose="02010609060101010101" pitchFamily="49" charset="-122"/>
-            </a:endParaRPr>
-          </a:p>
-          <a:p>
-            <a:r>
-              <a:rPr lang="en-US" altLang="zh-CN" sz="2400" dirty="0" smtClean="0">
-                <a:latin typeface="楷体" panose="02010609060101010101" pitchFamily="49" charset="-122"/>
-                <a:ea typeface="楷体" panose="02010609060101010101" pitchFamily="49" charset="-122"/>
-              </a:rPr>
-              <a:t>9</a:t>
-            </a:r>
-            <a:r>
-              <a:rPr lang="zh-CN" altLang="en-US" sz="2400" dirty="0" smtClean="0">
-                <a:latin typeface="楷体" panose="02010609060101010101" pitchFamily="49" charset="-122"/>
-                <a:ea typeface="楷体" panose="02010609060101010101" pitchFamily="49" charset="-122"/>
-              </a:rPr>
-              <a:t>、技术难点：</a:t>
-            </a:r>
-            <a:r>
-              <a:rPr lang="en-US" altLang="zh-CN" sz="2400" dirty="0" smtClean="0">
-                <a:latin typeface="楷体" panose="02010609060101010101" pitchFamily="49" charset="-122"/>
-                <a:ea typeface="楷体" panose="02010609060101010101" pitchFamily="49" charset="-122"/>
-              </a:rPr>
-              <a:t> cocos2d-x</a:t>
-            </a:r>
-            <a:r>
-              <a:rPr lang="zh-CN" altLang="en-US" sz="2400" dirty="0" smtClean="0">
-                <a:latin typeface="楷体" panose="02010609060101010101" pitchFamily="49" charset="-122"/>
-                <a:ea typeface="楷体" panose="02010609060101010101" pitchFamily="49" charset="-122"/>
-              </a:rPr>
-              <a:t>的物理引擎包装过于严密，难以使用；解决过程：重新包装</a:t>
-            </a:r>
-            <a:r>
-              <a:rPr lang="en-US" altLang="zh-CN" sz="2400" dirty="0" smtClean="0">
-                <a:latin typeface="楷体" panose="02010609060101010101" pitchFamily="49" charset="-122"/>
-                <a:ea typeface="楷体" panose="02010609060101010101" pitchFamily="49" charset="-122"/>
-              </a:rPr>
-              <a:t>chipmunk</a:t>
-            </a:r>
-            <a:r>
-              <a:rPr lang="zh-CN" altLang="en-US" sz="2400" dirty="0" smtClean="0">
-                <a:latin typeface="楷体" panose="02010609060101010101" pitchFamily="49" charset="-122"/>
-                <a:ea typeface="楷体" panose="02010609060101010101" pitchFamily="49" charset="-122"/>
-              </a:rPr>
-              <a:t>引擎。</a:t>
-            </a:r>
-            <a:endParaRPr lang="en-US" altLang="zh-CN" sz="2400" dirty="0" smtClean="0">
-              <a:latin typeface="楷体" panose="02010609060101010101" pitchFamily="49" charset="-122"/>
-              <a:ea typeface="楷体" panose="02010609060101010101" pitchFamily="49" charset="-122"/>
-            </a:endParaRPr>
-          </a:p>
-          <a:p>
-            <a:r>
-              <a:rPr lang="en-US" altLang="zh-CN" sz="2400" dirty="0" smtClean="0">
-                <a:latin typeface="楷体" panose="02010609060101010101" pitchFamily="49" charset="-122"/>
-                <a:ea typeface="楷体" panose="02010609060101010101" pitchFamily="49" charset="-122"/>
-              </a:rPr>
-              <a:t>10</a:t>
-            </a:r>
-            <a:r>
-              <a:rPr lang="zh-CN" altLang="en-US" sz="2400" dirty="0" smtClean="0">
-                <a:latin typeface="楷体" panose="02010609060101010101" pitchFamily="49" charset="-122"/>
-                <a:ea typeface="楷体" panose="02010609060101010101" pitchFamily="49" charset="-122"/>
-              </a:rPr>
-              <a:t>、技术难点：包装时产生的物理空间</a:t>
-            </a:r>
-            <a:r>
-              <a:rPr lang="en-US" altLang="zh-CN" sz="2400" dirty="0" smtClean="0">
-                <a:latin typeface="楷体" panose="02010609060101010101" pitchFamily="49" charset="-122"/>
-                <a:ea typeface="楷体" panose="02010609060101010101" pitchFamily="49" charset="-122"/>
-              </a:rPr>
-              <a:t>Space</a:t>
-            </a:r>
-            <a:r>
-              <a:rPr lang="zh-CN" altLang="en-US" sz="2400" dirty="0" smtClean="0">
-                <a:latin typeface="楷体" panose="02010609060101010101" pitchFamily="49" charset="-122"/>
-                <a:ea typeface="楷体" panose="02010609060101010101" pitchFamily="49" charset="-122"/>
-              </a:rPr>
-              <a:t>和物理刚体</a:t>
-            </a:r>
-            <a:r>
-              <a:rPr lang="en-US" altLang="zh-CN" sz="2400" dirty="0" smtClean="0">
-                <a:latin typeface="楷体" panose="02010609060101010101" pitchFamily="49" charset="-122"/>
-                <a:ea typeface="楷体" panose="02010609060101010101" pitchFamily="49" charset="-122"/>
-              </a:rPr>
-              <a:t>Body</a:t>
-            </a:r>
-            <a:r>
-              <a:rPr lang="zh-CN" altLang="en-US" sz="2400" dirty="0" smtClean="0">
-                <a:latin typeface="楷体" panose="02010609060101010101" pitchFamily="49" charset="-122"/>
-                <a:ea typeface="楷体" panose="02010609060101010101" pitchFamily="49" charset="-122"/>
-              </a:rPr>
-              <a:t>互相引用，难以析构；解决过程：每个刚体存储一个</a:t>
-            </a:r>
-            <a:r>
-              <a:rPr lang="en-US" altLang="zh-CN" sz="2400" dirty="0" err="1" smtClean="0">
-                <a:latin typeface="楷体" panose="02010609060101010101" pitchFamily="49" charset="-122"/>
-                <a:ea typeface="楷体" panose="02010609060101010101" pitchFamily="49" charset="-122"/>
-              </a:rPr>
-              <a:t>shared_ptr</a:t>
-            </a:r>
-            <a:r>
-              <a:rPr lang="en-US" altLang="zh-CN" sz="2400" dirty="0" smtClean="0">
-                <a:latin typeface="楷体" panose="02010609060101010101" pitchFamily="49" charset="-122"/>
-                <a:ea typeface="楷体" panose="02010609060101010101" pitchFamily="49" charset="-122"/>
-              </a:rPr>
-              <a:t>&lt;Space&gt;</a:t>
-            </a:r>
-            <a:r>
-              <a:rPr lang="zh-CN" altLang="en-US" sz="2400" dirty="0" smtClean="0">
-                <a:latin typeface="楷体" panose="02010609060101010101" pitchFamily="49" charset="-122"/>
-                <a:ea typeface="楷体" panose="02010609060101010101" pitchFamily="49" charset="-122"/>
-              </a:rPr>
-              <a:t>，保证物理空间在物理刚体之后析构。</a:t>
             </a:r>
             <a:endParaRPr lang="en-US" altLang="zh-CN" sz="2400" dirty="0">
               <a:latin typeface="楷体" panose="02010609060101010101" pitchFamily="49" charset="-122"/>
               <a:ea typeface="楷体" panose="02010609060101010101" pitchFamily="49" charset="-122"/>
             </a:endParaRPr>
           </a:p>
+          <a:p>
+            <a:r>
+              <a:rPr lang="en-US" altLang="zh-CN" sz="2400" dirty="0">
+                <a:latin typeface="楷体" panose="02010609060101010101" pitchFamily="49" charset="-122"/>
+                <a:ea typeface="楷体" panose="02010609060101010101" pitchFamily="49" charset="-122"/>
+              </a:rPr>
+              <a:t>7</a:t>
+            </a:r>
+            <a:r>
+              <a:rPr lang="zh-CN" altLang="en-US" sz="2400" dirty="0">
+                <a:latin typeface="楷体" panose="02010609060101010101" pitchFamily="49" charset="-122"/>
+                <a:ea typeface="楷体" panose="02010609060101010101" pitchFamily="49" charset="-122"/>
+              </a:rPr>
+              <a:t>、技术难点：难以寻找并处理地图中的房间；解决过程：地图中预先标记类别为</a:t>
+            </a:r>
+            <a:r>
+              <a:rPr lang="en-US" altLang="zh-CN" sz="2400" dirty="0">
+                <a:latin typeface="楷体" panose="02010609060101010101" pitchFamily="49" charset="-122"/>
+                <a:ea typeface="楷体" panose="02010609060101010101" pitchFamily="49" charset="-122"/>
+              </a:rPr>
+              <a:t>"room"</a:t>
+            </a:r>
+            <a:r>
+              <a:rPr lang="zh-CN" altLang="en-US" sz="2400" dirty="0">
+                <a:latin typeface="楷体" panose="02010609060101010101" pitchFamily="49" charset="-122"/>
+                <a:ea typeface="楷体" panose="02010609060101010101" pitchFamily="49" charset="-122"/>
+              </a:rPr>
+              <a:t>的图块，读取时将其作为一个房间的内侧。</a:t>
+            </a:r>
+            <a:endParaRPr lang="en-US" altLang="zh-CN" sz="2400" dirty="0">
+              <a:latin typeface="楷体" panose="02010609060101010101" pitchFamily="49" charset="-122"/>
+              <a:ea typeface="楷体" panose="02010609060101010101" pitchFamily="49" charset="-122"/>
+            </a:endParaRPr>
+          </a:p>
+          <a:p>
+            <a:r>
+              <a:rPr lang="en-US" altLang="zh-CN" sz="2400" dirty="0">
+                <a:latin typeface="楷体" panose="02010609060101010101" pitchFamily="49" charset="-122"/>
+                <a:ea typeface="楷体" panose="02010609060101010101" pitchFamily="49" charset="-122"/>
+              </a:rPr>
+              <a:t>8</a:t>
+            </a:r>
+            <a:r>
+              <a:rPr lang="zh-CN" altLang="en-US" sz="2400" dirty="0">
+                <a:latin typeface="楷体" panose="02010609060101010101" pitchFamily="49" charset="-122"/>
+                <a:ea typeface="楷体" panose="02010609060101010101" pitchFamily="49" charset="-122"/>
+              </a:rPr>
+              <a:t>、技术难点：地图预处理时产生的房间</a:t>
+            </a:r>
+            <a:r>
+              <a:rPr lang="en-US" altLang="zh-CN" sz="2400" dirty="0">
+                <a:latin typeface="楷体" panose="02010609060101010101" pitchFamily="49" charset="-122"/>
+                <a:ea typeface="楷体" panose="02010609060101010101" pitchFamily="49" charset="-122"/>
+              </a:rPr>
+              <a:t>Room</a:t>
+            </a:r>
+            <a:r>
+              <a:rPr lang="zh-CN" altLang="en-US" sz="2400" dirty="0">
+                <a:latin typeface="楷体" panose="02010609060101010101" pitchFamily="49" charset="-122"/>
+                <a:ea typeface="楷体" panose="02010609060101010101" pitchFamily="49" charset="-122"/>
+              </a:rPr>
+              <a:t>在返回的过程中多次利用移动语义转手，指针不定；解决过程：每个房间存储一个指向自己的</a:t>
+            </a:r>
+            <a:r>
+              <a:rPr lang="en-US" altLang="zh-CN" sz="2400" dirty="0" err="1">
+                <a:latin typeface="楷体" panose="02010609060101010101" pitchFamily="49" charset="-122"/>
+                <a:ea typeface="楷体" panose="02010609060101010101" pitchFamily="49" charset="-122"/>
+              </a:rPr>
+              <a:t>unique_ptr</a:t>
+            </a:r>
+            <a:r>
+              <a:rPr lang="en-US" altLang="zh-CN" sz="2400" dirty="0">
+                <a:latin typeface="楷体" panose="02010609060101010101" pitchFamily="49" charset="-122"/>
+                <a:ea typeface="楷体" panose="02010609060101010101" pitchFamily="49" charset="-122"/>
+              </a:rPr>
+              <a:t>&lt;Room&gt;</a:t>
+            </a:r>
+            <a:r>
+              <a:rPr lang="zh-CN" altLang="en-US" sz="2400" dirty="0">
+                <a:latin typeface="楷体" panose="02010609060101010101" pitchFamily="49" charset="-122"/>
+                <a:ea typeface="楷体" panose="02010609060101010101" pitchFamily="49" charset="-122"/>
+              </a:rPr>
+              <a:t>，需要引用房间时使用对应的双重指针</a:t>
+            </a:r>
+            <a:r>
+              <a:rPr lang="en-US" altLang="zh-CN" sz="2400" dirty="0">
+                <a:latin typeface="楷体" panose="02010609060101010101" pitchFamily="49" charset="-122"/>
+                <a:ea typeface="楷体" panose="02010609060101010101" pitchFamily="49" charset="-122"/>
+              </a:rPr>
+              <a:t>Room**</a:t>
+            </a:r>
+            <a:r>
+              <a:rPr lang="zh-CN" altLang="en-US" sz="2400" dirty="0">
+                <a:latin typeface="楷体" panose="02010609060101010101" pitchFamily="49" charset="-122"/>
+                <a:ea typeface="楷体" panose="02010609060101010101" pitchFamily="49" charset="-122"/>
+              </a:rPr>
+              <a:t>。</a:t>
+            </a:r>
+            <a:endParaRPr lang="en-US" altLang="zh-CN" sz="2400" dirty="0">
+              <a:latin typeface="楷体" panose="02010609060101010101" pitchFamily="49" charset="-122"/>
+              <a:ea typeface="楷体" panose="02010609060101010101" pitchFamily="49" charset="-122"/>
+            </a:endParaRPr>
+          </a:p>
+          <a:p>
+            <a:r>
+              <a:rPr lang="en-US" altLang="zh-CN" sz="2400" dirty="0">
+                <a:latin typeface="楷体" panose="02010609060101010101" pitchFamily="49" charset="-122"/>
+                <a:ea typeface="楷体" panose="02010609060101010101" pitchFamily="49" charset="-122"/>
+              </a:rPr>
+              <a:t>9</a:t>
+            </a:r>
+            <a:r>
+              <a:rPr lang="zh-CN" altLang="en-US" sz="2400" dirty="0">
+                <a:latin typeface="楷体" panose="02010609060101010101" pitchFamily="49" charset="-122"/>
+                <a:ea typeface="楷体" panose="02010609060101010101" pitchFamily="49" charset="-122"/>
+              </a:rPr>
+              <a:t>、技术难点：</a:t>
+            </a:r>
+            <a:r>
+              <a:rPr lang="en-US" altLang="zh-CN" sz="2400" dirty="0">
+                <a:latin typeface="楷体" panose="02010609060101010101" pitchFamily="49" charset="-122"/>
+                <a:ea typeface="楷体" panose="02010609060101010101" pitchFamily="49" charset="-122"/>
+              </a:rPr>
+              <a:t> cocos2d-x</a:t>
+            </a:r>
+            <a:r>
+              <a:rPr lang="zh-CN" altLang="en-US" sz="2400" dirty="0">
+                <a:latin typeface="楷体" panose="02010609060101010101" pitchFamily="49" charset="-122"/>
+                <a:ea typeface="楷体" panose="02010609060101010101" pitchFamily="49" charset="-122"/>
+              </a:rPr>
+              <a:t>的物理引擎包装过于严密，难以使用；解决过程：重新包装</a:t>
+            </a:r>
+            <a:r>
+              <a:rPr lang="en-US" altLang="zh-CN" sz="2400" dirty="0">
+                <a:latin typeface="楷体" panose="02010609060101010101" pitchFamily="49" charset="-122"/>
+                <a:ea typeface="楷体" panose="02010609060101010101" pitchFamily="49" charset="-122"/>
+              </a:rPr>
+              <a:t>chipmunk</a:t>
+            </a:r>
+            <a:r>
+              <a:rPr lang="zh-CN" altLang="en-US" sz="2400" dirty="0">
+                <a:latin typeface="楷体" panose="02010609060101010101" pitchFamily="49" charset="-122"/>
+                <a:ea typeface="楷体" panose="02010609060101010101" pitchFamily="49" charset="-122"/>
+              </a:rPr>
+              <a:t>引擎。</a:t>
+            </a:r>
+            <a:endParaRPr lang="en-US" altLang="zh-CN" sz="2400" dirty="0">
+              <a:latin typeface="楷体" panose="02010609060101010101" pitchFamily="49" charset="-122"/>
+              <a:ea typeface="楷体" panose="02010609060101010101" pitchFamily="49" charset="-122"/>
+            </a:endParaRPr>
+          </a:p>
+          <a:p>
+            <a:r>
+              <a:rPr lang="en-US" altLang="zh-CN" sz="2400" dirty="0">
+                <a:latin typeface="楷体" panose="02010609060101010101" pitchFamily="49" charset="-122"/>
+                <a:ea typeface="楷体" panose="02010609060101010101" pitchFamily="49" charset="-122"/>
+              </a:rPr>
+              <a:t>10</a:t>
+            </a:r>
+            <a:r>
+              <a:rPr lang="zh-CN" altLang="en-US" sz="2400" dirty="0">
+                <a:latin typeface="楷体" panose="02010609060101010101" pitchFamily="49" charset="-122"/>
+                <a:ea typeface="楷体" panose="02010609060101010101" pitchFamily="49" charset="-122"/>
+              </a:rPr>
+              <a:t>、技术难点：包装时产生的物理空间</a:t>
+            </a:r>
+            <a:r>
+              <a:rPr lang="en-US" altLang="zh-CN" sz="2400" dirty="0">
+                <a:latin typeface="楷体" panose="02010609060101010101" pitchFamily="49" charset="-122"/>
+                <a:ea typeface="楷体" panose="02010609060101010101" pitchFamily="49" charset="-122"/>
+              </a:rPr>
+              <a:t>Space</a:t>
+            </a:r>
+            <a:r>
+              <a:rPr lang="zh-CN" altLang="en-US" sz="2400" dirty="0">
+                <a:latin typeface="楷体" panose="02010609060101010101" pitchFamily="49" charset="-122"/>
+                <a:ea typeface="楷体" panose="02010609060101010101" pitchFamily="49" charset="-122"/>
+              </a:rPr>
+              <a:t>和物理刚体</a:t>
+            </a:r>
+            <a:r>
+              <a:rPr lang="en-US" altLang="zh-CN" sz="2400" dirty="0">
+                <a:latin typeface="楷体" panose="02010609060101010101" pitchFamily="49" charset="-122"/>
+                <a:ea typeface="楷体" panose="02010609060101010101" pitchFamily="49" charset="-122"/>
+              </a:rPr>
+              <a:t>Body</a:t>
+            </a:r>
+            <a:r>
+              <a:rPr lang="zh-CN" altLang="en-US" sz="2400" dirty="0">
+                <a:latin typeface="楷体" panose="02010609060101010101" pitchFamily="49" charset="-122"/>
+                <a:ea typeface="楷体" panose="02010609060101010101" pitchFamily="49" charset="-122"/>
+              </a:rPr>
+              <a:t>互相引用，析构顺序难以；解决过程：每个刚体存储一个</a:t>
+            </a:r>
+            <a:r>
+              <a:rPr lang="en-US" altLang="zh-CN" sz="2400" dirty="0" err="1">
+                <a:latin typeface="楷体" panose="02010609060101010101" pitchFamily="49" charset="-122"/>
+                <a:ea typeface="楷体" panose="02010609060101010101" pitchFamily="49" charset="-122"/>
+              </a:rPr>
+              <a:t>shared_ptr</a:t>
+            </a:r>
+            <a:r>
+              <a:rPr lang="en-US" altLang="zh-CN" sz="2400" dirty="0">
+                <a:latin typeface="楷体" panose="02010609060101010101" pitchFamily="49" charset="-122"/>
+                <a:ea typeface="楷体" panose="02010609060101010101" pitchFamily="49" charset="-122"/>
+              </a:rPr>
+              <a:t>&lt;Space&gt;</a:t>
+            </a:r>
+            <a:r>
+              <a:rPr lang="zh-CN" altLang="en-US" sz="2400" dirty="0">
+                <a:latin typeface="楷体" panose="02010609060101010101" pitchFamily="49" charset="-122"/>
+                <a:ea typeface="楷体" panose="02010609060101010101" pitchFamily="49" charset="-122"/>
+              </a:rPr>
+              <a:t>，保证物理空间在物理刚体之后析构。</a:t>
+            </a:r>
+            <a:endParaRPr lang="en-US" altLang="zh-CN" sz="2400" dirty="0">
+              <a:latin typeface="楷体" panose="02010609060101010101" pitchFamily="49" charset="-122"/>
+              <a:ea typeface="楷体" panose="02010609060101010101" pitchFamily="49" charset="-122"/>
+            </a:endParaRPr>
+          </a:p>
         </p:txBody>
       </p:sp>
     </p:spTree>
     <p:extLst>
       <p:ext uri="{BB962C8B-B14F-4D97-AF65-F5344CB8AC3E}">
-        <p14:creationId xmlns:p14="http://schemas.microsoft.com/office/powerpoint/2010/main" xmlns="" val="2515849218"/>
+        <p14:creationId xmlns:p14="http://schemas.microsoft.com/office/powerpoint/2010/main" val="2515849218"/>
       </p:ext>
     </p:extLst>
   </p:cSld>
   <p:clrMapOvr>
     <a:masterClrMapping/>
   </p:clrMapOvr>
-  <mc:AlternateContent xmlns:mc="http://schemas.openxmlformats.org/markup-compatibility/2006">
-    <mc:Choice xmlns:p14="http://schemas.microsoft.com/office/powerpoint/2010/main" xmlns="" Requires="p14">
+  <mc:AlternateContent xmlns:mc="http://schemas.openxmlformats.org/markup-compatibility/2006" xmlns:p14="http://schemas.microsoft.com/office/powerpoint/2010/main">
+    <mc:Choice Requires="p14">
       <p:transition spd="slow" p14:dur="1250">
         <p14:flip dir="r"/>
       </p:transition>
     </mc:Choice>
-    <mc:Fallback>
+    <mc:Fallback xmlns="">
       <p:transition spd="slow">
         <p:fade/>
       </p:transition>
@@ -7424,7 +7368,7 @@
           <p:cNvPr id="11" name="图片 10">
             <a:extLst>
               <a:ext uri="{FF2B5EF4-FFF2-40B4-BE49-F238E27FC236}">
-                <a16:creationId xmlns:a16="http://schemas.microsoft.com/office/drawing/2014/main" xmlns="" id="{C1167096-B14B-4B93-B9E8-EB2EEC347A63}"/>
+                <a16:creationId xmlns:a16="http://schemas.microsoft.com/office/drawing/2014/main" id="{C1167096-B14B-4B93-B9E8-EB2EEC347A63}"/>
               </a:ext>
             </a:extLst>
           </p:cNvPr>
@@ -7437,7 +7381,7 @@
           <a:blip r:embed="rId3">
             <a:extLst>
               <a:ext uri="{28A0092B-C50C-407E-A947-70E740481C1C}">
-                <a14:useLocalDpi xmlns:a14="http://schemas.microsoft.com/office/drawing/2010/main" xmlns="" val="0"/>
+                <a14:useLocalDpi xmlns:a14="http://schemas.microsoft.com/office/drawing/2010/main" val="0"/>
               </a:ext>
             </a:extLst>
           </a:blip>
@@ -7460,7 +7404,7 @@
           <p:cNvPr id="12" name="等腰三角形 11">
             <a:extLst>
               <a:ext uri="{FF2B5EF4-FFF2-40B4-BE49-F238E27FC236}">
-                <a16:creationId xmlns:a16="http://schemas.microsoft.com/office/drawing/2014/main" xmlns="" id="{0FC1CE7C-66E3-470E-96C8-D58495BDDFC6}"/>
+                <a16:creationId xmlns:a16="http://schemas.microsoft.com/office/drawing/2014/main" id="{0FC1CE7C-66E3-470E-96C8-D58495BDDFC6}"/>
               </a:ext>
             </a:extLst>
           </p:cNvPr>
@@ -7514,7 +7458,7 @@
           <p:cNvPr id="25" name="文本框 24">
             <a:extLst>
               <a:ext uri="{FF2B5EF4-FFF2-40B4-BE49-F238E27FC236}">
-                <a16:creationId xmlns:a16="http://schemas.microsoft.com/office/drawing/2014/main" xmlns="" id="{839CCFEE-7720-4890-94BE-08FB5F1D78F2}"/>
+                <a16:creationId xmlns:a16="http://schemas.microsoft.com/office/drawing/2014/main" id="{839CCFEE-7720-4890-94BE-08FB5F1D78F2}"/>
               </a:ext>
             </a:extLst>
           </p:cNvPr>
@@ -7572,7 +7516,7 @@
           <p:cNvPr id="27" name="文本框 26">
             <a:extLst>
               <a:ext uri="{FF2B5EF4-FFF2-40B4-BE49-F238E27FC236}">
-                <a16:creationId xmlns:a16="http://schemas.microsoft.com/office/drawing/2014/main" xmlns="" id="{BE27AB1B-F3A5-4458-AA9D-C52B9721193B}"/>
+                <a16:creationId xmlns:a16="http://schemas.microsoft.com/office/drawing/2014/main" id="{BE27AB1B-F3A5-4458-AA9D-C52B9721193B}"/>
               </a:ext>
             </a:extLst>
           </p:cNvPr>
@@ -7623,7 +7567,7 @@
           <p:cNvPr id="9" name="图片 8">
             <a:extLst>
               <a:ext uri="{FF2B5EF4-FFF2-40B4-BE49-F238E27FC236}">
-                <a16:creationId xmlns:a16="http://schemas.microsoft.com/office/drawing/2014/main" xmlns="" id="{755FAAD3-CF70-4DE7-9DCB-DB9E889AFB2F}"/>
+                <a16:creationId xmlns:a16="http://schemas.microsoft.com/office/drawing/2014/main" id="{755FAAD3-CF70-4DE7-9DCB-DB9E889AFB2F}"/>
               </a:ext>
             </a:extLst>
           </p:cNvPr>
@@ -7636,7 +7580,7 @@
           <a:blip r:embed="rId4">
             <a:extLst>
               <a:ext uri="{28A0092B-C50C-407E-A947-70E740481C1C}">
-                <a14:useLocalDpi xmlns:a14="http://schemas.microsoft.com/office/drawing/2010/main" xmlns="" val="0"/>
+                <a14:useLocalDpi xmlns:a14="http://schemas.microsoft.com/office/drawing/2010/main" val="0"/>
               </a:ext>
             </a:extLst>
           </a:blip>
@@ -7659,7 +7603,7 @@
           <p:cNvPr id="10" name="图片 9">
             <a:extLst>
               <a:ext uri="{FF2B5EF4-FFF2-40B4-BE49-F238E27FC236}">
-                <a16:creationId xmlns:a16="http://schemas.microsoft.com/office/drawing/2014/main" xmlns="" id="{C8B70C9A-804E-41BE-84CC-9A3ED8B5410D}"/>
+                <a16:creationId xmlns:a16="http://schemas.microsoft.com/office/drawing/2014/main" id="{C8B70C9A-804E-41BE-84CC-9A3ED8B5410D}"/>
               </a:ext>
             </a:extLst>
           </p:cNvPr>
@@ -7672,7 +7616,7 @@
           <a:blip r:embed="rId4">
             <a:extLst>
               <a:ext uri="{28A0092B-C50C-407E-A947-70E740481C1C}">
-                <a14:useLocalDpi xmlns:a14="http://schemas.microsoft.com/office/drawing/2010/main" xmlns="" val="0"/>
+                <a14:useLocalDpi xmlns:a14="http://schemas.microsoft.com/office/drawing/2010/main" val="0"/>
               </a:ext>
             </a:extLst>
           </a:blip>
@@ -7693,20 +7637,20 @@
     </p:spTree>
     <p:extLst>
       <p:ext uri="{BB962C8B-B14F-4D97-AF65-F5344CB8AC3E}">
-        <p14:creationId xmlns:p14="http://schemas.microsoft.com/office/powerpoint/2010/main" xmlns="" val="734133158"/>
+        <p14:creationId xmlns:p14="http://schemas.microsoft.com/office/powerpoint/2010/main" val="734133158"/>
       </p:ext>
     </p:extLst>
   </p:cSld>
   <p:clrMapOvr>
     <a:masterClrMapping/>
   </p:clrMapOvr>
-  <mc:AlternateContent xmlns:mc="http://schemas.openxmlformats.org/markup-compatibility/2006">
-    <mc:Choice xmlns:p14="http://schemas.microsoft.com/office/powerpoint/2010/main" xmlns="" Requires="p14">
+  <mc:AlternateContent xmlns:mc="http://schemas.openxmlformats.org/markup-compatibility/2006" xmlns:p14="http://schemas.microsoft.com/office/powerpoint/2010/main">
+    <mc:Choice Requires="p14">
       <p:transition spd="slow" p14:dur="1500">
         <p:random/>
       </p:transition>
     </mc:Choice>
-    <mc:Fallback>
+    <mc:Fallback xmlns="">
       <p:transition spd="slow">
         <p:random/>
       </p:transition>
@@ -7823,7 +7767,7 @@
           <p:cNvPr id="2" name="文本框 1">
             <a:extLst>
               <a:ext uri="{FF2B5EF4-FFF2-40B4-BE49-F238E27FC236}">
-                <a16:creationId xmlns:a16="http://schemas.microsoft.com/office/drawing/2014/main" xmlns="" id="{82B7A0D1-94AA-4BBE-B075-7F8DE3980D9E}"/>
+                <a16:creationId xmlns:a16="http://schemas.microsoft.com/office/drawing/2014/main" id="{82B7A0D1-94AA-4BBE-B075-7F8DE3980D9E}"/>
               </a:ext>
             </a:extLst>
           </p:cNvPr>
@@ -7857,7 +7801,7 @@
           <p:cNvPr id="4" name="文本框 3">
             <a:extLst>
               <a:ext uri="{FF2B5EF4-FFF2-40B4-BE49-F238E27FC236}">
-                <a16:creationId xmlns:a16="http://schemas.microsoft.com/office/drawing/2014/main" xmlns="" id="{B14A304B-A988-4D61-AEAF-5B58683FE9CE}"/>
+                <a16:creationId xmlns:a16="http://schemas.microsoft.com/office/drawing/2014/main" id="{B14A304B-A988-4D61-AEAF-5B58683FE9CE}"/>
               </a:ext>
             </a:extLst>
           </p:cNvPr>
@@ -7896,7 +7840,7 @@
           <p:cNvPr id="5" name="文本框 4">
             <a:extLst>
               <a:ext uri="{FF2B5EF4-FFF2-40B4-BE49-F238E27FC236}">
-                <a16:creationId xmlns:a16="http://schemas.microsoft.com/office/drawing/2014/main" xmlns="" id="{E5A46CD3-DD0B-47B3-B181-F319F7F75CC7}"/>
+                <a16:creationId xmlns:a16="http://schemas.microsoft.com/office/drawing/2014/main" id="{E5A46CD3-DD0B-47B3-B181-F319F7F75CC7}"/>
               </a:ext>
             </a:extLst>
           </p:cNvPr>
@@ -7906,7 +7850,7 @@
         <p:spPr>
           <a:xfrm>
             <a:off x="1013297" y="1404295"/>
-            <a:ext cx="10165404" cy="4708981"/>
+            <a:ext cx="10165404" cy="5293757"/>
           </a:xfrm>
           <a:prstGeom prst="rect">
             <a:avLst/>
@@ -8027,35 +7971,28 @@
                 <a:latin typeface="楷体" panose="02010609060101010101" pitchFamily="49" charset="-122"/>
                 <a:ea typeface="楷体" panose="02010609060101010101" pitchFamily="49" charset="-122"/>
               </a:rPr>
-              <a:t>）运用了</a:t>
+              <a:t>）</a:t>
+            </a:r>
+            <a:r>
+              <a:rPr lang="zh-CN" altLang="en-US" sz="2000" dirty="0">
+                <a:latin typeface="楷体" panose="02010609060101010101" pitchFamily="49" charset="-122"/>
+                <a:ea typeface="楷体" panose="02010609060101010101" pitchFamily="49" charset="-122"/>
+              </a:rPr>
+              <a:t>武器、怪物、英雄、怪物、互动全部是由文本形式保存在独立的</a:t>
             </a:r>
             <a:r>
               <a:rPr lang="en-US" altLang="zh-CN" sz="2000" dirty="0">
                 <a:latin typeface="楷体" panose="02010609060101010101" pitchFamily="49" charset="-122"/>
                 <a:ea typeface="楷体" panose="02010609060101010101" pitchFamily="49" charset="-122"/>
               </a:rPr>
-              <a:t>lambda</a:t>
-            </a:r>
-            <a:r>
-              <a:rPr lang="zh-CN" altLang="zh-CN" sz="2000" dirty="0">
-                <a:latin typeface="楷体" panose="02010609060101010101" pitchFamily="49" charset="-122"/>
-                <a:ea typeface="楷体" panose="02010609060101010101" pitchFamily="49" charset="-122"/>
-              </a:rPr>
-              <a:t>，类的继承，引用，且巧用</a:t>
-            </a:r>
-            <a:r>
-              <a:rPr lang="en-US" altLang="zh-CN" sz="2000" dirty="0">
-                <a:latin typeface="楷体" panose="02010609060101010101" pitchFamily="49" charset="-122"/>
-                <a:ea typeface="楷体" panose="02010609060101010101" pitchFamily="49" charset="-122"/>
-              </a:rPr>
-              <a:t>.json</a:t>
-            </a:r>
-            <a:r>
-              <a:rPr lang="zh-CN" altLang="zh-CN" sz="2000" dirty="0">
-                <a:latin typeface="楷体" panose="02010609060101010101" pitchFamily="49" charset="-122"/>
-                <a:ea typeface="楷体" panose="02010609060101010101" pitchFamily="49" charset="-122"/>
-              </a:rPr>
-              <a:t>文件，避免了图像数据等加载的硬编码</a:t>
+              <a:t>json</a:t>
+            </a:r>
+            <a:r>
+              <a:rPr lang="zh-CN" altLang="en-US" sz="2000" dirty="0">
+                <a:latin typeface="楷体" panose="02010609060101010101" pitchFamily="49" charset="-122"/>
+                <a:ea typeface="楷体" panose="02010609060101010101" pitchFamily="49" charset="-122"/>
+              </a:rPr>
+              <a:t>文件中，运行时动态加载</a:t>
             </a:r>
             <a:endParaRPr lang="en-US" altLang="zh-CN" sz="2000" dirty="0">
               <a:latin typeface="楷体" panose="02010609060101010101" pitchFamily="49" charset="-122"/>
@@ -8071,12 +8008,57 @@
               <a:t>   4) </a:t>
             </a:r>
             <a:r>
+              <a:rPr lang="zh-CN" altLang="en-US" sz="2000" dirty="0">
+                <a:latin typeface="楷体" panose="02010609060101010101" pitchFamily="49" charset="-122"/>
+                <a:ea typeface="楷体" panose="02010609060101010101" pitchFamily="49" charset="-122"/>
+              </a:rPr>
+              <a:t>重新包装了</a:t>
+            </a:r>
+            <a:r>
+              <a:rPr lang="en-US" altLang="zh-CN" sz="2000" dirty="0">
+                <a:latin typeface="楷体" panose="02010609060101010101" pitchFamily="49" charset="-122"/>
+                <a:ea typeface="楷体" panose="02010609060101010101" pitchFamily="49" charset="-122"/>
+              </a:rPr>
+              <a:t>chipmunk</a:t>
+            </a:r>
+            <a:r>
+              <a:rPr lang="zh-CN" altLang="en-US" sz="2000" dirty="0">
+                <a:latin typeface="楷体" panose="02010609060101010101" pitchFamily="49" charset="-122"/>
+                <a:ea typeface="楷体" panose="02010609060101010101" pitchFamily="49" charset="-122"/>
+              </a:rPr>
+              <a:t>物理引擎</a:t>
+            </a:r>
+            <a:endParaRPr lang="zh-CN" altLang="zh-CN" sz="2000" dirty="0">
+              <a:latin typeface="楷体" panose="02010609060101010101" pitchFamily="49" charset="-122"/>
+              <a:ea typeface="楷体" panose="02010609060101010101" pitchFamily="49" charset="-122"/>
+            </a:endParaRPr>
+          </a:p>
+          <a:p>
+            <a:r>
+              <a:rPr lang="en-US" altLang="zh-CN" sz="2000" dirty="0">
+                <a:latin typeface="楷体" panose="02010609060101010101" pitchFamily="49" charset="-122"/>
+                <a:ea typeface="楷体" panose="02010609060101010101" pitchFamily="49" charset="-122"/>
+              </a:rPr>
+              <a:t>   5</a:t>
+            </a:r>
+            <a:r>
               <a:rPr lang="zh-CN" altLang="zh-CN" sz="2000" dirty="0">
                 <a:latin typeface="楷体" panose="02010609060101010101" pitchFamily="49" charset="-122"/>
                 <a:ea typeface="楷体" panose="02010609060101010101" pitchFamily="49" charset="-122"/>
               </a:rPr>
-              <a:t>代码中注释详细，增强了代码的可读性</a:t>
-            </a:r>
+              <a:t>）</a:t>
+            </a:r>
+            <a:r>
+              <a:rPr lang="zh-CN" altLang="en-US" sz="2000" dirty="0">
+                <a:latin typeface="楷体" panose="02010609060101010101" pitchFamily="49" charset="-122"/>
+                <a:ea typeface="楷体" panose="02010609060101010101" pitchFamily="49" charset="-122"/>
+              </a:rPr>
+              <a:t>修改地图的图块的属性来标记对应的功能，在运行时动态加载，分离了地图的数据和算法</a:t>
+            </a:r>
+            <a:endParaRPr lang="en-US" altLang="zh-CN" sz="2000" dirty="0">
+              <a:latin typeface="楷体" panose="02010609060101010101" pitchFamily="49" charset="-122"/>
+              <a:ea typeface="楷体" panose="02010609060101010101" pitchFamily="49" charset="-122"/>
+            </a:endParaRPr>
           </a:p>
           <a:p>
             <a:r>
@@ -8084,14 +8066,28 @@
                 <a:latin typeface="楷体" panose="02010609060101010101" pitchFamily="49" charset="-122"/>
                 <a:ea typeface="楷体" panose="02010609060101010101" pitchFamily="49" charset="-122"/>
               </a:rPr>
-              <a:t>   5</a:t>
+              <a:t>   6</a:t>
             </a:r>
             <a:r>
               <a:rPr lang="zh-CN" altLang="zh-CN" sz="2000" dirty="0">
                 <a:latin typeface="楷体" panose="02010609060101010101" pitchFamily="49" charset="-122"/>
                 <a:ea typeface="楷体" panose="02010609060101010101" pitchFamily="49" charset="-122"/>
               </a:rPr>
-              <a:t>）在函数设计上，力求一个函数实现一个或少量功能，分块合理且功能明确</a:t>
+              <a:t>）敌人实现了自动随</a:t>
+            </a:r>
+            <a:r>
+              <a:rPr lang="zh-CN" altLang="en-US" sz="2000" dirty="0">
+                <a:latin typeface="楷体" panose="02010609060101010101" pitchFamily="49" charset="-122"/>
+                <a:ea typeface="楷体" panose="02010609060101010101" pitchFamily="49" charset="-122"/>
+              </a:rPr>
+              <a:t>机</a:t>
+            </a:r>
+            <a:r>
+              <a:rPr lang="zh-CN" altLang="zh-CN" sz="2000" dirty="0">
+                <a:latin typeface="楷体" panose="02010609060101010101" pitchFamily="49" charset="-122"/>
+                <a:ea typeface="楷体" panose="02010609060101010101" pitchFamily="49" charset="-122"/>
+              </a:rPr>
+              <a:t>走位，很好还原了商业游戏中敌人的动作，而且敌人可以给主角造成伤害，增加了互动</a:t>
             </a:r>
           </a:p>
           <a:p>
@@ -8100,31 +8096,40 @@
                 <a:latin typeface="楷体" panose="02010609060101010101" pitchFamily="49" charset="-122"/>
                 <a:ea typeface="楷体" panose="02010609060101010101" pitchFamily="49" charset="-122"/>
               </a:rPr>
-              <a:t>   6</a:t>
+              <a:t>   7</a:t>
             </a:r>
             <a:r>
               <a:rPr lang="zh-CN" altLang="zh-CN" sz="2000" dirty="0">
                 <a:latin typeface="楷体" panose="02010609060101010101" pitchFamily="49" charset="-122"/>
                 <a:ea typeface="楷体" panose="02010609060101010101" pitchFamily="49" charset="-122"/>
               </a:rPr>
-              <a:t>）在宝箱的设计上，宝箱中弹出的武器或者药品是随机的，增加了游戏的趣味性</a:t>
-            </a:r>
-          </a:p>
-          <a:p>
+              <a:t>）</a:t>
+            </a:r>
+            <a:r>
+              <a:rPr lang="zh-CN" altLang="en-US" sz="2000" dirty="0">
+                <a:latin typeface="楷体" panose="02010609060101010101" pitchFamily="49" charset="-122"/>
+                <a:ea typeface="楷体" panose="02010609060101010101" pitchFamily="49" charset="-122"/>
+              </a:rPr>
+              <a:t>实现了六类武器，且可方便地通过修改</a:t>
+            </a:r>
             <a:r>
               <a:rPr lang="en-US" altLang="zh-CN" sz="2000" dirty="0">
                 <a:latin typeface="楷体" panose="02010609060101010101" pitchFamily="49" charset="-122"/>
                 <a:ea typeface="楷体" panose="02010609060101010101" pitchFamily="49" charset="-122"/>
               </a:rPr>
-              <a:t>   7</a:t>
-            </a:r>
-            <a:r>
-              <a:rPr lang="zh-CN" altLang="zh-CN" sz="2000" dirty="0">
-                <a:latin typeface="楷体" panose="02010609060101010101" pitchFamily="49" charset="-122"/>
-                <a:ea typeface="楷体" panose="02010609060101010101" pitchFamily="49" charset="-122"/>
-              </a:rPr>
-              <a:t>）敌人实现了自动随即走位，很好还原了商业游戏中敌人的动作，而且敌人可以给主角造成伤害，增加了互动</a:t>
-            </a:r>
+              <a:t>json</a:t>
+            </a:r>
+            <a:r>
+              <a:rPr lang="zh-CN" altLang="en-US" sz="2000" dirty="0">
+                <a:latin typeface="楷体" panose="02010609060101010101" pitchFamily="49" charset="-122"/>
+                <a:ea typeface="楷体" panose="02010609060101010101" pitchFamily="49" charset="-122"/>
+              </a:rPr>
+              <a:t>来增加一类武器中新的武器</a:t>
+            </a:r>
+            <a:endParaRPr lang="en-US" altLang="zh-CN" sz="2000" dirty="0">
+              <a:latin typeface="楷体" panose="02010609060101010101" pitchFamily="49" charset="-122"/>
+              <a:ea typeface="楷体" panose="02010609060101010101" pitchFamily="49" charset="-122"/>
+            </a:endParaRPr>
           </a:p>
           <a:p>
             <a:r>
@@ -8135,11 +8140,45 @@
               <a:t>   8</a:t>
             </a:r>
             <a:r>
-              <a:rPr lang="zh-CN" altLang="zh-CN" sz="2000" dirty="0">
-                <a:latin typeface="楷体" panose="02010609060101010101" pitchFamily="49" charset="-122"/>
-                <a:ea typeface="楷体" panose="02010609060101010101" pitchFamily="49" charset="-122"/>
-              </a:rPr>
-              <a:t>）武器种类多种多样，实现了游戏的多样性</a:t>
+              <a:rPr lang="zh-CN" altLang="en-US" sz="2000" dirty="0">
+                <a:latin typeface="楷体" panose="02010609060101010101" pitchFamily="49" charset="-122"/>
+                <a:ea typeface="楷体" panose="02010609060101010101" pitchFamily="49" charset="-122"/>
+              </a:rPr>
+              <a:t>）宝箱可以随机抽卡，符合当代网游</a:t>
+            </a:r>
+            <a:endParaRPr lang="en-US" altLang="zh-CN" sz="2000" dirty="0">
+              <a:latin typeface="楷体" panose="02010609060101010101" pitchFamily="49" charset="-122"/>
+              <a:ea typeface="楷体" panose="02010609060101010101" pitchFamily="49" charset="-122"/>
+            </a:endParaRPr>
+          </a:p>
+          <a:p>
+            <a:r>
+              <a:rPr lang="en-US" altLang="zh-CN" sz="2000" dirty="0">
+                <a:latin typeface="楷体" panose="02010609060101010101" pitchFamily="49" charset="-122"/>
+                <a:ea typeface="楷体" panose="02010609060101010101" pitchFamily="49" charset="-122"/>
+              </a:rPr>
+              <a:t> </a:t>
+            </a:r>
+            <a:r>
+              <a:rPr lang="zh-CN" altLang="en-US" sz="2000" dirty="0">
+                <a:latin typeface="楷体" panose="02010609060101010101" pitchFamily="49" charset="-122"/>
+                <a:ea typeface="楷体" panose="02010609060101010101" pitchFamily="49" charset="-122"/>
+              </a:rPr>
+              <a:t> </a:t>
+            </a:r>
+            <a:r>
+              <a:rPr lang="en-US" altLang="zh-CN" sz="2000" dirty="0">
+                <a:latin typeface="楷体" panose="02010609060101010101" pitchFamily="49" charset="-122"/>
+                <a:ea typeface="楷体" panose="02010609060101010101" pitchFamily="49" charset="-122"/>
+              </a:rPr>
+              <a:t> 9</a:t>
+            </a:r>
+            <a:r>
+              <a:rPr lang="zh-CN" altLang="en-US" sz="2000" dirty="0">
+                <a:latin typeface="楷体" panose="02010609060101010101" pitchFamily="49" charset="-122"/>
+                <a:ea typeface="楷体" panose="02010609060101010101" pitchFamily="49" charset="-122"/>
+              </a:rPr>
+              <a:t>）房间系统利用图块属性标记内侧，然后利用宽搜自动获取房间范围和建筑</a:t>
             </a:r>
             <a:endParaRPr lang="zh-CN" altLang="zh-CN" dirty="0">
               <a:latin typeface="楷体" panose="02010609060101010101" pitchFamily="49" charset="-122"/>
@@ -8151,20 +8190,20 @@
     </p:spTree>
     <p:extLst>
       <p:ext uri="{BB962C8B-B14F-4D97-AF65-F5344CB8AC3E}">
-        <p14:creationId xmlns:p14="http://schemas.microsoft.com/office/powerpoint/2010/main" xmlns="" val="1418571443"/>
+        <p14:creationId xmlns:p14="http://schemas.microsoft.com/office/powerpoint/2010/main" val="1418571443"/>
       </p:ext>
     </p:extLst>
   </p:cSld>
   <p:clrMapOvr>
     <a:masterClrMapping/>
   </p:clrMapOvr>
-  <mc:AlternateContent xmlns:mc="http://schemas.openxmlformats.org/markup-compatibility/2006">
-    <mc:Choice xmlns:p14="http://schemas.microsoft.com/office/powerpoint/2010/main" xmlns="" Requires="p14">
+  <mc:AlternateContent xmlns:mc="http://schemas.openxmlformats.org/markup-compatibility/2006" xmlns:p14="http://schemas.microsoft.com/office/powerpoint/2010/main">
+    <mc:Choice Requires="p14">
       <p:transition spd="slow" p14:dur="1250">
         <p14:flip dir="r"/>
       </p:transition>
     </mc:Choice>
-    <mc:Fallback>
+    <mc:Fallback xmlns="">
       <p:transition spd="slow">
         <p:fade/>
       </p:transition>
@@ -8195,7 +8234,7 @@
           <p:cNvPr id="2" name="文本框 1">
             <a:extLst>
               <a:ext uri="{FF2B5EF4-FFF2-40B4-BE49-F238E27FC236}">
-                <a16:creationId xmlns:a16="http://schemas.microsoft.com/office/drawing/2014/main" xmlns="" id="{82B7A0D1-94AA-4BBE-B075-7F8DE3980D9E}"/>
+                <a16:creationId xmlns:a16="http://schemas.microsoft.com/office/drawing/2014/main" id="{82B7A0D1-94AA-4BBE-B075-7F8DE3980D9E}"/>
               </a:ext>
             </a:extLst>
           </p:cNvPr>
@@ -8229,7 +8268,7 @@
           <p:cNvPr id="4" name="文本框 3">
             <a:extLst>
               <a:ext uri="{FF2B5EF4-FFF2-40B4-BE49-F238E27FC236}">
-                <a16:creationId xmlns:a16="http://schemas.microsoft.com/office/drawing/2014/main" xmlns="" id="{B14A304B-A988-4D61-AEAF-5B58683FE9CE}"/>
+                <a16:creationId xmlns:a16="http://schemas.microsoft.com/office/drawing/2014/main" id="{B14A304B-A988-4D61-AEAF-5B58683FE9CE}"/>
               </a:ext>
             </a:extLst>
           </p:cNvPr>
@@ -8268,7 +8307,7 @@
           <p:cNvPr id="5" name="文本框 4">
             <a:extLst>
               <a:ext uri="{FF2B5EF4-FFF2-40B4-BE49-F238E27FC236}">
-                <a16:creationId xmlns:a16="http://schemas.microsoft.com/office/drawing/2014/main" xmlns="" id="{E5A46CD3-DD0B-47B3-B181-F319F7F75CC7}"/>
+                <a16:creationId xmlns:a16="http://schemas.microsoft.com/office/drawing/2014/main" id="{E5A46CD3-DD0B-47B3-B181-F319F7F75CC7}"/>
               </a:ext>
             </a:extLst>
           </p:cNvPr>
@@ -8379,20 +8418,20 @@
     </p:spTree>
     <p:extLst>
       <p:ext uri="{BB962C8B-B14F-4D97-AF65-F5344CB8AC3E}">
-        <p14:creationId xmlns:p14="http://schemas.microsoft.com/office/powerpoint/2010/main" xmlns="" val="553476894"/>
+        <p14:creationId xmlns:p14="http://schemas.microsoft.com/office/powerpoint/2010/main" val="553476894"/>
       </p:ext>
     </p:extLst>
   </p:cSld>
   <p:clrMapOvr>
     <a:masterClrMapping/>
   </p:clrMapOvr>
-  <mc:AlternateContent xmlns:mc="http://schemas.openxmlformats.org/markup-compatibility/2006">
-    <mc:Choice xmlns:p14="http://schemas.microsoft.com/office/powerpoint/2010/main" xmlns="" Requires="p14">
+  <mc:AlternateContent xmlns:mc="http://schemas.openxmlformats.org/markup-compatibility/2006" xmlns:p14="http://schemas.microsoft.com/office/powerpoint/2010/main">
+    <mc:Choice Requires="p14">
       <p:transition spd="slow" p14:dur="1250">
         <p14:flip dir="r"/>
       </p:transition>
     </mc:Choice>
-    <mc:Fallback>
+    <mc:Fallback xmlns="">
       <p:transition spd="slow">
         <p:fade/>
       </p:transition>
@@ -8423,7 +8462,7 @@
           <p:cNvPr id="2" name="文本框 1">
             <a:extLst>
               <a:ext uri="{FF2B5EF4-FFF2-40B4-BE49-F238E27FC236}">
-                <a16:creationId xmlns:a16="http://schemas.microsoft.com/office/drawing/2014/main" xmlns="" id="{82B7A0D1-94AA-4BBE-B075-7F8DE3980D9E}"/>
+                <a16:creationId xmlns:a16="http://schemas.microsoft.com/office/drawing/2014/main" id="{82B7A0D1-94AA-4BBE-B075-7F8DE3980D9E}"/>
               </a:ext>
             </a:extLst>
           </p:cNvPr>
@@ -8523,7 +8562,7 @@
           <p:cNvPr id="5" name="文本框 3">
             <a:extLst>
               <a:ext uri="{FF2B5EF4-FFF2-40B4-BE49-F238E27FC236}">
-                <a16:creationId xmlns:a16="http://schemas.microsoft.com/office/drawing/2014/main" xmlns="" id="{B14A304B-A988-4D61-AEAF-5B58683FE9CE}"/>
+                <a16:creationId xmlns:a16="http://schemas.microsoft.com/office/drawing/2014/main" id="{B14A304B-A988-4D61-AEAF-5B58683FE9CE}"/>
               </a:ext>
             </a:extLst>
           </p:cNvPr>
@@ -8548,36 +8587,32 @@
           <a:p>
             <a:pPr algn="ctr"/>
             <a:r>
-              <a:rPr lang="zh-CN" altLang="en-US" sz="3600" b="1" dirty="0" smtClean="0">
+              <a:rPr lang="zh-CN" altLang="en-US" sz="3600" b="1" dirty="0">
                 <a:latin typeface="楷体" panose="02010609060101010101" pitchFamily="49" charset="-122"/>
                 <a:ea typeface="楷体" panose="02010609060101010101" pitchFamily="49" charset="-122"/>
               </a:rPr>
               <a:t>游玩体验</a:t>
             </a:r>
-            <a:endParaRPr lang="zh-CN" altLang="en-US" sz="3600" b="1" dirty="0">
-              <a:latin typeface="楷体" panose="02010609060101010101" pitchFamily="49" charset="-122"/>
-              <a:ea typeface="楷体" panose="02010609060101010101" pitchFamily="49" charset="-122"/>
-            </a:endParaRPr>
           </a:p>
         </p:txBody>
       </p:sp>
     </p:spTree>
     <p:extLst>
       <p:ext uri="{BB962C8B-B14F-4D97-AF65-F5344CB8AC3E}">
-        <p14:creationId xmlns:p14="http://schemas.microsoft.com/office/powerpoint/2010/main" xmlns="" val="2056872345"/>
+        <p14:creationId xmlns:p14="http://schemas.microsoft.com/office/powerpoint/2010/main" val="2056872345"/>
       </p:ext>
     </p:extLst>
   </p:cSld>
   <p:clrMapOvr>
     <a:masterClrMapping/>
   </p:clrMapOvr>
-  <mc:AlternateContent xmlns:mc="http://schemas.openxmlformats.org/markup-compatibility/2006">
-    <mc:Choice xmlns:p14="http://schemas.microsoft.com/office/powerpoint/2010/main" xmlns="" Requires="p14">
+  <mc:AlternateContent xmlns:mc="http://schemas.openxmlformats.org/markup-compatibility/2006" xmlns:p14="http://schemas.microsoft.com/office/powerpoint/2010/main">
+    <mc:Choice Requires="p14">
       <p:transition spd="slow" p14:dur="1250">
         <p14:flip dir="r"/>
       </p:transition>
     </mc:Choice>
-    <mc:Fallback>
+    <mc:Fallback xmlns="">
       <p:transition spd="slow">
         <p:fade/>
       </p:transition>
@@ -8608,7 +8643,7 @@
           <p:cNvPr id="4" name="图片 3">
             <a:extLst>
               <a:ext uri="{FF2B5EF4-FFF2-40B4-BE49-F238E27FC236}">
-                <a16:creationId xmlns:a16="http://schemas.microsoft.com/office/drawing/2014/main" xmlns="" id="{A9186AD8-7E6B-4962-9ED2-64EBBE17B70B}"/>
+                <a16:creationId xmlns:a16="http://schemas.microsoft.com/office/drawing/2014/main" id="{A9186AD8-7E6B-4962-9ED2-64EBBE17B70B}"/>
               </a:ext>
             </a:extLst>
           </p:cNvPr>
@@ -8621,7 +8656,7 @@
           <a:blip r:embed="rId3">
             <a:extLst>
               <a:ext uri="{28A0092B-C50C-407E-A947-70E740481C1C}">
-                <a14:useLocalDpi xmlns:a14="http://schemas.microsoft.com/office/drawing/2010/main" xmlns="" val="0"/>
+                <a14:useLocalDpi xmlns:a14="http://schemas.microsoft.com/office/drawing/2010/main" val="0"/>
               </a:ext>
             </a:extLst>
           </a:blip>
@@ -8644,7 +8679,7 @@
           <p:cNvPr id="7" name="TextBox 12">
             <a:extLst>
               <a:ext uri="{FF2B5EF4-FFF2-40B4-BE49-F238E27FC236}">
-                <a16:creationId xmlns:a16="http://schemas.microsoft.com/office/drawing/2014/main" xmlns="" id="{FF2E4A98-53F0-47F1-ADD7-AA17F93DAA6E}"/>
+                <a16:creationId xmlns:a16="http://schemas.microsoft.com/office/drawing/2014/main" id="{FF2E4A98-53F0-47F1-ADD7-AA17F93DAA6E}"/>
               </a:ext>
             </a:extLst>
           </p:cNvPr>
@@ -8729,7 +8764,7 @@
           <p:cNvPr id="3" name="图片 2">
             <a:extLst>
               <a:ext uri="{FF2B5EF4-FFF2-40B4-BE49-F238E27FC236}">
-                <a16:creationId xmlns:a16="http://schemas.microsoft.com/office/drawing/2014/main" xmlns="" id="{BF1AF3C0-AAC5-4970-A935-305CB06CB948}"/>
+                <a16:creationId xmlns:a16="http://schemas.microsoft.com/office/drawing/2014/main" id="{BF1AF3C0-AAC5-4970-A935-305CB06CB948}"/>
               </a:ext>
             </a:extLst>
           </p:cNvPr>
@@ -8742,7 +8777,7 @@
           <a:blip r:embed="rId4">
             <a:extLst>
               <a:ext uri="{28A0092B-C50C-407E-A947-70E740481C1C}">
-                <a14:useLocalDpi xmlns:a14="http://schemas.microsoft.com/office/drawing/2010/main" xmlns="" val="0"/>
+                <a14:useLocalDpi xmlns:a14="http://schemas.microsoft.com/office/drawing/2010/main" val="0"/>
               </a:ext>
             </a:extLst>
           </a:blip>
@@ -8763,20 +8798,20 @@
     </p:spTree>
     <p:extLst>
       <p:ext uri="{BB962C8B-B14F-4D97-AF65-F5344CB8AC3E}">
-        <p14:creationId xmlns:p14="http://schemas.microsoft.com/office/powerpoint/2010/main" xmlns="" val="569323021"/>
+        <p14:creationId xmlns:p14="http://schemas.microsoft.com/office/powerpoint/2010/main" val="569323021"/>
       </p:ext>
     </p:extLst>
   </p:cSld>
   <p:clrMapOvr>
     <a:masterClrMapping/>
   </p:clrMapOvr>
-  <mc:AlternateContent xmlns:mc="http://schemas.openxmlformats.org/markup-compatibility/2006">
-    <mc:Choice xmlns:p14="http://schemas.microsoft.com/office/powerpoint/2010/main" xmlns="" Requires="p14">
+  <mc:AlternateContent xmlns:mc="http://schemas.openxmlformats.org/markup-compatibility/2006" xmlns:p14="http://schemas.microsoft.com/office/powerpoint/2010/main">
+    <mc:Choice Requires="p14">
       <p:transition spd="slow" p14:dur="1500">
         <p:random/>
       </p:transition>
     </mc:Choice>
-    <mc:Fallback>
+    <mc:Fallback xmlns="">
       <p:transition spd="slow">
         <p:random/>
       </p:transition>
@@ -8942,7 +8977,7 @@
           <p:cNvPr id="29" name="图片 28">
             <a:extLst>
               <a:ext uri="{FF2B5EF4-FFF2-40B4-BE49-F238E27FC236}">
-                <a16:creationId xmlns:a16="http://schemas.microsoft.com/office/drawing/2014/main" xmlns="" id="{E5C7AAAA-017E-488E-924D-2F04A4849448}"/>
+                <a16:creationId xmlns:a16="http://schemas.microsoft.com/office/drawing/2014/main" id="{E5C7AAAA-017E-488E-924D-2F04A4849448}"/>
               </a:ext>
             </a:extLst>
           </p:cNvPr>
@@ -8955,7 +8990,7 @@
           <a:blip r:embed="rId3">
             <a:extLst>
               <a:ext uri="{28A0092B-C50C-407E-A947-70E740481C1C}">
-                <a14:useLocalDpi xmlns:a14="http://schemas.microsoft.com/office/drawing/2010/main" xmlns="" val="0"/>
+                <a14:useLocalDpi xmlns:a14="http://schemas.microsoft.com/office/drawing/2010/main" val="0"/>
               </a:ext>
             </a:extLst>
           </a:blip>
@@ -8978,7 +9013,7 @@
           <p:cNvPr id="12" name="等腰三角形 11">
             <a:extLst>
               <a:ext uri="{FF2B5EF4-FFF2-40B4-BE49-F238E27FC236}">
-                <a16:creationId xmlns:a16="http://schemas.microsoft.com/office/drawing/2014/main" xmlns="" id="{0FC1CE7C-66E3-470E-96C8-D58495BDDFC6}"/>
+                <a16:creationId xmlns:a16="http://schemas.microsoft.com/office/drawing/2014/main" id="{0FC1CE7C-66E3-470E-96C8-D58495BDDFC6}"/>
               </a:ext>
             </a:extLst>
           </p:cNvPr>
@@ -9032,7 +9067,7 @@
           <p:cNvPr id="3" name="图片 2">
             <a:extLst>
               <a:ext uri="{FF2B5EF4-FFF2-40B4-BE49-F238E27FC236}">
-                <a16:creationId xmlns:a16="http://schemas.microsoft.com/office/drawing/2014/main" xmlns="" id="{BF1AF3C0-AAC5-4970-A935-305CB06CB948}"/>
+                <a16:creationId xmlns:a16="http://schemas.microsoft.com/office/drawing/2014/main" id="{BF1AF3C0-AAC5-4970-A935-305CB06CB948}"/>
               </a:ext>
             </a:extLst>
           </p:cNvPr>
@@ -9045,7 +9080,7 @@
           <a:blip r:embed="rId4">
             <a:extLst>
               <a:ext uri="{28A0092B-C50C-407E-A947-70E740481C1C}">
-                <a14:useLocalDpi xmlns:a14="http://schemas.microsoft.com/office/drawing/2010/main" xmlns="" val="0"/>
+                <a14:useLocalDpi xmlns:a14="http://schemas.microsoft.com/office/drawing/2010/main" val="0"/>
               </a:ext>
             </a:extLst>
           </a:blip>
@@ -9068,7 +9103,7 @@
           <p:cNvPr id="16" name="图片 15">
             <a:extLst>
               <a:ext uri="{FF2B5EF4-FFF2-40B4-BE49-F238E27FC236}">
-                <a16:creationId xmlns:a16="http://schemas.microsoft.com/office/drawing/2014/main" xmlns="" id="{31A01D47-D485-48FD-9D8C-5CE116C0F628}"/>
+                <a16:creationId xmlns:a16="http://schemas.microsoft.com/office/drawing/2014/main" id="{31A01D47-D485-48FD-9D8C-5CE116C0F628}"/>
               </a:ext>
             </a:extLst>
           </p:cNvPr>
@@ -9081,7 +9116,7 @@
           <a:blip r:embed="rId4">
             <a:extLst>
               <a:ext uri="{28A0092B-C50C-407E-A947-70E740481C1C}">
-                <a14:useLocalDpi xmlns:a14="http://schemas.microsoft.com/office/drawing/2010/main" xmlns="" val="0"/>
+                <a14:useLocalDpi xmlns:a14="http://schemas.microsoft.com/office/drawing/2010/main" val="0"/>
               </a:ext>
             </a:extLst>
           </a:blip>
@@ -9104,7 +9139,7 @@
           <p:cNvPr id="11" name="文本框 10">
             <a:extLst>
               <a:ext uri="{FF2B5EF4-FFF2-40B4-BE49-F238E27FC236}">
-                <a16:creationId xmlns:a16="http://schemas.microsoft.com/office/drawing/2014/main" xmlns="" id="{9631B5AF-CBF7-4962-930A-75A17757DB93}"/>
+                <a16:creationId xmlns:a16="http://schemas.microsoft.com/office/drawing/2014/main" id="{9631B5AF-CBF7-4962-930A-75A17757DB93}"/>
               </a:ext>
             </a:extLst>
           </p:cNvPr>
@@ -9158,7 +9193,7 @@
           <p:cNvPr id="13" name="文本框 12">
             <a:extLst>
               <a:ext uri="{FF2B5EF4-FFF2-40B4-BE49-F238E27FC236}">
-                <a16:creationId xmlns:a16="http://schemas.microsoft.com/office/drawing/2014/main" xmlns="" id="{CEBC1827-8394-47D9-8859-D20FC5C839B7}"/>
+                <a16:creationId xmlns:a16="http://schemas.microsoft.com/office/drawing/2014/main" id="{CEBC1827-8394-47D9-8859-D20FC5C839B7}"/>
               </a:ext>
             </a:extLst>
           </p:cNvPr>
@@ -9207,7 +9242,7 @@
           <p:cNvPr id="14" name="文本框 13">
             <a:extLst>
               <a:ext uri="{FF2B5EF4-FFF2-40B4-BE49-F238E27FC236}">
-                <a16:creationId xmlns:a16="http://schemas.microsoft.com/office/drawing/2014/main" xmlns="" id="{498206CA-F88B-40CB-B7F0-B56A5792ACAC}"/>
+                <a16:creationId xmlns:a16="http://schemas.microsoft.com/office/drawing/2014/main" id="{498206CA-F88B-40CB-B7F0-B56A5792ACAC}"/>
               </a:ext>
             </a:extLst>
           </p:cNvPr>
@@ -9261,7 +9296,7 @@
           <p:cNvPr id="15" name="文本框 14">
             <a:extLst>
               <a:ext uri="{FF2B5EF4-FFF2-40B4-BE49-F238E27FC236}">
-                <a16:creationId xmlns:a16="http://schemas.microsoft.com/office/drawing/2014/main" xmlns="" id="{194B4071-0AC0-4E95-A747-68F6F4B18266}"/>
+                <a16:creationId xmlns:a16="http://schemas.microsoft.com/office/drawing/2014/main" id="{194B4071-0AC0-4E95-A747-68F6F4B18266}"/>
               </a:ext>
             </a:extLst>
           </p:cNvPr>
@@ -9310,7 +9345,7 @@
           <p:cNvPr id="19" name="文本框 18">
             <a:extLst>
               <a:ext uri="{FF2B5EF4-FFF2-40B4-BE49-F238E27FC236}">
-                <a16:creationId xmlns:a16="http://schemas.microsoft.com/office/drawing/2014/main" xmlns="" id="{B222E75A-EBCB-4E2E-8DA0-B5A2C8D67DBF}"/>
+                <a16:creationId xmlns:a16="http://schemas.microsoft.com/office/drawing/2014/main" id="{B222E75A-EBCB-4E2E-8DA0-B5A2C8D67DBF}"/>
               </a:ext>
             </a:extLst>
           </p:cNvPr>
@@ -9362,7 +9397,7 @@
           <p:cNvPr id="20" name="文本框 19">
             <a:extLst>
               <a:ext uri="{FF2B5EF4-FFF2-40B4-BE49-F238E27FC236}">
-                <a16:creationId xmlns:a16="http://schemas.microsoft.com/office/drawing/2014/main" xmlns="" id="{16326051-8B79-4082-8065-E768B9B0829F}"/>
+                <a16:creationId xmlns:a16="http://schemas.microsoft.com/office/drawing/2014/main" id="{16326051-8B79-4082-8065-E768B9B0829F}"/>
               </a:ext>
             </a:extLst>
           </p:cNvPr>
@@ -9410,7 +9445,7 @@
           <p:cNvPr id="21" name="文本框 20">
             <a:extLst>
               <a:ext uri="{FF2B5EF4-FFF2-40B4-BE49-F238E27FC236}">
-                <a16:creationId xmlns:a16="http://schemas.microsoft.com/office/drawing/2014/main" xmlns="" id="{CF599FA2-89FF-417B-B150-B66377A96FC9}"/>
+                <a16:creationId xmlns:a16="http://schemas.microsoft.com/office/drawing/2014/main" id="{CF599FA2-89FF-417B-B150-B66377A96FC9}"/>
               </a:ext>
             </a:extLst>
           </p:cNvPr>
@@ -9462,7 +9497,7 @@
           <p:cNvPr id="22" name="文本框 21">
             <a:extLst>
               <a:ext uri="{FF2B5EF4-FFF2-40B4-BE49-F238E27FC236}">
-                <a16:creationId xmlns:a16="http://schemas.microsoft.com/office/drawing/2014/main" xmlns="" id="{8FAC5E06-8860-452E-A2BB-C4D3BF7AD587}"/>
+                <a16:creationId xmlns:a16="http://schemas.microsoft.com/office/drawing/2014/main" id="{8FAC5E06-8860-452E-A2BB-C4D3BF7AD587}"/>
               </a:ext>
             </a:extLst>
           </p:cNvPr>
@@ -9520,7 +9555,7 @@
           <p:cNvPr id="23" name="文本框 22">
             <a:extLst>
               <a:ext uri="{FF2B5EF4-FFF2-40B4-BE49-F238E27FC236}">
-                <a16:creationId xmlns:a16="http://schemas.microsoft.com/office/drawing/2014/main" xmlns="" id="{72533616-D87E-4A38-A6F3-E92AE2BC654D}"/>
+                <a16:creationId xmlns:a16="http://schemas.microsoft.com/office/drawing/2014/main" id="{72533616-D87E-4A38-A6F3-E92AE2BC654D}"/>
               </a:ext>
             </a:extLst>
           </p:cNvPr>
@@ -9575,7 +9610,7 @@
           <p:cNvPr id="24" name="文本框 23">
             <a:extLst>
               <a:ext uri="{FF2B5EF4-FFF2-40B4-BE49-F238E27FC236}">
-                <a16:creationId xmlns:a16="http://schemas.microsoft.com/office/drawing/2014/main" xmlns="" id="{ACC9483E-A711-4F4A-B81B-EFF9A2B6F45B}"/>
+                <a16:creationId xmlns:a16="http://schemas.microsoft.com/office/drawing/2014/main" id="{ACC9483E-A711-4F4A-B81B-EFF9A2B6F45B}"/>
               </a:ext>
             </a:extLst>
           </p:cNvPr>
@@ -9630,7 +9665,7 @@
           <p:cNvPr id="25" name="文本框 24">
             <a:extLst>
               <a:ext uri="{FF2B5EF4-FFF2-40B4-BE49-F238E27FC236}">
-                <a16:creationId xmlns:a16="http://schemas.microsoft.com/office/drawing/2014/main" xmlns="" id="{18BDBD86-D72E-4518-8F01-CDFC68445F8F}"/>
+                <a16:creationId xmlns:a16="http://schemas.microsoft.com/office/drawing/2014/main" id="{18BDBD86-D72E-4518-8F01-CDFC68445F8F}"/>
               </a:ext>
             </a:extLst>
           </p:cNvPr>
@@ -9685,7 +9720,7 @@
           <p:cNvPr id="26" name="文本框 25">
             <a:extLst>
               <a:ext uri="{FF2B5EF4-FFF2-40B4-BE49-F238E27FC236}">
-                <a16:creationId xmlns:a16="http://schemas.microsoft.com/office/drawing/2014/main" xmlns="" id="{0E03DBEA-1118-479E-A2DB-BB9487B4C269}"/>
+                <a16:creationId xmlns:a16="http://schemas.microsoft.com/office/drawing/2014/main" id="{0E03DBEA-1118-479E-A2DB-BB9487B4C269}"/>
               </a:ext>
             </a:extLst>
           </p:cNvPr>
@@ -9740,7 +9775,7 @@
           <p:cNvPr id="28" name="文本框 27">
             <a:extLst>
               <a:ext uri="{FF2B5EF4-FFF2-40B4-BE49-F238E27FC236}">
-                <a16:creationId xmlns:a16="http://schemas.microsoft.com/office/drawing/2014/main" xmlns="" id="{B378AFB0-45B5-4B85-B9C9-FBA3552DE4C0}"/>
+                <a16:creationId xmlns:a16="http://schemas.microsoft.com/office/drawing/2014/main" id="{B378AFB0-45B5-4B85-B9C9-FBA3552DE4C0}"/>
               </a:ext>
             </a:extLst>
           </p:cNvPr>
@@ -9800,20 +9835,20 @@
     </p:spTree>
     <p:extLst>
       <p:ext uri="{BB962C8B-B14F-4D97-AF65-F5344CB8AC3E}">
-        <p14:creationId xmlns:p14="http://schemas.microsoft.com/office/powerpoint/2010/main" xmlns="" val="926492914"/>
+        <p14:creationId xmlns:p14="http://schemas.microsoft.com/office/powerpoint/2010/main" val="926492914"/>
       </p:ext>
     </p:extLst>
   </p:cSld>
   <p:clrMapOvr>
     <a:masterClrMapping/>
   </p:clrMapOvr>
-  <mc:AlternateContent xmlns:mc="http://schemas.openxmlformats.org/markup-compatibility/2006">
-    <mc:Choice xmlns:p14="http://schemas.microsoft.com/office/powerpoint/2010/main" xmlns="" Requires="p14">
+  <mc:AlternateContent xmlns:mc="http://schemas.openxmlformats.org/markup-compatibility/2006" xmlns:p14="http://schemas.microsoft.com/office/powerpoint/2010/main">
+    <mc:Choice Requires="p14">
       <p:transition spd="slow" p14:dur="1500">
         <p:random/>
       </p:transition>
     </mc:Choice>
-    <mc:Fallback>
+    <mc:Fallback xmlns="">
       <p:transition spd="slow">
         <p:random/>
       </p:transition>
@@ -10002,7 +10037,7 @@
           <p:cNvPr id="11" name="图片 10">
             <a:extLst>
               <a:ext uri="{FF2B5EF4-FFF2-40B4-BE49-F238E27FC236}">
-                <a16:creationId xmlns:a16="http://schemas.microsoft.com/office/drawing/2014/main" xmlns="" id="{C1167096-B14B-4B93-B9E8-EB2EEC347A63}"/>
+                <a16:creationId xmlns:a16="http://schemas.microsoft.com/office/drawing/2014/main" id="{C1167096-B14B-4B93-B9E8-EB2EEC347A63}"/>
               </a:ext>
             </a:extLst>
           </p:cNvPr>
@@ -10015,7 +10050,7 @@
           <a:blip r:embed="rId3">
             <a:extLst>
               <a:ext uri="{28A0092B-C50C-407E-A947-70E740481C1C}">
-                <a14:useLocalDpi xmlns:a14="http://schemas.microsoft.com/office/drawing/2010/main" xmlns="" val="0"/>
+                <a14:useLocalDpi xmlns:a14="http://schemas.microsoft.com/office/drawing/2010/main" val="0"/>
               </a:ext>
             </a:extLst>
           </a:blip>
@@ -10038,7 +10073,7 @@
           <p:cNvPr id="12" name="等腰三角形 11">
             <a:extLst>
               <a:ext uri="{FF2B5EF4-FFF2-40B4-BE49-F238E27FC236}">
-                <a16:creationId xmlns:a16="http://schemas.microsoft.com/office/drawing/2014/main" xmlns="" id="{0FC1CE7C-66E3-470E-96C8-D58495BDDFC6}"/>
+                <a16:creationId xmlns:a16="http://schemas.microsoft.com/office/drawing/2014/main" id="{0FC1CE7C-66E3-470E-96C8-D58495BDDFC6}"/>
               </a:ext>
             </a:extLst>
           </p:cNvPr>
@@ -10092,7 +10127,7 @@
           <p:cNvPr id="25" name="文本框 24">
             <a:extLst>
               <a:ext uri="{FF2B5EF4-FFF2-40B4-BE49-F238E27FC236}">
-                <a16:creationId xmlns:a16="http://schemas.microsoft.com/office/drawing/2014/main" xmlns="" id="{839CCFEE-7720-4890-94BE-08FB5F1D78F2}"/>
+                <a16:creationId xmlns:a16="http://schemas.microsoft.com/office/drawing/2014/main" id="{839CCFEE-7720-4890-94BE-08FB5F1D78F2}"/>
               </a:ext>
             </a:extLst>
           </p:cNvPr>
@@ -10141,7 +10176,7 @@
           <p:cNvPr id="27" name="文本框 26">
             <a:extLst>
               <a:ext uri="{FF2B5EF4-FFF2-40B4-BE49-F238E27FC236}">
-                <a16:creationId xmlns:a16="http://schemas.microsoft.com/office/drawing/2014/main" xmlns="" id="{BE27AB1B-F3A5-4458-AA9D-C52B9721193B}"/>
+                <a16:creationId xmlns:a16="http://schemas.microsoft.com/office/drawing/2014/main" id="{BE27AB1B-F3A5-4458-AA9D-C52B9721193B}"/>
               </a:ext>
             </a:extLst>
           </p:cNvPr>
@@ -10192,7 +10227,7 @@
           <p:cNvPr id="9" name="图片 8">
             <a:extLst>
               <a:ext uri="{FF2B5EF4-FFF2-40B4-BE49-F238E27FC236}">
-                <a16:creationId xmlns:a16="http://schemas.microsoft.com/office/drawing/2014/main" xmlns="" id="{755FAAD3-CF70-4DE7-9DCB-DB9E889AFB2F}"/>
+                <a16:creationId xmlns:a16="http://schemas.microsoft.com/office/drawing/2014/main" id="{755FAAD3-CF70-4DE7-9DCB-DB9E889AFB2F}"/>
               </a:ext>
             </a:extLst>
           </p:cNvPr>
@@ -10205,7 +10240,7 @@
           <a:blip r:embed="rId4">
             <a:extLst>
               <a:ext uri="{28A0092B-C50C-407E-A947-70E740481C1C}">
-                <a14:useLocalDpi xmlns:a14="http://schemas.microsoft.com/office/drawing/2010/main" xmlns="" val="0"/>
+                <a14:useLocalDpi xmlns:a14="http://schemas.microsoft.com/office/drawing/2010/main" val="0"/>
               </a:ext>
             </a:extLst>
           </a:blip>
@@ -10228,7 +10263,7 @@
           <p:cNvPr id="10" name="图片 9">
             <a:extLst>
               <a:ext uri="{FF2B5EF4-FFF2-40B4-BE49-F238E27FC236}">
-                <a16:creationId xmlns:a16="http://schemas.microsoft.com/office/drawing/2014/main" xmlns="" id="{C8B70C9A-804E-41BE-84CC-9A3ED8B5410D}"/>
+                <a16:creationId xmlns:a16="http://schemas.microsoft.com/office/drawing/2014/main" id="{C8B70C9A-804E-41BE-84CC-9A3ED8B5410D}"/>
               </a:ext>
             </a:extLst>
           </p:cNvPr>
@@ -10241,7 +10276,7 @@
           <a:blip r:embed="rId4">
             <a:extLst>
               <a:ext uri="{28A0092B-C50C-407E-A947-70E740481C1C}">
-                <a14:useLocalDpi xmlns:a14="http://schemas.microsoft.com/office/drawing/2010/main" xmlns="" val="0"/>
+                <a14:useLocalDpi xmlns:a14="http://schemas.microsoft.com/office/drawing/2010/main" val="0"/>
               </a:ext>
             </a:extLst>
           </a:blip>
@@ -10262,20 +10297,20 @@
     </p:spTree>
     <p:extLst>
       <p:ext uri="{BB962C8B-B14F-4D97-AF65-F5344CB8AC3E}">
-        <p14:creationId xmlns:p14="http://schemas.microsoft.com/office/powerpoint/2010/main" xmlns="" val="2217098326"/>
+        <p14:creationId xmlns:p14="http://schemas.microsoft.com/office/powerpoint/2010/main" val="2217098326"/>
       </p:ext>
     </p:extLst>
   </p:cSld>
   <p:clrMapOvr>
     <a:masterClrMapping/>
   </p:clrMapOvr>
-  <mc:AlternateContent xmlns:mc="http://schemas.openxmlformats.org/markup-compatibility/2006">
-    <mc:Choice xmlns:p14="http://schemas.microsoft.com/office/powerpoint/2010/main" xmlns="" Requires="p14">
+  <mc:AlternateContent xmlns:mc="http://schemas.openxmlformats.org/markup-compatibility/2006" xmlns:p14="http://schemas.microsoft.com/office/powerpoint/2010/main">
+    <mc:Choice Requires="p14">
       <p:transition spd="slow" p14:dur="1500">
         <p:random/>
       </p:transition>
     </mc:Choice>
-    <mc:Fallback>
+    <mc:Fallback xmlns="">
       <p:transition spd="slow">
         <p:random/>
       </p:transition>
@@ -10392,7 +10427,7 @@
           <p:cNvPr id="2" name="文本框 1">
             <a:extLst>
               <a:ext uri="{FF2B5EF4-FFF2-40B4-BE49-F238E27FC236}">
-                <a16:creationId xmlns:a16="http://schemas.microsoft.com/office/drawing/2014/main" xmlns="" id="{82B7A0D1-94AA-4BBE-B075-7F8DE3980D9E}"/>
+                <a16:creationId xmlns:a16="http://schemas.microsoft.com/office/drawing/2014/main" id="{82B7A0D1-94AA-4BBE-B075-7F8DE3980D9E}"/>
               </a:ext>
             </a:extLst>
           </p:cNvPr>
@@ -10426,7 +10461,7 @@
           <p:cNvPr id="3" name="文本框 2">
             <a:extLst>
               <a:ext uri="{FF2B5EF4-FFF2-40B4-BE49-F238E27FC236}">
-                <a16:creationId xmlns:a16="http://schemas.microsoft.com/office/drawing/2014/main" xmlns="" id="{75157D9E-CEF6-469F-AD82-4CEA6D5E8FE7}"/>
+                <a16:creationId xmlns:a16="http://schemas.microsoft.com/office/drawing/2014/main" id="{75157D9E-CEF6-469F-AD82-4CEA6D5E8FE7}"/>
               </a:ext>
             </a:extLst>
           </p:cNvPr>
@@ -10465,7 +10500,7 @@
           <p:cNvPr id="7" name="图片 6">
             <a:extLst>
               <a:ext uri="{FF2B5EF4-FFF2-40B4-BE49-F238E27FC236}">
-                <a16:creationId xmlns:a16="http://schemas.microsoft.com/office/drawing/2014/main" xmlns="" id="{5D0D2A1F-BD0A-4BA3-90B7-BFC941CFD1FE}"/>
+                <a16:creationId xmlns:a16="http://schemas.microsoft.com/office/drawing/2014/main" id="{5D0D2A1F-BD0A-4BA3-90B7-BFC941CFD1FE}"/>
               </a:ext>
             </a:extLst>
           </p:cNvPr>
@@ -10493,20 +10528,20 @@
     </p:spTree>
     <p:extLst>
       <p:ext uri="{BB962C8B-B14F-4D97-AF65-F5344CB8AC3E}">
-        <p14:creationId xmlns:p14="http://schemas.microsoft.com/office/powerpoint/2010/main" xmlns="" val="948486972"/>
+        <p14:creationId xmlns:p14="http://schemas.microsoft.com/office/powerpoint/2010/main" val="948486972"/>
       </p:ext>
     </p:extLst>
   </p:cSld>
   <p:clrMapOvr>
     <a:masterClrMapping/>
   </p:clrMapOvr>
-  <mc:AlternateContent xmlns:mc="http://schemas.openxmlformats.org/markup-compatibility/2006">
-    <mc:Choice xmlns:p14="http://schemas.microsoft.com/office/powerpoint/2010/main" xmlns="" Requires="p14">
+  <mc:AlternateContent xmlns:mc="http://schemas.openxmlformats.org/markup-compatibility/2006" xmlns:p14="http://schemas.microsoft.com/office/powerpoint/2010/main">
+    <mc:Choice Requires="p14">
       <p:transition spd="slow" p14:dur="1250">
         <p14:flip dir="r"/>
       </p:transition>
     </mc:Choice>
-    <mc:Fallback>
+    <mc:Fallback xmlns="">
       <p:transition spd="slow">
         <p:fade/>
       </p:transition>
@@ -10563,7 +10598,7 @@
           <p:cNvPr id="5" name="文本框 1">
             <a:extLst>
               <a:ext uri="{FF2B5EF4-FFF2-40B4-BE49-F238E27FC236}">
-                <a16:creationId xmlns:a16="http://schemas.microsoft.com/office/drawing/2014/main" xmlns="" id="{82B7A0D1-94AA-4BBE-B075-7F8DE3980D9E}"/>
+                <a16:creationId xmlns:a16="http://schemas.microsoft.com/office/drawing/2014/main" id="{82B7A0D1-94AA-4BBE-B075-7F8DE3980D9E}"/>
               </a:ext>
             </a:extLst>
           </p:cNvPr>
@@ -10597,7 +10632,7 @@
           <p:cNvPr id="6" name="文本框 2">
             <a:extLst>
               <a:ext uri="{FF2B5EF4-FFF2-40B4-BE49-F238E27FC236}">
-                <a16:creationId xmlns:a16="http://schemas.microsoft.com/office/drawing/2014/main" xmlns="" id="{75157D9E-CEF6-469F-AD82-4CEA6D5E8FE7}"/>
+                <a16:creationId xmlns:a16="http://schemas.microsoft.com/office/drawing/2014/main" id="{75157D9E-CEF6-469F-AD82-4CEA6D5E8FE7}"/>
               </a:ext>
             </a:extLst>
           </p:cNvPr>
@@ -10636,13 +10671,13 @@
   <p:clrMapOvr>
     <a:masterClrMapping/>
   </p:clrMapOvr>
-  <mc:AlternateContent xmlns:mc="http://schemas.openxmlformats.org/markup-compatibility/2006">
-    <mc:Choice xmlns:p14="http://schemas.microsoft.com/office/powerpoint/2010/main" xmlns="" Requires="p14">
+  <mc:AlternateContent xmlns:mc="http://schemas.openxmlformats.org/markup-compatibility/2006" xmlns:p14="http://schemas.microsoft.com/office/powerpoint/2010/main">
+    <mc:Choice Requires="p14">
       <p:transition spd="slow" p14:dur="1600" advClick="0" advTm="5000">
         <p14:prism isInverted="1"/>
       </p:transition>
     </mc:Choice>
-    <mc:Fallback>
+    <mc:Fallback xmlns="">
       <p:transition spd="slow" advClick="0" advTm="5000">
         <p:fade/>
       </p:transition>
@@ -10673,7 +10708,7 @@
           <p:cNvPr id="2" name="文本框 1">
             <a:extLst>
               <a:ext uri="{FF2B5EF4-FFF2-40B4-BE49-F238E27FC236}">
-                <a16:creationId xmlns:a16="http://schemas.microsoft.com/office/drawing/2014/main" xmlns="" id="{82B7A0D1-94AA-4BBE-B075-7F8DE3980D9E}"/>
+                <a16:creationId xmlns:a16="http://schemas.microsoft.com/office/drawing/2014/main" id="{82B7A0D1-94AA-4BBE-B075-7F8DE3980D9E}"/>
               </a:ext>
             </a:extLst>
           </p:cNvPr>
@@ -10707,7 +10742,7 @@
           <p:cNvPr id="3" name="文本框 2">
             <a:extLst>
               <a:ext uri="{FF2B5EF4-FFF2-40B4-BE49-F238E27FC236}">
-                <a16:creationId xmlns:a16="http://schemas.microsoft.com/office/drawing/2014/main" xmlns="" id="{3F0DC0B2-51C7-4344-A03F-0B739D19CF5C}"/>
+                <a16:creationId xmlns:a16="http://schemas.microsoft.com/office/drawing/2014/main" id="{3F0DC0B2-51C7-4344-A03F-0B739D19CF5C}"/>
               </a:ext>
             </a:extLst>
           </p:cNvPr>
@@ -10803,20 +10838,20 @@
     </p:spTree>
     <p:extLst>
       <p:ext uri="{BB962C8B-B14F-4D97-AF65-F5344CB8AC3E}">
-        <p14:creationId xmlns:p14="http://schemas.microsoft.com/office/powerpoint/2010/main" xmlns="" val="852150940"/>
+        <p14:creationId xmlns:p14="http://schemas.microsoft.com/office/powerpoint/2010/main" val="852150940"/>
       </p:ext>
     </p:extLst>
   </p:cSld>
   <p:clrMapOvr>
     <a:masterClrMapping/>
   </p:clrMapOvr>
-  <mc:AlternateContent xmlns:mc="http://schemas.openxmlformats.org/markup-compatibility/2006">
-    <mc:Choice xmlns:p14="http://schemas.microsoft.com/office/powerpoint/2010/main" xmlns="" Requires="p14">
+  <mc:AlternateContent xmlns:mc="http://schemas.openxmlformats.org/markup-compatibility/2006" xmlns:p14="http://schemas.microsoft.com/office/powerpoint/2010/main">
+    <mc:Choice Requires="p14">
       <p:transition spd="slow" p14:dur="1250">
         <p14:flip dir="r"/>
       </p:transition>
     </mc:Choice>
-    <mc:Fallback>
+    <mc:Fallback xmlns="">
       <p:transition spd="slow">
         <p:fade/>
       </p:transition>
@@ -10847,7 +10882,7 @@
           <p:cNvPr id="11" name="图片 10">
             <a:extLst>
               <a:ext uri="{FF2B5EF4-FFF2-40B4-BE49-F238E27FC236}">
-                <a16:creationId xmlns:a16="http://schemas.microsoft.com/office/drawing/2014/main" xmlns="" id="{C1167096-B14B-4B93-B9E8-EB2EEC347A63}"/>
+                <a16:creationId xmlns:a16="http://schemas.microsoft.com/office/drawing/2014/main" id="{C1167096-B14B-4B93-B9E8-EB2EEC347A63}"/>
               </a:ext>
             </a:extLst>
           </p:cNvPr>
@@ -10860,7 +10895,7 @@
           <a:blip r:embed="rId3">
             <a:extLst>
               <a:ext uri="{28A0092B-C50C-407E-A947-70E740481C1C}">
-                <a14:useLocalDpi xmlns:a14="http://schemas.microsoft.com/office/drawing/2010/main" xmlns="" val="0"/>
+                <a14:useLocalDpi xmlns:a14="http://schemas.microsoft.com/office/drawing/2010/main" val="0"/>
               </a:ext>
             </a:extLst>
           </a:blip>
@@ -10883,7 +10918,7 @@
           <p:cNvPr id="12" name="等腰三角形 11">
             <a:extLst>
               <a:ext uri="{FF2B5EF4-FFF2-40B4-BE49-F238E27FC236}">
-                <a16:creationId xmlns:a16="http://schemas.microsoft.com/office/drawing/2014/main" xmlns="" id="{0FC1CE7C-66E3-470E-96C8-D58495BDDFC6}"/>
+                <a16:creationId xmlns:a16="http://schemas.microsoft.com/office/drawing/2014/main" id="{0FC1CE7C-66E3-470E-96C8-D58495BDDFC6}"/>
               </a:ext>
             </a:extLst>
           </p:cNvPr>
@@ -10937,7 +10972,7 @@
           <p:cNvPr id="25" name="文本框 24">
             <a:extLst>
               <a:ext uri="{FF2B5EF4-FFF2-40B4-BE49-F238E27FC236}">
-                <a16:creationId xmlns:a16="http://schemas.microsoft.com/office/drawing/2014/main" xmlns="" id="{839CCFEE-7720-4890-94BE-08FB5F1D78F2}"/>
+                <a16:creationId xmlns:a16="http://schemas.microsoft.com/office/drawing/2014/main" id="{839CCFEE-7720-4890-94BE-08FB5F1D78F2}"/>
               </a:ext>
             </a:extLst>
           </p:cNvPr>
@@ -10986,7 +11021,7 @@
           <p:cNvPr id="27" name="文本框 26">
             <a:extLst>
               <a:ext uri="{FF2B5EF4-FFF2-40B4-BE49-F238E27FC236}">
-                <a16:creationId xmlns:a16="http://schemas.microsoft.com/office/drawing/2014/main" xmlns="" id="{BE27AB1B-F3A5-4458-AA9D-C52B9721193B}"/>
+                <a16:creationId xmlns:a16="http://schemas.microsoft.com/office/drawing/2014/main" id="{BE27AB1B-F3A5-4458-AA9D-C52B9721193B}"/>
               </a:ext>
             </a:extLst>
           </p:cNvPr>
@@ -11037,7 +11072,7 @@
           <p:cNvPr id="9" name="图片 8">
             <a:extLst>
               <a:ext uri="{FF2B5EF4-FFF2-40B4-BE49-F238E27FC236}">
-                <a16:creationId xmlns:a16="http://schemas.microsoft.com/office/drawing/2014/main" xmlns="" id="{755FAAD3-CF70-4DE7-9DCB-DB9E889AFB2F}"/>
+                <a16:creationId xmlns:a16="http://schemas.microsoft.com/office/drawing/2014/main" id="{755FAAD3-CF70-4DE7-9DCB-DB9E889AFB2F}"/>
               </a:ext>
             </a:extLst>
           </p:cNvPr>
@@ -11050,7 +11085,7 @@
           <a:blip r:embed="rId4">
             <a:extLst>
               <a:ext uri="{28A0092B-C50C-407E-A947-70E740481C1C}">
-                <a14:useLocalDpi xmlns:a14="http://schemas.microsoft.com/office/drawing/2010/main" xmlns="" val="0"/>
+                <a14:useLocalDpi xmlns:a14="http://schemas.microsoft.com/office/drawing/2010/main" val="0"/>
               </a:ext>
             </a:extLst>
           </a:blip>
@@ -11073,7 +11108,7 @@
           <p:cNvPr id="10" name="图片 9">
             <a:extLst>
               <a:ext uri="{FF2B5EF4-FFF2-40B4-BE49-F238E27FC236}">
-                <a16:creationId xmlns:a16="http://schemas.microsoft.com/office/drawing/2014/main" xmlns="" id="{C8B70C9A-804E-41BE-84CC-9A3ED8B5410D}"/>
+                <a16:creationId xmlns:a16="http://schemas.microsoft.com/office/drawing/2014/main" id="{C8B70C9A-804E-41BE-84CC-9A3ED8B5410D}"/>
               </a:ext>
             </a:extLst>
           </p:cNvPr>
@@ -11086,7 +11121,7 @@
           <a:blip r:embed="rId4">
             <a:extLst>
               <a:ext uri="{28A0092B-C50C-407E-A947-70E740481C1C}">
-                <a14:useLocalDpi xmlns:a14="http://schemas.microsoft.com/office/drawing/2010/main" xmlns="" val="0"/>
+                <a14:useLocalDpi xmlns:a14="http://schemas.microsoft.com/office/drawing/2010/main" val="0"/>
               </a:ext>
             </a:extLst>
           </a:blip>
@@ -11107,20 +11142,20 @@
     </p:spTree>
     <p:extLst>
       <p:ext uri="{BB962C8B-B14F-4D97-AF65-F5344CB8AC3E}">
-        <p14:creationId xmlns:p14="http://schemas.microsoft.com/office/powerpoint/2010/main" xmlns="" val="1246087005"/>
+        <p14:creationId xmlns:p14="http://schemas.microsoft.com/office/powerpoint/2010/main" val="1246087005"/>
       </p:ext>
     </p:extLst>
   </p:cSld>
   <p:clrMapOvr>
     <a:masterClrMapping/>
   </p:clrMapOvr>
-  <mc:AlternateContent xmlns:mc="http://schemas.openxmlformats.org/markup-compatibility/2006">
-    <mc:Choice xmlns:p14="http://schemas.microsoft.com/office/powerpoint/2010/main" xmlns="" Requires="p14">
+  <mc:AlternateContent xmlns:mc="http://schemas.openxmlformats.org/markup-compatibility/2006" xmlns:p14="http://schemas.microsoft.com/office/powerpoint/2010/main">
+    <mc:Choice Requires="p14">
       <p:transition spd="slow" p14:dur="1500">
         <p:random/>
       </p:transition>
     </mc:Choice>
-    <mc:Fallback>
+    <mc:Fallback xmlns="">
       <p:transition spd="slow">
         <p:random/>
       </p:transition>
@@ -11237,7 +11272,7 @@
           <p:cNvPr id="2" name="文本框 1">
             <a:extLst>
               <a:ext uri="{FF2B5EF4-FFF2-40B4-BE49-F238E27FC236}">
-                <a16:creationId xmlns:a16="http://schemas.microsoft.com/office/drawing/2014/main" xmlns="" id="{82B7A0D1-94AA-4BBE-B075-7F8DE3980D9E}"/>
+                <a16:creationId xmlns:a16="http://schemas.microsoft.com/office/drawing/2014/main" id="{82B7A0D1-94AA-4BBE-B075-7F8DE3980D9E}"/>
               </a:ext>
             </a:extLst>
           </p:cNvPr>
@@ -11271,7 +11306,7 @@
           <p:cNvPr id="4" name="文本框 3">
             <a:extLst>
               <a:ext uri="{FF2B5EF4-FFF2-40B4-BE49-F238E27FC236}">
-                <a16:creationId xmlns:a16="http://schemas.microsoft.com/office/drawing/2014/main" xmlns="" id="{B14A304B-A988-4D61-AEAF-5B58683FE9CE}"/>
+                <a16:creationId xmlns:a16="http://schemas.microsoft.com/office/drawing/2014/main" id="{B14A304B-A988-4D61-AEAF-5B58683FE9CE}"/>
               </a:ext>
             </a:extLst>
           </p:cNvPr>
@@ -11310,7 +11345,7 @@
           <p:cNvPr id="5" name="文本框 4">
             <a:extLst>
               <a:ext uri="{FF2B5EF4-FFF2-40B4-BE49-F238E27FC236}">
-                <a16:creationId xmlns:a16="http://schemas.microsoft.com/office/drawing/2014/main" xmlns="" id="{E5A46CD3-DD0B-47B3-B181-F319F7F75CC7}"/>
+                <a16:creationId xmlns:a16="http://schemas.microsoft.com/office/drawing/2014/main" id="{E5A46CD3-DD0B-47B3-B181-F319F7F75CC7}"/>
               </a:ext>
             </a:extLst>
           </p:cNvPr>
@@ -11376,20 +11411,20 @@
     </p:spTree>
     <p:extLst>
       <p:ext uri="{BB962C8B-B14F-4D97-AF65-F5344CB8AC3E}">
-        <p14:creationId xmlns:p14="http://schemas.microsoft.com/office/powerpoint/2010/main" xmlns="" val="1372656679"/>
+        <p14:creationId xmlns:p14="http://schemas.microsoft.com/office/powerpoint/2010/main" val="1372656679"/>
       </p:ext>
     </p:extLst>
   </p:cSld>
   <p:clrMapOvr>
     <a:masterClrMapping/>
   </p:clrMapOvr>
-  <mc:AlternateContent xmlns:mc="http://schemas.openxmlformats.org/markup-compatibility/2006">
-    <mc:Choice xmlns:p14="http://schemas.microsoft.com/office/powerpoint/2010/main" xmlns="" Requires="p14">
+  <mc:AlternateContent xmlns:mc="http://schemas.openxmlformats.org/markup-compatibility/2006" xmlns:p14="http://schemas.microsoft.com/office/powerpoint/2010/main">
+    <mc:Choice Requires="p14">
       <p:transition spd="slow" p14:dur="1250">
         <p14:flip dir="r"/>
       </p:transition>
     </mc:Choice>
-    <mc:Fallback>
+    <mc:Fallback xmlns="">
       <p:transition spd="slow">
         <p:fade/>
       </p:transition>
@@ -11420,7 +11455,7 @@
           <p:cNvPr id="2" name="文本框 1">
             <a:extLst>
               <a:ext uri="{FF2B5EF4-FFF2-40B4-BE49-F238E27FC236}">
-                <a16:creationId xmlns:a16="http://schemas.microsoft.com/office/drawing/2014/main" xmlns="" id="{82B7A0D1-94AA-4BBE-B075-7F8DE3980D9E}"/>
+                <a16:creationId xmlns:a16="http://schemas.microsoft.com/office/drawing/2014/main" id="{82B7A0D1-94AA-4BBE-B075-7F8DE3980D9E}"/>
               </a:ext>
             </a:extLst>
           </p:cNvPr>
@@ -11454,7 +11489,7 @@
           <p:cNvPr id="3" name="文本框 2">
             <a:extLst>
               <a:ext uri="{FF2B5EF4-FFF2-40B4-BE49-F238E27FC236}">
-                <a16:creationId xmlns:a16="http://schemas.microsoft.com/office/drawing/2014/main" xmlns="" id="{BFC7644F-3BA2-4568-9F75-5AEEB7990759}"/>
+                <a16:creationId xmlns:a16="http://schemas.microsoft.com/office/drawing/2014/main" id="{BFC7644F-3BA2-4568-9F75-5AEEB7990759}"/>
               </a:ext>
             </a:extLst>
           </p:cNvPr>
@@ -11493,7 +11528,7 @@
           <p:cNvPr id="4" name="文本框 3">
             <a:extLst>
               <a:ext uri="{FF2B5EF4-FFF2-40B4-BE49-F238E27FC236}">
-                <a16:creationId xmlns:a16="http://schemas.microsoft.com/office/drawing/2014/main" xmlns="" id="{50B37521-29FE-4DD8-A883-963145B22C9E}"/>
+                <a16:creationId xmlns:a16="http://schemas.microsoft.com/office/drawing/2014/main" id="{50B37521-29FE-4DD8-A883-963145B22C9E}"/>
               </a:ext>
             </a:extLst>
           </p:cNvPr>
@@ -11582,21 +11617,7 @@
                 <a:latin typeface="楷体" panose="02010609060101010101" pitchFamily="49" charset="-122"/>
                 <a:ea typeface="楷体" panose="02010609060101010101" pitchFamily="49" charset="-122"/>
               </a:rPr>
-              <a:t>、实现</a:t>
-            </a:r>
-            <a:r>
-              <a:rPr lang="zh-CN" altLang="en-US" sz="2400" dirty="0" smtClean="0">
-                <a:latin typeface="楷体" panose="02010609060101010101" pitchFamily="49" charset="-122"/>
-                <a:ea typeface="楷体" panose="02010609060101010101" pitchFamily="49" charset="-122"/>
-              </a:rPr>
-              <a:t>了单发箭，三发箭，魔法阵，飞镖，矛，斧头，魔法球制作</a:t>
-            </a:r>
-            <a:r>
-              <a:rPr lang="zh-CN" altLang="en-US" sz="2400" dirty="0">
-                <a:latin typeface="楷体" panose="02010609060101010101" pitchFamily="49" charset="-122"/>
-                <a:ea typeface="楷体" panose="02010609060101010101" pitchFamily="49" charset="-122"/>
-              </a:rPr>
-              <a:t>及武器动画的制作</a:t>
+              <a:t>、实现了单发箭，三发箭，魔法阵，飞镖，矛，斧头，魔法球制作及武器动画的制作</a:t>
             </a:r>
             <a:endParaRPr lang="en-US" altLang="zh-CN" sz="2400" dirty="0">
               <a:latin typeface="楷体" panose="02010609060101010101" pitchFamily="49" charset="-122"/>
@@ -11616,14 +11637,7 @@
                 <a:latin typeface="楷体" panose="02010609060101010101" pitchFamily="49" charset="-122"/>
                 <a:ea typeface="楷体" panose="02010609060101010101" pitchFamily="49" charset="-122"/>
               </a:rPr>
-              <a:t>、实现</a:t>
-            </a:r>
-            <a:r>
-              <a:rPr lang="zh-CN" altLang="en-US" sz="2400" dirty="0" smtClean="0">
-                <a:latin typeface="楷体" panose="02010609060101010101" pitchFamily="49" charset="-122"/>
-                <a:ea typeface="楷体" panose="02010609060101010101" pitchFamily="49" charset="-122"/>
-              </a:rPr>
-              <a:t>了近战和远程敌人，可以移动、逃走、攻击</a:t>
+              <a:t>、实现了近战和远程敌人，可以移动、随机移动、攻击</a:t>
             </a:r>
             <a:endParaRPr lang="en-US" altLang="zh-CN" sz="2400" dirty="0">
               <a:latin typeface="楷体" panose="02010609060101010101" pitchFamily="49" charset="-122"/>
@@ -11653,18 +11667,11 @@
               <a:t>2</a:t>
             </a:r>
             <a:r>
-              <a:rPr lang="zh-CN" altLang="en-US" sz="2400">
-                <a:latin typeface="楷体" panose="02010609060101010101" pitchFamily="49" charset="-122"/>
-                <a:ea typeface="楷体" panose="02010609060101010101" pitchFamily="49" charset="-122"/>
-              </a:rPr>
-              <a:t>种</a:t>
-            </a:r>
-            <a:r>
-              <a:rPr lang="zh-CN" altLang="en-US" sz="2400" smtClean="0">
-                <a:latin typeface="楷体" panose="02010609060101010101" pitchFamily="49" charset="-122"/>
-                <a:ea typeface="楷体" panose="02010609060101010101" pitchFamily="49" charset="-122"/>
-              </a:rPr>
-              <a:t>道具，包括恢复生命值及恢复魔力值的药水</a:t>
+              <a:rPr lang="zh-CN" altLang="en-US" sz="2400" dirty="0">
+                <a:latin typeface="楷体" panose="02010609060101010101" pitchFamily="49" charset="-122"/>
+                <a:ea typeface="楷体" panose="02010609060101010101" pitchFamily="49" charset="-122"/>
+              </a:rPr>
+              <a:t>种道具，包括恢复生命值及恢复魔力值的药水</a:t>
             </a:r>
             <a:endParaRPr lang="en-US" altLang="zh-CN" sz="2400" dirty="0">
               <a:latin typeface="楷体" panose="02010609060101010101" pitchFamily="49" charset="-122"/>
@@ -11704,7 +11711,7 @@
                 <a:latin typeface="楷体" panose="02010609060101010101" pitchFamily="49" charset="-122"/>
                 <a:ea typeface="楷体" panose="02010609060101010101" pitchFamily="49" charset="-122"/>
               </a:rPr>
-              <a:t>、包括安全地图及探险地图</a:t>
+              <a:t>、包括安全地图及探险地图（实现房间系统，房间中才有怪物）</a:t>
             </a:r>
             <a:endParaRPr lang="en-US" altLang="zh-CN" sz="2400" dirty="0">
               <a:latin typeface="楷体" panose="02010609060101010101" pitchFamily="49" charset="-122"/>
@@ -11766,20 +11773,20 @@
     </p:spTree>
     <p:extLst>
       <p:ext uri="{BB962C8B-B14F-4D97-AF65-F5344CB8AC3E}">
-        <p14:creationId xmlns:p14="http://schemas.microsoft.com/office/powerpoint/2010/main" xmlns="" val="593094158"/>
+        <p14:creationId xmlns:p14="http://schemas.microsoft.com/office/powerpoint/2010/main" val="593094158"/>
       </p:ext>
     </p:extLst>
   </p:cSld>
   <p:clrMapOvr>
     <a:masterClrMapping/>
   </p:clrMapOvr>
-  <mc:AlternateContent xmlns:mc="http://schemas.openxmlformats.org/markup-compatibility/2006">
-    <mc:Choice xmlns:p14="http://schemas.microsoft.com/office/powerpoint/2010/main" xmlns="" Requires="p14">
+  <mc:AlternateContent xmlns:mc="http://schemas.openxmlformats.org/markup-compatibility/2006" xmlns:p14="http://schemas.microsoft.com/office/powerpoint/2010/main">
+    <mc:Choice Requires="p14">
       <p:transition spd="slow" p14:dur="1250">
         <p14:flip dir="r"/>
       </p:transition>
     </mc:Choice>
-    <mc:Fallback>
+    <mc:Fallback xmlns="">
       <p:transition spd="slow">
         <p:fade/>
       </p:transition>
@@ -12083,7 +12090,7 @@
   <a:extraClrSchemeLst/>
   <a:extLst>
     <a:ext uri="{05A4C25C-085E-4340-85A3-A5531E510DB2}">
-      <thm15:themeFamily xmlns:thm15="http://schemas.microsoft.com/office/thememl/2012/main" xmlns="" name="Office Theme" id="{62F939B6-93AF-4DB8-9C6B-D6C7DFDC589F}" vid="{4A3C46E8-61CC-4603-A589-7422A47A8E4A}"/>
+      <thm15:themeFamily xmlns:thm15="http://schemas.microsoft.com/office/thememl/2012/main" name="Office Theme" id="{62F939B6-93AF-4DB8-9C6B-D6C7DFDC589F}" vid="{4A3C46E8-61CC-4603-A589-7422A47A8E4A}"/>
     </a:ext>
   </a:extLst>
 </a:theme>
@@ -12378,7 +12385,7 @@
   <a:extraClrSchemeLst/>
   <a:extLst>
     <a:ext uri="{05A4C25C-085E-4340-85A3-A5531E510DB2}">
-      <thm15:themeFamily xmlns:thm15="http://schemas.microsoft.com/office/thememl/2012/main" xmlns="" name="Office Theme" id="{62F939B6-93AF-4DB8-9C6B-D6C7DFDC589F}" vid="{4A3C46E8-61CC-4603-A589-7422A47A8E4A}"/>
+      <thm15:themeFamily xmlns:thm15="http://schemas.microsoft.com/office/thememl/2012/main" name="Office Theme" id="{62F939B6-93AF-4DB8-9C6B-D6C7DFDC589F}" vid="{4A3C46E8-61CC-4603-A589-7422A47A8E4A}"/>
     </a:ext>
   </a:extLst>
 </a:theme>
